--- a/Woohoo.pptx
+++ b/Woohoo.pptx
@@ -22,29 +22,28 @@
     <p:sldId id="276" r:id="rId16"/>
     <p:sldId id="278" r:id="rId17"/>
     <p:sldId id="279" r:id="rId18"/>
-    <p:sldId id="280" r:id="rId19"/>
-    <p:sldId id="272" r:id="rId20"/>
-    <p:sldId id="281" r:id="rId21"/>
-    <p:sldId id="273" r:id="rId22"/>
-    <p:sldId id="282" r:id="rId23"/>
-    <p:sldId id="283" r:id="rId24"/>
-    <p:sldId id="284" r:id="rId25"/>
-    <p:sldId id="285" r:id="rId26"/>
-    <p:sldId id="262" r:id="rId27"/>
-    <p:sldId id="263" r:id="rId28"/>
-    <p:sldId id="264" r:id="rId29"/>
+    <p:sldId id="272" r:id="rId19"/>
+    <p:sldId id="281" r:id="rId20"/>
+    <p:sldId id="273" r:id="rId21"/>
+    <p:sldId id="282" r:id="rId22"/>
+    <p:sldId id="283" r:id="rId23"/>
+    <p:sldId id="284" r:id="rId24"/>
+    <p:sldId id="285" r:id="rId25"/>
+    <p:sldId id="262" r:id="rId26"/>
+    <p:sldId id="263" r:id="rId27"/>
+    <p:sldId id="264" r:id="rId28"/>
   </p:sldIdLst>
   <p:sldSz cx="9144000" cy="6858000" type="screen4x3"/>
   <p:notesSz cx="6858000" cy="9144000"/>
   <p:embeddedFontLst>
     <p:embeddedFont>
       <p:font typeface="인터파크고딕 L" pitchFamily="2" charset="-127"/>
-      <p:regular r:id="rId30"/>
+      <p:regular r:id="rId29"/>
     </p:embeddedFont>
     <p:embeddedFont>
       <p:font typeface="맑은 고딕" pitchFamily="50" charset="-127"/>
-      <p:regular r:id="rId31"/>
-      <p:bold r:id="rId32"/>
+      <p:regular r:id="rId30"/>
+      <p:bold r:id="rId31"/>
     </p:embeddedFont>
   </p:embeddedFontLst>
   <p:defaultTextStyle>
@@ -12010,6 +12009,177 @@
       </p:sp>
       <p:sp>
         <p:nvSpPr>
+          <p:cNvPr id="6" name="TextBox 5"/>
+          <p:cNvSpPr txBox="1"/>
+          <p:nvPr/>
+        </p:nvSpPr>
+        <p:spPr>
+          <a:xfrm>
+            <a:off x="3840368" y="1034341"/>
+            <a:ext cx="2273379" cy="923330"/>
+          </a:xfrm>
+          <a:prstGeom prst="rect">
+            <a:avLst/>
+          </a:prstGeom>
+          <a:noFill/>
+          <a:ln>
+            <a:solidFill>
+              <a:schemeClr val="bg1">
+                <a:alpha val="0"/>
+              </a:schemeClr>
+            </a:solidFill>
+          </a:ln>
+        </p:spPr>
+        <p:txBody>
+          <a:bodyPr wrap="none" rtlCol="0" anchor="ctr">
+            <a:spAutoFit/>
+          </a:bodyPr>
+          <a:lstStyle/>
+          <a:p>
+            <a:pPr>
+              <a:lnSpc>
+                <a:spcPct val="150000"/>
+              </a:lnSpc>
+            </a:pPr>
+            <a:r>
+              <a:rPr lang="ko-KR" altLang="en-US" dirty="0" smtClean="0">
+                <a:ln>
+                  <a:solidFill>
+                    <a:schemeClr val="bg1">
+                      <a:alpha val="90000"/>
+                    </a:schemeClr>
+                  </a:solidFill>
+                </a:ln>
+                <a:solidFill>
+                  <a:schemeClr val="bg1">
+                    <a:lumMod val="95000"/>
+                  </a:schemeClr>
+                </a:solidFill>
+                <a:latin typeface="인터파크고딕 L" pitchFamily="2" charset="-127"/>
+                <a:ea typeface="인터파크고딕 L" pitchFamily="2" charset="-127"/>
+              </a:rPr>
+              <a:t>아이템 </a:t>
+            </a:r>
+            <a:r>
+              <a:rPr lang="en-US" altLang="ko-KR" dirty="0" smtClean="0">
+                <a:ln>
+                  <a:solidFill>
+                    <a:schemeClr val="bg1">
+                      <a:alpha val="90000"/>
+                    </a:schemeClr>
+                  </a:solidFill>
+                </a:ln>
+                <a:solidFill>
+                  <a:schemeClr val="bg1">
+                    <a:lumMod val="95000"/>
+                  </a:schemeClr>
+                </a:solidFill>
+                <a:latin typeface="인터파크고딕 L" pitchFamily="2" charset="-127"/>
+                <a:ea typeface="인터파크고딕 L" pitchFamily="2" charset="-127"/>
+              </a:rPr>
+              <a:t>1 : </a:t>
+            </a:r>
+            <a:r>
+              <a:rPr lang="ko-KR" altLang="en-US" dirty="0" smtClean="0">
+                <a:ln>
+                  <a:solidFill>
+                    <a:schemeClr val="bg1">
+                      <a:alpha val="90000"/>
+                    </a:schemeClr>
+                  </a:solidFill>
+                </a:ln>
+                <a:solidFill>
+                  <a:schemeClr val="bg1">
+                    <a:lumMod val="95000"/>
+                  </a:schemeClr>
+                </a:solidFill>
+                <a:latin typeface="인터파크고딕 L" pitchFamily="2" charset="-127"/>
+                <a:ea typeface="인터파크고딕 L" pitchFamily="2" charset="-127"/>
+              </a:rPr>
+              <a:t>되돌아가기</a:t>
+            </a:r>
+            <a:endParaRPr lang="en-US" altLang="ko-KR" dirty="0" smtClean="0">
+              <a:ln>
+                <a:solidFill>
+                  <a:schemeClr val="bg1">
+                    <a:alpha val="90000"/>
+                  </a:schemeClr>
+                </a:solidFill>
+              </a:ln>
+              <a:solidFill>
+                <a:schemeClr val="bg1">
+                  <a:lumMod val="95000"/>
+                </a:schemeClr>
+              </a:solidFill>
+              <a:latin typeface="인터파크고딕 L" pitchFamily="2" charset="-127"/>
+              <a:ea typeface="인터파크고딕 L" pitchFamily="2" charset="-127"/>
+            </a:endParaRPr>
+          </a:p>
+          <a:p>
+            <a:pPr>
+              <a:lnSpc>
+                <a:spcPct val="150000"/>
+              </a:lnSpc>
+            </a:pPr>
+            <a:r>
+              <a:rPr lang="en-US" altLang="ko-KR" dirty="0" smtClean="0">
+                <a:ln>
+                  <a:solidFill>
+                    <a:schemeClr val="bg1">
+                      <a:alpha val="90000"/>
+                    </a:schemeClr>
+                  </a:solidFill>
+                </a:ln>
+                <a:solidFill>
+                  <a:schemeClr val="bg1">
+                    <a:lumMod val="95000"/>
+                  </a:schemeClr>
+                </a:solidFill>
+                <a:latin typeface="인터파크고딕 L" pitchFamily="2" charset="-127"/>
+                <a:ea typeface="인터파크고딕 L" pitchFamily="2" charset="-127"/>
+              </a:rPr>
+              <a:t>Void </a:t>
+            </a:r>
+            <a:r>
+              <a:rPr lang="en-US" altLang="ko-KR" dirty="0" err="1" smtClean="0">
+                <a:ln>
+                  <a:solidFill>
+                    <a:schemeClr val="bg1">
+                      <a:alpha val="90000"/>
+                    </a:schemeClr>
+                  </a:solidFill>
+                </a:ln>
+                <a:solidFill>
+                  <a:schemeClr val="bg1">
+                    <a:lumMod val="95000"/>
+                  </a:schemeClr>
+                </a:solidFill>
+                <a:latin typeface="인터파크고딕 L" pitchFamily="2" charset="-127"/>
+                <a:ea typeface="인터파크고딕 L" pitchFamily="2" charset="-127"/>
+              </a:rPr>
+              <a:t>go_back</a:t>
+            </a:r>
+            <a:endParaRPr lang="en-US" altLang="ko-KR" dirty="0" smtClean="0">
+              <a:ln>
+                <a:solidFill>
+                  <a:schemeClr val="bg1">
+                    <a:alpha val="90000"/>
+                  </a:schemeClr>
+                </a:solidFill>
+              </a:ln>
+              <a:solidFill>
+                <a:schemeClr val="bg1">
+                  <a:lumMod val="95000"/>
+                </a:schemeClr>
+              </a:solidFill>
+              <a:latin typeface="인터파크고딕 L" pitchFamily="2" charset="-127"/>
+              <a:ea typeface="인터파크고딕 L" pitchFamily="2" charset="-127"/>
+            </a:endParaRPr>
+          </a:p>
+        </p:txBody>
+      </p:sp>
+      <p:sp>
+        <p:nvSpPr>
           <p:cNvPr id="7" name="이등변 삼각형 6"/>
           <p:cNvSpPr/>
           <p:nvPr/>
@@ -12093,14 +12263,14 @@
       </p:cxnSp>
       <p:sp>
         <p:nvSpPr>
-          <p:cNvPr id="10" name="TextBox 9"/>
+          <p:cNvPr id="9" name="TextBox 8"/>
           <p:cNvSpPr txBox="1"/>
           <p:nvPr/>
         </p:nvSpPr>
         <p:spPr>
           <a:xfrm>
-            <a:off x="3840368" y="1034341"/>
-            <a:ext cx="2449710" cy="923330"/>
+            <a:off x="3643306" y="2643182"/>
+            <a:ext cx="4137671" cy="3970318"/>
           </a:xfrm>
           <a:prstGeom prst="rect">
             <a:avLst/>
@@ -12126,41 +12296,540 @@
               </a:lnSpc>
             </a:pPr>
             <a:r>
-              <a:rPr lang="en-US" altLang="ko-KR" dirty="0" smtClean="0">
-                <a:ln>
-                  <a:solidFill>
-                    <a:schemeClr val="bg1">
-                      <a:alpha val="90000"/>
-                    </a:schemeClr>
-                  </a:solidFill>
-                </a:ln>
-                <a:solidFill>
-                  <a:schemeClr val="bg1"/>
-                </a:solidFill>
-                <a:latin typeface="인터파크고딕 L" pitchFamily="2" charset="-127"/>
-                <a:ea typeface="인터파크고딕 L" pitchFamily="2" charset="-127"/>
-              </a:rPr>
-              <a:t>1</a:t>
-            </a:r>
-            <a:r>
-              <a:rPr lang="ko-KR" altLang="en-US" dirty="0" smtClean="0">
-                <a:ln>
-                  <a:solidFill>
-                    <a:schemeClr val="bg1">
-                      <a:alpha val="90000"/>
-                    </a:schemeClr>
-                  </a:solidFill>
-                </a:ln>
-                <a:solidFill>
-                  <a:schemeClr val="bg1"/>
-                </a:solidFill>
-                <a:latin typeface="인터파크고딕 L" pitchFamily="2" charset="-127"/>
-                <a:ea typeface="인터파크고딕 L" pitchFamily="2" charset="-127"/>
-              </a:rPr>
-              <a:t>인용</a:t>
-            </a:r>
-            <a:r>
-              <a:rPr lang="ko-KR" altLang="en-US" dirty="0" smtClean="0">
+              <a:rPr lang="en-US" altLang="ko-KR" sz="1200" dirty="0" smtClean="0">
+                <a:ln>
+                  <a:solidFill>
+                    <a:schemeClr val="bg1">
+                      <a:alpha val="90000"/>
+                    </a:schemeClr>
+                  </a:solidFill>
+                </a:ln>
+                <a:solidFill>
+                  <a:schemeClr val="bg1">
+                    <a:lumMod val="95000"/>
+                  </a:schemeClr>
+                </a:solidFill>
+                <a:latin typeface="인터파크고딕 L" pitchFamily="2" charset="-127"/>
+                <a:ea typeface="인터파크고딕 L" pitchFamily="2" charset="-127"/>
+              </a:rPr>
+              <a:t>void </a:t>
+            </a:r>
+            <a:r>
+              <a:rPr lang="en-US" altLang="ko-KR" sz="1200" dirty="0" err="1" smtClean="0">
+                <a:ln>
+                  <a:solidFill>
+                    <a:schemeClr val="bg1">
+                      <a:alpha val="90000"/>
+                    </a:schemeClr>
+                  </a:solidFill>
+                </a:ln>
+                <a:solidFill>
+                  <a:schemeClr val="bg1">
+                    <a:lumMod val="95000"/>
+                  </a:schemeClr>
+                </a:solidFill>
+                <a:latin typeface="인터파크고딕 L" pitchFamily="2" charset="-127"/>
+                <a:ea typeface="인터파크고딕 L" pitchFamily="2" charset="-127"/>
+              </a:rPr>
+              <a:t>go_back</a:t>
+            </a:r>
+            <a:r>
+              <a:rPr lang="en-US" altLang="ko-KR" sz="1200" dirty="0" smtClean="0">
+                <a:ln>
+                  <a:solidFill>
+                    <a:schemeClr val="bg1">
+                      <a:alpha val="90000"/>
+                    </a:schemeClr>
+                  </a:solidFill>
+                </a:ln>
+                <a:solidFill>
+                  <a:schemeClr val="bg1">
+                    <a:lumMod val="95000"/>
+                  </a:schemeClr>
+                </a:solidFill>
+                <a:latin typeface="인터파크고딕 L" pitchFamily="2" charset="-127"/>
+                <a:ea typeface="인터파크고딕 L" pitchFamily="2" charset="-127"/>
+              </a:rPr>
+              <a:t>(deck *deck)</a:t>
+            </a:r>
+          </a:p>
+          <a:p>
+            <a:pPr>
+              <a:lnSpc>
+                <a:spcPct val="150000"/>
+              </a:lnSpc>
+            </a:pPr>
+            <a:r>
+              <a:rPr lang="en-US" altLang="ko-KR" sz="1200" dirty="0" smtClean="0">
+                <a:ln>
+                  <a:solidFill>
+                    <a:schemeClr val="bg1">
+                      <a:alpha val="90000"/>
+                    </a:schemeClr>
+                  </a:solidFill>
+                </a:ln>
+                <a:solidFill>
+                  <a:schemeClr val="bg1">
+                    <a:lumMod val="95000"/>
+                  </a:schemeClr>
+                </a:solidFill>
+                <a:latin typeface="인터파크고딕 L" pitchFamily="2" charset="-127"/>
+                <a:ea typeface="인터파크고딕 L" pitchFamily="2" charset="-127"/>
+              </a:rPr>
+              <a:t>{</a:t>
+            </a:r>
+          </a:p>
+          <a:p>
+            <a:pPr>
+              <a:lnSpc>
+                <a:spcPct val="150000"/>
+              </a:lnSpc>
+            </a:pPr>
+            <a:r>
+              <a:rPr lang="en-US" altLang="ko-KR" sz="1200" dirty="0" smtClean="0">
+                <a:ln>
+                  <a:solidFill>
+                    <a:schemeClr val="bg1">
+                      <a:alpha val="90000"/>
+                    </a:schemeClr>
+                  </a:solidFill>
+                </a:ln>
+                <a:solidFill>
+                  <a:schemeClr val="bg1">
+                    <a:lumMod val="95000"/>
+                  </a:schemeClr>
+                </a:solidFill>
+                <a:latin typeface="인터파크고딕 L" pitchFamily="2" charset="-127"/>
+                <a:ea typeface="인터파크고딕 L" pitchFamily="2" charset="-127"/>
+              </a:rPr>
+              <a:t>    </a:t>
+            </a:r>
+            <a:r>
+              <a:rPr lang="en-US" altLang="ko-KR" sz="1200" dirty="0" err="1" smtClean="0">
+                <a:ln>
+                  <a:solidFill>
+                    <a:schemeClr val="bg1">
+                      <a:alpha val="90000"/>
+                    </a:schemeClr>
+                  </a:solidFill>
+                </a:ln>
+                <a:solidFill>
+                  <a:schemeClr val="bg1">
+                    <a:lumMod val="95000"/>
+                  </a:schemeClr>
+                </a:solidFill>
+                <a:latin typeface="인터파크고딕 L" pitchFamily="2" charset="-127"/>
+                <a:ea typeface="인터파크고딕 L" pitchFamily="2" charset="-127"/>
+              </a:rPr>
+              <a:t>int</a:t>
+            </a:r>
+            <a:r>
+              <a:rPr lang="en-US" altLang="ko-KR" sz="1200" dirty="0" smtClean="0">
+                <a:ln>
+                  <a:solidFill>
+                    <a:schemeClr val="bg1">
+                      <a:alpha val="90000"/>
+                    </a:schemeClr>
+                  </a:solidFill>
+                </a:ln>
+                <a:solidFill>
+                  <a:schemeClr val="bg1">
+                    <a:lumMod val="95000"/>
+                  </a:schemeClr>
+                </a:solidFill>
+                <a:latin typeface="인터파크고딕 L" pitchFamily="2" charset="-127"/>
+                <a:ea typeface="인터파크고딕 L" pitchFamily="2" charset="-127"/>
+              </a:rPr>
+              <a:t> temp = 0;</a:t>
+            </a:r>
+          </a:p>
+          <a:p>
+            <a:pPr>
+              <a:lnSpc>
+                <a:spcPct val="150000"/>
+              </a:lnSpc>
+            </a:pPr>
+            <a:r>
+              <a:rPr lang="en-US" altLang="ko-KR" sz="1200" dirty="0" smtClean="0">
+                <a:ln>
+                  <a:solidFill>
+                    <a:schemeClr val="bg1">
+                      <a:alpha val="90000"/>
+                    </a:schemeClr>
+                  </a:solidFill>
+                </a:ln>
+                <a:solidFill>
+                  <a:schemeClr val="bg1">
+                    <a:lumMod val="95000"/>
+                  </a:schemeClr>
+                </a:solidFill>
+                <a:latin typeface="인터파크고딕 L" pitchFamily="2" charset="-127"/>
+                <a:ea typeface="인터파크고딕 L" pitchFamily="2" charset="-127"/>
+              </a:rPr>
+              <a:t>    if (deck-&gt;item2 &lt; 1)</a:t>
+            </a:r>
+          </a:p>
+          <a:p>
+            <a:pPr>
+              <a:lnSpc>
+                <a:spcPct val="150000"/>
+              </a:lnSpc>
+            </a:pPr>
+            <a:r>
+              <a:rPr lang="en-US" altLang="ko-KR" sz="1200" dirty="0" smtClean="0">
+                <a:ln>
+                  <a:solidFill>
+                    <a:schemeClr val="bg1">
+                      <a:alpha val="90000"/>
+                    </a:schemeClr>
+                  </a:solidFill>
+                </a:ln>
+                <a:solidFill>
+                  <a:schemeClr val="bg1">
+                    <a:lumMod val="95000"/>
+                  </a:schemeClr>
+                </a:solidFill>
+                <a:latin typeface="인터파크고딕 L" pitchFamily="2" charset="-127"/>
+                <a:ea typeface="인터파크고딕 L" pitchFamily="2" charset="-127"/>
+              </a:rPr>
+              <a:t>    	return;</a:t>
+            </a:r>
+          </a:p>
+          <a:p>
+            <a:pPr>
+              <a:lnSpc>
+                <a:spcPct val="150000"/>
+              </a:lnSpc>
+            </a:pPr>
+            <a:r>
+              <a:rPr lang="en-US" altLang="ko-KR" sz="1200" dirty="0" smtClean="0">
+                <a:ln>
+                  <a:solidFill>
+                    <a:schemeClr val="bg1">
+                      <a:alpha val="90000"/>
+                    </a:schemeClr>
+                  </a:solidFill>
+                </a:ln>
+                <a:solidFill>
+                  <a:schemeClr val="bg1">
+                    <a:lumMod val="95000"/>
+                  </a:schemeClr>
+                </a:solidFill>
+                <a:latin typeface="인터파크고딕 L" pitchFamily="2" charset="-127"/>
+                <a:ea typeface="인터파크고딕 L" pitchFamily="2" charset="-127"/>
+              </a:rPr>
+              <a:t>    if (deck-&gt;</a:t>
+            </a:r>
+            <a:r>
+              <a:rPr lang="en-US" altLang="ko-KR" sz="1200" dirty="0" err="1" smtClean="0">
+                <a:ln>
+                  <a:solidFill>
+                    <a:schemeClr val="bg1">
+                      <a:alpha val="90000"/>
+                    </a:schemeClr>
+                  </a:solidFill>
+                </a:ln>
+                <a:solidFill>
+                  <a:schemeClr val="bg1">
+                    <a:lumMod val="95000"/>
+                  </a:schemeClr>
+                </a:solidFill>
+                <a:latin typeface="인터파크고딕 L" pitchFamily="2" charset="-127"/>
+                <a:ea typeface="인터파크고딕 L" pitchFamily="2" charset="-127"/>
+              </a:rPr>
+              <a:t>storeStart</a:t>
+            </a:r>
+            <a:r>
+              <a:rPr lang="en-US" altLang="ko-KR" sz="1200" dirty="0" smtClean="0">
+                <a:ln>
+                  <a:solidFill>
+                    <a:schemeClr val="bg1">
+                      <a:alpha val="90000"/>
+                    </a:schemeClr>
+                  </a:solidFill>
+                </a:ln>
+                <a:solidFill>
+                  <a:schemeClr val="bg1">
+                    <a:lumMod val="95000"/>
+                  </a:schemeClr>
+                </a:solidFill>
+                <a:latin typeface="인터파크고딕 L" pitchFamily="2" charset="-127"/>
+                <a:ea typeface="인터파크고딕 L" pitchFamily="2" charset="-127"/>
+              </a:rPr>
+              <a:t> == deck-&gt;</a:t>
+            </a:r>
+            <a:r>
+              <a:rPr lang="en-US" altLang="ko-KR" sz="1200" dirty="0" err="1" smtClean="0">
+                <a:ln>
+                  <a:solidFill>
+                    <a:schemeClr val="bg1">
+                      <a:alpha val="90000"/>
+                    </a:schemeClr>
+                  </a:solidFill>
+                </a:ln>
+                <a:solidFill>
+                  <a:schemeClr val="bg1">
+                    <a:lumMod val="95000"/>
+                  </a:schemeClr>
+                </a:solidFill>
+                <a:latin typeface="인터파크고딕 L" pitchFamily="2" charset="-127"/>
+                <a:ea typeface="인터파크고딕 L" pitchFamily="2" charset="-127"/>
+              </a:rPr>
+              <a:t>storeEnd</a:t>
+            </a:r>
+            <a:r>
+              <a:rPr lang="en-US" altLang="ko-KR" sz="1200" dirty="0" smtClean="0">
+                <a:ln>
+                  <a:solidFill>
+                    <a:schemeClr val="bg1">
+                      <a:alpha val="90000"/>
+                    </a:schemeClr>
+                  </a:solidFill>
+                </a:ln>
+                <a:solidFill>
+                  <a:schemeClr val="bg1">
+                    <a:lumMod val="95000"/>
+                  </a:schemeClr>
+                </a:solidFill>
+                <a:latin typeface="인터파크고딕 L" pitchFamily="2" charset="-127"/>
+                <a:ea typeface="인터파크고딕 L" pitchFamily="2" charset="-127"/>
+              </a:rPr>
+              <a:t>)</a:t>
+            </a:r>
+          </a:p>
+          <a:p>
+            <a:pPr>
+              <a:lnSpc>
+                <a:spcPct val="150000"/>
+              </a:lnSpc>
+            </a:pPr>
+            <a:r>
+              <a:rPr lang="en-US" altLang="ko-KR" sz="1200" dirty="0" smtClean="0">
+                <a:ln>
+                  <a:solidFill>
+                    <a:schemeClr val="bg1">
+                      <a:alpha val="90000"/>
+                    </a:schemeClr>
+                  </a:solidFill>
+                </a:ln>
+                <a:solidFill>
+                  <a:schemeClr val="bg1">
+                    <a:lumMod val="95000"/>
+                  </a:schemeClr>
+                </a:solidFill>
+                <a:latin typeface="인터파크고딕 L" pitchFamily="2" charset="-127"/>
+                <a:ea typeface="인터파크고딕 L" pitchFamily="2" charset="-127"/>
+              </a:rPr>
+              <a:t>    {</a:t>
+            </a:r>
+          </a:p>
+          <a:p>
+            <a:pPr>
+              <a:lnSpc>
+                <a:spcPct val="150000"/>
+              </a:lnSpc>
+            </a:pPr>
+            <a:r>
+              <a:rPr lang="en-US" altLang="ko-KR" sz="1200" dirty="0" smtClean="0">
+                <a:ln>
+                  <a:solidFill>
+                    <a:schemeClr val="bg1">
+                      <a:alpha val="90000"/>
+                    </a:schemeClr>
+                  </a:solidFill>
+                </a:ln>
+                <a:solidFill>
+                  <a:schemeClr val="bg1">
+                    <a:lumMod val="95000"/>
+                  </a:schemeClr>
+                </a:solidFill>
+                <a:latin typeface="인터파크고딕 L" pitchFamily="2" charset="-127"/>
+                <a:ea typeface="인터파크고딕 L" pitchFamily="2" charset="-127"/>
+              </a:rPr>
+              <a:t>        </a:t>
+            </a:r>
+            <a:r>
+              <a:rPr lang="en-US" altLang="ko-KR" sz="1200" dirty="0" err="1" smtClean="0">
+                <a:ln>
+                  <a:solidFill>
+                    <a:schemeClr val="bg1">
+                      <a:alpha val="90000"/>
+                    </a:schemeClr>
+                  </a:solidFill>
+                </a:ln>
+                <a:solidFill>
+                  <a:schemeClr val="bg1">
+                    <a:lumMod val="95000"/>
+                  </a:schemeClr>
+                </a:solidFill>
+                <a:latin typeface="인터파크고딕 L" pitchFamily="2" charset="-127"/>
+                <a:ea typeface="인터파크고딕 L" pitchFamily="2" charset="-127"/>
+              </a:rPr>
+              <a:t>printf</a:t>
+            </a:r>
+            <a:r>
+              <a:rPr lang="en-US" altLang="ko-KR" sz="1200" dirty="0" smtClean="0">
+                <a:ln>
+                  <a:solidFill>
+                    <a:schemeClr val="bg1">
+                      <a:alpha val="90000"/>
+                    </a:schemeClr>
+                  </a:solidFill>
+                </a:ln>
+                <a:solidFill>
+                  <a:schemeClr val="bg1">
+                    <a:lumMod val="95000"/>
+                  </a:schemeClr>
+                </a:solidFill>
+                <a:latin typeface="인터파크고딕 L" pitchFamily="2" charset="-127"/>
+                <a:ea typeface="인터파크고딕 L" pitchFamily="2" charset="-127"/>
+              </a:rPr>
+              <a:t>("Cannot go back to the previous state.\n");</a:t>
+            </a:r>
+          </a:p>
+          <a:p>
+            <a:pPr>
+              <a:lnSpc>
+                <a:spcPct val="150000"/>
+              </a:lnSpc>
+            </a:pPr>
+            <a:r>
+              <a:rPr lang="en-US" altLang="ko-KR" sz="1200" dirty="0" smtClean="0">
+                <a:ln>
+                  <a:solidFill>
+                    <a:schemeClr val="bg1">
+                      <a:alpha val="90000"/>
+                    </a:schemeClr>
+                  </a:solidFill>
+                </a:ln>
+                <a:solidFill>
+                  <a:schemeClr val="bg1">
+                    <a:lumMod val="95000"/>
+                  </a:schemeClr>
+                </a:solidFill>
+                <a:latin typeface="인터파크고딕 L" pitchFamily="2" charset="-127"/>
+                <a:ea typeface="인터파크고딕 L" pitchFamily="2" charset="-127"/>
+              </a:rPr>
+              <a:t>        return;</a:t>
+            </a:r>
+          </a:p>
+          <a:p>
+            <a:pPr>
+              <a:lnSpc>
+                <a:spcPct val="150000"/>
+              </a:lnSpc>
+            </a:pPr>
+            <a:r>
+              <a:rPr lang="en-US" altLang="ko-KR" sz="1200" dirty="0" smtClean="0">
+                <a:ln>
+                  <a:solidFill>
+                    <a:schemeClr val="bg1">
+                      <a:alpha val="90000"/>
+                    </a:schemeClr>
+                  </a:solidFill>
+                </a:ln>
+                <a:solidFill>
+                  <a:schemeClr val="bg1">
+                    <a:lumMod val="95000"/>
+                  </a:schemeClr>
+                </a:solidFill>
+                <a:latin typeface="인터파크고딕 L" pitchFamily="2" charset="-127"/>
+                <a:ea typeface="인터파크고딕 L" pitchFamily="2" charset="-127"/>
+              </a:rPr>
+              <a:t>    }    </a:t>
+            </a:r>
+          </a:p>
+          <a:p>
+            <a:pPr>
+              <a:lnSpc>
+                <a:spcPct val="150000"/>
+              </a:lnSpc>
+            </a:pPr>
+            <a:r>
+              <a:rPr lang="en-US" altLang="ko-KR" sz="1200" dirty="0" smtClean="0">
+                <a:ln>
+                  <a:solidFill>
+                    <a:schemeClr val="bg1">
+                      <a:alpha val="90000"/>
+                    </a:schemeClr>
+                  </a:solidFill>
+                </a:ln>
+                <a:solidFill>
+                  <a:schemeClr val="bg1">
+                    <a:lumMod val="95000"/>
+                  </a:schemeClr>
+                </a:solidFill>
+                <a:latin typeface="인터파크고딕 L" pitchFamily="2" charset="-127"/>
+                <a:ea typeface="인터파크고딕 L" pitchFamily="2" charset="-127"/>
+              </a:rPr>
+              <a:t>    if (--deck-&gt;</a:t>
+            </a:r>
+            <a:r>
+              <a:rPr lang="en-US" altLang="ko-KR" sz="1200" dirty="0" err="1" smtClean="0">
+                <a:ln>
+                  <a:solidFill>
+                    <a:schemeClr val="bg1">
+                      <a:alpha val="90000"/>
+                    </a:schemeClr>
+                  </a:solidFill>
+                </a:ln>
+                <a:solidFill>
+                  <a:schemeClr val="bg1">
+                    <a:lumMod val="95000"/>
+                  </a:schemeClr>
+                </a:solidFill>
+                <a:latin typeface="인터파크고딕 L" pitchFamily="2" charset="-127"/>
+                <a:ea typeface="인터파크고딕 L" pitchFamily="2" charset="-127"/>
+              </a:rPr>
+              <a:t>storeStart</a:t>
+            </a:r>
+            <a:r>
+              <a:rPr lang="en-US" altLang="ko-KR" sz="1200" dirty="0" smtClean="0">
+                <a:ln>
+                  <a:solidFill>
+                    <a:schemeClr val="bg1">
+                      <a:alpha val="90000"/>
+                    </a:schemeClr>
+                  </a:solidFill>
+                </a:ln>
+                <a:solidFill>
+                  <a:schemeClr val="bg1">
+                    <a:lumMod val="95000"/>
+                  </a:schemeClr>
+                </a:solidFill>
+                <a:latin typeface="인터파크고딕 L" pitchFamily="2" charset="-127"/>
+                <a:ea typeface="인터파크고딕 L" pitchFamily="2" charset="-127"/>
+              </a:rPr>
+              <a:t> &lt; 0)</a:t>
+            </a:r>
+          </a:p>
+          <a:p>
+            <a:pPr>
+              <a:lnSpc>
+                <a:spcPct val="150000"/>
+              </a:lnSpc>
+            </a:pPr>
+            <a:r>
+              <a:rPr lang="en-US" altLang="ko-KR" sz="1200" dirty="0" smtClean="0">
+                <a:ln>
+                  <a:solidFill>
+                    <a:schemeClr val="bg1">
+                      <a:alpha val="90000"/>
+                    </a:schemeClr>
+                  </a:solidFill>
+                </a:ln>
+                <a:solidFill>
+                  <a:schemeClr val="bg1">
+                    <a:lumMod val="95000"/>
+                  </a:schemeClr>
+                </a:solidFill>
+                <a:latin typeface="인터파크고딕 L" pitchFamily="2" charset="-127"/>
+                <a:ea typeface="인터파크고딕 L" pitchFamily="2" charset="-127"/>
+              </a:rPr>
+              <a:t>        </a:t>
+            </a:r>
+            <a:r>
+              <a:rPr lang="en-US" altLang="ko-KR" sz="1200" dirty="0" smtClean="0">
                 <a:ln>
                   <a:solidFill>
                     <a:srgbClr val="009999">
@@ -12174,29 +12843,10 @@
                 <a:latin typeface="인터파크고딕 L" pitchFamily="2" charset="-127"/>
                 <a:ea typeface="인터파크고딕 L" pitchFamily="2" charset="-127"/>
               </a:rPr>
-              <a:t> </a:t>
-            </a:r>
-            <a:r>
-              <a:rPr lang="en-US" altLang="ko-KR" dirty="0" smtClean="0">
-                <a:ln>
-                  <a:solidFill>
-                    <a:schemeClr val="bg1">
-                      <a:alpha val="90000"/>
-                    </a:schemeClr>
-                  </a:solidFill>
-                </a:ln>
-                <a:solidFill>
-                  <a:schemeClr val="bg1">
-                    <a:lumMod val="95000"/>
-                  </a:schemeClr>
-                </a:solidFill>
-                <a:latin typeface="인터파크고딕 L" pitchFamily="2" charset="-127"/>
-                <a:ea typeface="인터파크고딕 L" pitchFamily="2" charset="-127"/>
-              </a:rPr>
-              <a:t>/ </a:t>
-            </a:r>
-            <a:r>
-              <a:rPr lang="en-US" altLang="ko-KR" dirty="0" smtClean="0">
+              <a:t>deck-&gt;</a:t>
+            </a:r>
+            <a:r>
+              <a:rPr lang="en-US" altLang="ko-KR" sz="1200" dirty="0" err="1" smtClean="0">
                 <a:ln>
                   <a:solidFill>
                     <a:srgbClr val="009999">
@@ -12210,10 +12860,10 @@
                 <a:latin typeface="인터파크고딕 L" pitchFamily="2" charset="-127"/>
                 <a:ea typeface="인터파크고딕 L" pitchFamily="2" charset="-127"/>
               </a:rPr>
-              <a:t>2</a:t>
-            </a:r>
-            <a:r>
-              <a:rPr lang="ko-KR" altLang="en-US" dirty="0" smtClean="0">
+              <a:t>storeStart</a:t>
+            </a:r>
+            <a:r>
+              <a:rPr lang="en-US" altLang="ko-KR" sz="1200" dirty="0" smtClean="0">
                 <a:ln>
                   <a:solidFill>
                     <a:srgbClr val="009999">
@@ -12227,22 +12877,8 @@
                 <a:latin typeface="인터파크고딕 L" pitchFamily="2" charset="-127"/>
                 <a:ea typeface="인터파크고딕 L" pitchFamily="2" charset="-127"/>
               </a:rPr>
-              <a:t>인용</a:t>
-            </a:r>
-            <a:endParaRPr lang="en-US" altLang="ko-KR" dirty="0" smtClean="0">
-              <a:ln>
-                <a:solidFill>
-                  <a:srgbClr val="009999">
-                    <a:alpha val="90000"/>
-                  </a:srgbClr>
-                </a:solidFill>
-              </a:ln>
-              <a:solidFill>
-                <a:srgbClr val="009999"/>
-              </a:solidFill>
-              <a:latin typeface="인터파크고딕 L" pitchFamily="2" charset="-127"/>
-              <a:ea typeface="인터파크고딕 L" pitchFamily="2" charset="-127"/>
-            </a:endParaRPr>
+              <a:t> = STORELENGTH – 1;</a:t>
+            </a:r>
           </a:p>
           <a:p>
             <a:pPr>
@@ -12251,144 +12887,50 @@
               </a:lnSpc>
             </a:pPr>
             <a:r>
-              <a:rPr lang="en-US" altLang="ko-KR" dirty="0" smtClean="0">
-                <a:ln>
-                  <a:solidFill>
-                    <a:schemeClr val="bg1">
-                      <a:alpha val="90000"/>
-                    </a:schemeClr>
-                  </a:solidFill>
-                </a:ln>
-                <a:solidFill>
-                  <a:schemeClr val="bg1">
-                    <a:lumMod val="95000"/>
-                  </a:schemeClr>
-                </a:solidFill>
-                <a:latin typeface="인터파크고딕 L" pitchFamily="2" charset="-127"/>
-                <a:ea typeface="인터파크고딕 L" pitchFamily="2" charset="-127"/>
-              </a:rPr>
-              <a:t>Void </a:t>
-            </a:r>
-            <a:r>
-              <a:rPr lang="en-US" altLang="ko-KR" dirty="0" err="1" smtClean="0">
-                <a:ln>
-                  <a:solidFill>
-                    <a:schemeClr val="bg1">
-                      <a:alpha val="90000"/>
-                    </a:schemeClr>
-                  </a:solidFill>
-                </a:ln>
-                <a:solidFill>
-                  <a:schemeClr val="bg1">
-                    <a:lumMod val="95000"/>
-                  </a:schemeClr>
-                </a:solidFill>
-                <a:latin typeface="인터파크고딕 L" pitchFamily="2" charset="-127"/>
-                <a:ea typeface="인터파크고딕 L" pitchFamily="2" charset="-127"/>
-              </a:rPr>
-              <a:t>for_two_player</a:t>
-            </a:r>
-            <a:endParaRPr lang="en-US" altLang="ko-KR" dirty="0" smtClean="0">
-              <a:ln>
-                <a:solidFill>
-                  <a:schemeClr val="bg1">
-                    <a:alpha val="90000"/>
-                  </a:schemeClr>
-                </a:solidFill>
-              </a:ln>
-              <a:solidFill>
-                <a:schemeClr val="bg1">
-                  <a:lumMod val="95000"/>
-                </a:schemeClr>
-              </a:solidFill>
-              <a:latin typeface="인터파크고딕 L" pitchFamily="2" charset="-127"/>
-              <a:ea typeface="인터파크고딕 L" pitchFamily="2" charset="-127"/>
-            </a:endParaRPr>
-          </a:p>
-        </p:txBody>
-      </p:sp>
-      <p:sp>
-        <p:nvSpPr>
-          <p:cNvPr id="11" name="TextBox 10"/>
-          <p:cNvSpPr txBox="1"/>
-          <p:nvPr/>
-        </p:nvSpPr>
-        <p:spPr>
-          <a:xfrm>
-            <a:off x="3512003" y="3571876"/>
-            <a:ext cx="3318537" cy="738664"/>
-          </a:xfrm>
-          <a:prstGeom prst="rect">
-            <a:avLst/>
-          </a:prstGeom>
-          <a:noFill/>
-          <a:ln>
-            <a:solidFill>
-              <a:schemeClr val="bg1">
-                <a:alpha val="0"/>
-              </a:schemeClr>
-            </a:solidFill>
-          </a:ln>
-        </p:spPr>
-        <p:txBody>
-          <a:bodyPr wrap="none" rtlCol="0">
-            <a:spAutoFit/>
-          </a:bodyPr>
-          <a:lstStyle/>
-          <a:p>
-            <a:pPr algn="r">
-              <a:lnSpc>
-                <a:spcPct val="150000"/>
-              </a:lnSpc>
-            </a:pPr>
-            <a:r>
-              <a:rPr lang="en-US" altLang="ko-KR" sz="2800" dirty="0" smtClean="0">
-                <a:ln>
-                  <a:solidFill>
-                    <a:schemeClr val="bg1">
-                      <a:alpha val="90000"/>
-                    </a:schemeClr>
-                  </a:solidFill>
-                </a:ln>
-                <a:solidFill>
-                  <a:schemeClr val="bg1"/>
-                </a:solidFill>
-                <a:latin typeface="인터파크고딕 L" pitchFamily="2" charset="-127"/>
-                <a:ea typeface="인터파크고딕 L" pitchFamily="2" charset="-127"/>
-              </a:rPr>
-              <a:t>2</a:t>
-            </a:r>
-            <a:r>
-              <a:rPr lang="ko-KR" altLang="en-US" sz="2800" dirty="0" smtClean="0">
-                <a:ln>
-                  <a:solidFill>
-                    <a:schemeClr val="bg1">
-                      <a:alpha val="90000"/>
-                    </a:schemeClr>
-                  </a:solidFill>
-                </a:ln>
-                <a:solidFill>
-                  <a:schemeClr val="bg1"/>
-                </a:solidFill>
-                <a:latin typeface="인터파크고딕 L" pitchFamily="2" charset="-127"/>
-                <a:ea typeface="인터파크고딕 L" pitchFamily="2" charset="-127"/>
-              </a:rPr>
-              <a:t>인용 코드 추가 예정</a:t>
-            </a:r>
-            <a:endParaRPr lang="en-US" altLang="ko-KR" sz="2800" dirty="0" smtClean="0">
-              <a:ln>
-                <a:solidFill>
-                  <a:schemeClr val="bg1">
-                    <a:alpha val="90000"/>
-                  </a:schemeClr>
-                </a:solidFill>
-              </a:ln>
-              <a:solidFill>
-                <a:schemeClr val="bg1"/>
-              </a:solidFill>
-              <a:latin typeface="인터파크고딕 L" pitchFamily="2" charset="-127"/>
-              <a:ea typeface="인터파크고딕 L" pitchFamily="2" charset="-127"/>
-            </a:endParaRPr>
+              <a:rPr lang="en-US" altLang="ko-KR" sz="1200" dirty="0" smtClean="0">
+                <a:ln>
+                  <a:solidFill>
+                    <a:schemeClr val="bg1">
+                      <a:alpha val="90000"/>
+                    </a:schemeClr>
+                  </a:solidFill>
+                </a:ln>
+                <a:solidFill>
+                  <a:schemeClr val="bg1">
+                    <a:lumMod val="95000"/>
+                  </a:schemeClr>
+                </a:solidFill>
+                <a:latin typeface="인터파크고딕 L" pitchFamily="2" charset="-127"/>
+                <a:ea typeface="인터파크고딕 L" pitchFamily="2" charset="-127"/>
+              </a:rPr>
+              <a:t>…</a:t>
+            </a:r>
+          </a:p>
+          <a:p>
+            <a:pPr>
+              <a:lnSpc>
+                <a:spcPct val="150000"/>
+              </a:lnSpc>
+            </a:pPr>
+            <a:r>
+              <a:rPr lang="en-US" altLang="ko-KR" sz="1200" dirty="0" smtClean="0">
+                <a:ln>
+                  <a:solidFill>
+                    <a:schemeClr val="bg1">
+                      <a:alpha val="90000"/>
+                    </a:schemeClr>
+                  </a:solidFill>
+                </a:ln>
+                <a:solidFill>
+                  <a:schemeClr val="bg1">
+                    <a:lumMod val="95000"/>
+                  </a:schemeClr>
+                </a:solidFill>
+                <a:latin typeface="인터파크고딕 L" pitchFamily="2" charset="-127"/>
+                <a:ea typeface="인터파크고딕 L" pitchFamily="2" charset="-127"/>
+              </a:rPr>
+              <a:t>}</a:t>
+            </a:r>
           </a:p>
         </p:txBody>
       </p:sp>
@@ -12833,7 +13375,7 @@
         <p:spPr>
           <a:xfrm>
             <a:off x="3643306" y="2643182"/>
-            <a:ext cx="4137671" cy="3970318"/>
+            <a:ext cx="4368504" cy="3693319"/>
           </a:xfrm>
           <a:prstGeom prst="rect">
             <a:avLst/>
@@ -12965,8 +13507,176 @@
                 <a:latin typeface="인터파크고딕 L" pitchFamily="2" charset="-127"/>
                 <a:ea typeface="인터파크고딕 L" pitchFamily="2" charset="-127"/>
               </a:rPr>
+              <a:t>    …    </a:t>
+            </a:r>
+          </a:p>
+          <a:p>
+            <a:pPr>
+              <a:lnSpc>
+                <a:spcPct val="150000"/>
+              </a:lnSpc>
+            </a:pPr>
+            <a:r>
+              <a:rPr lang="en-US" altLang="ko-KR" sz="1200" dirty="0" smtClean="0">
+                <a:ln>
+                  <a:solidFill>
+                    <a:schemeClr val="bg1">
+                      <a:alpha val="90000"/>
+                    </a:schemeClr>
+                  </a:solidFill>
+                </a:ln>
+                <a:solidFill>
+                  <a:schemeClr val="bg1">
+                    <a:lumMod val="95000"/>
+                  </a:schemeClr>
+                </a:solidFill>
+                <a:latin typeface="인터파크고딕 L" pitchFamily="2" charset="-127"/>
+                <a:ea typeface="인터파크고딕 L" pitchFamily="2" charset="-127"/>
+              </a:rPr>
+              <a:t>    temp = deck-&gt;</a:t>
+            </a:r>
+            <a:r>
+              <a:rPr lang="en-US" altLang="ko-KR" sz="1200" dirty="0" err="1" smtClean="0">
+                <a:ln>
+                  <a:solidFill>
+                    <a:schemeClr val="bg1">
+                      <a:alpha val="90000"/>
+                    </a:schemeClr>
+                  </a:solidFill>
+                </a:ln>
+                <a:solidFill>
+                  <a:schemeClr val="bg1">
+                    <a:lumMod val="95000"/>
+                  </a:schemeClr>
+                </a:solidFill>
+                <a:latin typeface="인터파크고딕 L" pitchFamily="2" charset="-127"/>
+                <a:ea typeface="인터파크고딕 L" pitchFamily="2" charset="-127"/>
+              </a:rPr>
+              <a:t>storeStart</a:t>
+            </a:r>
+            <a:r>
+              <a:rPr lang="en-US" altLang="ko-KR" sz="1200" dirty="0" smtClean="0">
+                <a:ln>
+                  <a:solidFill>
+                    <a:schemeClr val="bg1">
+                      <a:alpha val="90000"/>
+                    </a:schemeClr>
+                  </a:solidFill>
+                </a:ln>
+                <a:solidFill>
+                  <a:schemeClr val="bg1">
+                    <a:lumMod val="95000"/>
+                  </a:schemeClr>
+                </a:solidFill>
+                <a:latin typeface="인터파크고딕 L" pitchFamily="2" charset="-127"/>
+                <a:ea typeface="인터파크고딕 L" pitchFamily="2" charset="-127"/>
+              </a:rPr>
+              <a:t> - 1;</a:t>
+            </a:r>
+          </a:p>
+          <a:p>
+            <a:pPr>
+              <a:lnSpc>
+                <a:spcPct val="150000"/>
+              </a:lnSpc>
+            </a:pPr>
+            <a:r>
+              <a:rPr lang="en-US" altLang="ko-KR" sz="1200" dirty="0" smtClean="0">
+                <a:ln>
+                  <a:solidFill>
+                    <a:schemeClr val="bg1">
+                      <a:alpha val="90000"/>
+                    </a:schemeClr>
+                  </a:solidFill>
+                </a:ln>
+                <a:solidFill>
+                  <a:schemeClr val="bg1">
+                    <a:lumMod val="95000"/>
+                  </a:schemeClr>
+                </a:solidFill>
+                <a:latin typeface="인터파크고딕 L" pitchFamily="2" charset="-127"/>
+                <a:ea typeface="인터파크고딕 L" pitchFamily="2" charset="-127"/>
+              </a:rPr>
+              <a:t>    if (temp &lt; 0)</a:t>
+            </a:r>
+          </a:p>
+          <a:p>
+            <a:pPr>
+              <a:lnSpc>
+                <a:spcPct val="150000"/>
+              </a:lnSpc>
+            </a:pPr>
+            <a:r>
+              <a:rPr lang="en-US" altLang="ko-KR" sz="1200" dirty="0" smtClean="0">
+                <a:ln>
+                  <a:solidFill>
+                    <a:schemeClr val="bg1">
+                      <a:alpha val="90000"/>
+                    </a:schemeClr>
+                  </a:solidFill>
+                </a:ln>
+                <a:solidFill>
+                  <a:schemeClr val="bg1">
+                    <a:lumMod val="95000"/>
+                  </a:schemeClr>
+                </a:solidFill>
+                <a:latin typeface="인터파크고딕 L" pitchFamily="2" charset="-127"/>
+                <a:ea typeface="인터파크고딕 L" pitchFamily="2" charset="-127"/>
+              </a:rPr>
+              <a:t>        temp = STORELENGTH - 1;</a:t>
+            </a:r>
+          </a:p>
+          <a:p>
+            <a:pPr>
+              <a:lnSpc>
+                <a:spcPct val="150000"/>
+              </a:lnSpc>
+            </a:pPr>
+            <a:r>
+              <a:rPr lang="en-US" altLang="ko-KR" sz="1200" dirty="0" smtClean="0">
+                <a:ln>
+                  <a:solidFill>
+                    <a:schemeClr val="bg1">
+                      <a:alpha val="90000"/>
+                    </a:schemeClr>
+                  </a:solidFill>
+                </a:ln>
+                <a:solidFill>
+                  <a:schemeClr val="bg1">
+                    <a:lumMod val="95000"/>
+                  </a:schemeClr>
+                </a:solidFill>
+                <a:latin typeface="인터파크고딕 L" pitchFamily="2" charset="-127"/>
+                <a:ea typeface="인터파크고딕 L" pitchFamily="2" charset="-127"/>
+              </a:rPr>
               <a:t>    </a:t>
             </a:r>
+          </a:p>
+          <a:p>
+            <a:pPr>
+              <a:lnSpc>
+                <a:spcPct val="150000"/>
+              </a:lnSpc>
+            </a:pPr>
+            <a:r>
+              <a:rPr lang="en-US" altLang="ko-KR" sz="1200" dirty="0" smtClean="0">
+                <a:ln>
+                  <a:solidFill>
+                    <a:schemeClr val="bg1">
+                      <a:alpha val="90000"/>
+                    </a:schemeClr>
+                  </a:solidFill>
+                </a:ln>
+                <a:solidFill>
+                  <a:schemeClr val="bg1">
+                    <a:lumMod val="95000"/>
+                  </a:schemeClr>
+                </a:solidFill>
+                <a:latin typeface="인터파크고딕 L" pitchFamily="2" charset="-127"/>
+                <a:ea typeface="인터파크고딕 L" pitchFamily="2" charset="-127"/>
+              </a:rPr>
+              <a:t>    for (</a:t>
+            </a:r>
             <a:r>
               <a:rPr lang="en-US" altLang="ko-KR" sz="1200" dirty="0" err="1" smtClean="0">
                 <a:ln>
@@ -13003,7 +13713,121 @@
                 <a:latin typeface="인터파크고딕 L" pitchFamily="2" charset="-127"/>
                 <a:ea typeface="인터파크고딕 L" pitchFamily="2" charset="-127"/>
               </a:rPr>
-              <a:t> temp = 0;</a:t>
+              <a:t> </a:t>
+            </a:r>
+            <a:r>
+              <a:rPr lang="en-US" altLang="ko-KR" sz="1200" dirty="0" err="1" smtClean="0">
+                <a:ln>
+                  <a:solidFill>
+                    <a:schemeClr val="bg1">
+                      <a:alpha val="90000"/>
+                    </a:schemeClr>
+                  </a:solidFill>
+                </a:ln>
+                <a:solidFill>
+                  <a:schemeClr val="bg1">
+                    <a:lumMod val="95000"/>
+                  </a:schemeClr>
+                </a:solidFill>
+                <a:latin typeface="인터파크고딕 L" pitchFamily="2" charset="-127"/>
+                <a:ea typeface="인터파크고딕 L" pitchFamily="2" charset="-127"/>
+              </a:rPr>
+              <a:t>i</a:t>
+            </a:r>
+            <a:r>
+              <a:rPr lang="en-US" altLang="ko-KR" sz="1200" dirty="0" smtClean="0">
+                <a:ln>
+                  <a:solidFill>
+                    <a:schemeClr val="bg1">
+                      <a:alpha val="90000"/>
+                    </a:schemeClr>
+                  </a:solidFill>
+                </a:ln>
+                <a:solidFill>
+                  <a:schemeClr val="bg1">
+                    <a:lumMod val="95000"/>
+                  </a:schemeClr>
+                </a:solidFill>
+                <a:latin typeface="인터파크고딕 L" pitchFamily="2" charset="-127"/>
+                <a:ea typeface="인터파크고딕 L" pitchFamily="2" charset="-127"/>
+              </a:rPr>
+              <a:t> = 0; </a:t>
+            </a:r>
+            <a:r>
+              <a:rPr lang="en-US" altLang="ko-KR" sz="1200" dirty="0" err="1" smtClean="0">
+                <a:ln>
+                  <a:solidFill>
+                    <a:schemeClr val="bg1">
+                      <a:alpha val="90000"/>
+                    </a:schemeClr>
+                  </a:solidFill>
+                </a:ln>
+                <a:solidFill>
+                  <a:schemeClr val="bg1">
+                    <a:lumMod val="95000"/>
+                  </a:schemeClr>
+                </a:solidFill>
+                <a:latin typeface="인터파크고딕 L" pitchFamily="2" charset="-127"/>
+                <a:ea typeface="인터파크고딕 L" pitchFamily="2" charset="-127"/>
+              </a:rPr>
+              <a:t>i</a:t>
+            </a:r>
+            <a:r>
+              <a:rPr lang="en-US" altLang="ko-KR" sz="1200" dirty="0" smtClean="0">
+                <a:ln>
+                  <a:solidFill>
+                    <a:schemeClr val="bg1">
+                      <a:alpha val="90000"/>
+                    </a:schemeClr>
+                  </a:solidFill>
+                </a:ln>
+                <a:solidFill>
+                  <a:schemeClr val="bg1">
+                    <a:lumMod val="95000"/>
+                  </a:schemeClr>
+                </a:solidFill>
+                <a:latin typeface="인터파크고딕 L" pitchFamily="2" charset="-127"/>
+                <a:ea typeface="인터파크고딕 L" pitchFamily="2" charset="-127"/>
+              </a:rPr>
+              <a:t> &lt; DECKLENGTH; </a:t>
+            </a:r>
+            <a:r>
+              <a:rPr lang="en-US" altLang="ko-KR" sz="1200" dirty="0" err="1" smtClean="0">
+                <a:ln>
+                  <a:solidFill>
+                    <a:schemeClr val="bg1">
+                      <a:alpha val="90000"/>
+                    </a:schemeClr>
+                  </a:solidFill>
+                </a:ln>
+                <a:solidFill>
+                  <a:schemeClr val="bg1">
+                    <a:lumMod val="95000"/>
+                  </a:schemeClr>
+                </a:solidFill>
+                <a:latin typeface="인터파크고딕 L" pitchFamily="2" charset="-127"/>
+                <a:ea typeface="인터파크고딕 L" pitchFamily="2" charset="-127"/>
+              </a:rPr>
+              <a:t>i</a:t>
+            </a:r>
+            <a:r>
+              <a:rPr lang="en-US" altLang="ko-KR" sz="1200" dirty="0" smtClean="0">
+                <a:ln>
+                  <a:solidFill>
+                    <a:schemeClr val="bg1">
+                      <a:alpha val="90000"/>
+                    </a:schemeClr>
+                  </a:solidFill>
+                </a:ln>
+                <a:solidFill>
+                  <a:schemeClr val="bg1">
+                    <a:lumMod val="95000"/>
+                  </a:schemeClr>
+                </a:solidFill>
+                <a:latin typeface="인터파크고딕 L" pitchFamily="2" charset="-127"/>
+                <a:ea typeface="인터파크고딕 L" pitchFamily="2" charset="-127"/>
+              </a:rPr>
+              <a:t>++)</a:t>
             </a:r>
           </a:p>
           <a:p>
@@ -13029,7 +13853,45 @@
                 <a:latin typeface="인터파크고딕 L" pitchFamily="2" charset="-127"/>
                 <a:ea typeface="인터파크고딕 L" pitchFamily="2" charset="-127"/>
               </a:rPr>
-              <a:t>    if (deck-&gt;item2 &lt; 1)</a:t>
+              <a:t>        for (</a:t>
+            </a:r>
+            <a:r>
+              <a:rPr lang="en-US" altLang="ko-KR" sz="1200" dirty="0" err="1" smtClean="0">
+                <a:ln>
+                  <a:solidFill>
+                    <a:schemeClr val="bg1">
+                      <a:alpha val="90000"/>
+                    </a:schemeClr>
+                  </a:solidFill>
+                </a:ln>
+                <a:solidFill>
+                  <a:schemeClr val="bg1">
+                    <a:lumMod val="95000"/>
+                  </a:schemeClr>
+                </a:solidFill>
+                <a:latin typeface="인터파크고딕 L" pitchFamily="2" charset="-127"/>
+                <a:ea typeface="인터파크고딕 L" pitchFamily="2" charset="-127"/>
+              </a:rPr>
+              <a:t>int</a:t>
+            </a:r>
+            <a:r>
+              <a:rPr lang="en-US" altLang="ko-KR" sz="1200" dirty="0" smtClean="0">
+                <a:ln>
+                  <a:solidFill>
+                    <a:schemeClr val="bg1">
+                      <a:alpha val="90000"/>
+                    </a:schemeClr>
+                  </a:solidFill>
+                </a:ln>
+                <a:solidFill>
+                  <a:schemeClr val="bg1">
+                    <a:lumMod val="95000"/>
+                  </a:schemeClr>
+                </a:solidFill>
+                <a:latin typeface="인터파크고딕 L" pitchFamily="2" charset="-127"/>
+                <a:ea typeface="인터파크고딕 L" pitchFamily="2" charset="-127"/>
+              </a:rPr>
+              <a:t> j = 0; j &lt; DECKLENGTH; j++)</a:t>
             </a:r>
           </a:p>
           <a:p>
@@ -13055,7 +13917,145 @@
                 <a:latin typeface="인터파크고딕 L" pitchFamily="2" charset="-127"/>
                 <a:ea typeface="인터파크고딕 L" pitchFamily="2" charset="-127"/>
               </a:rPr>
-              <a:t>    	return;</a:t>
+              <a:t>        { </a:t>
+            </a:r>
+            <a:r>
+              <a:rPr lang="en-US" altLang="ko-KR" sz="1200" dirty="0" smtClean="0">
+                <a:ln>
+                  <a:solidFill>
+                    <a:srgbClr val="FF7C80">
+                      <a:alpha val="90000"/>
+                    </a:srgbClr>
+                  </a:solidFill>
+                </a:ln>
+                <a:solidFill>
+                  <a:srgbClr val="FF7C80"/>
+                </a:solidFill>
+                <a:latin typeface="인터파크고딕 L" pitchFamily="2" charset="-127"/>
+                <a:ea typeface="인터파크고딕 L" pitchFamily="2" charset="-127"/>
+              </a:rPr>
+              <a:t>deck-&gt;plate[</a:t>
+            </a:r>
+            <a:r>
+              <a:rPr lang="en-US" altLang="ko-KR" sz="1200" dirty="0" err="1" smtClean="0">
+                <a:ln>
+                  <a:solidFill>
+                    <a:srgbClr val="FF7C80">
+                      <a:alpha val="90000"/>
+                    </a:srgbClr>
+                  </a:solidFill>
+                </a:ln>
+                <a:solidFill>
+                  <a:srgbClr val="FF7C80"/>
+                </a:solidFill>
+                <a:latin typeface="인터파크고딕 L" pitchFamily="2" charset="-127"/>
+                <a:ea typeface="인터파크고딕 L" pitchFamily="2" charset="-127"/>
+              </a:rPr>
+              <a:t>i</a:t>
+            </a:r>
+            <a:r>
+              <a:rPr lang="en-US" altLang="ko-KR" sz="1200" dirty="0" smtClean="0">
+                <a:ln>
+                  <a:solidFill>
+                    <a:srgbClr val="FF7C80">
+                      <a:alpha val="90000"/>
+                    </a:srgbClr>
+                  </a:solidFill>
+                </a:ln>
+                <a:solidFill>
+                  <a:srgbClr val="FF7C80"/>
+                </a:solidFill>
+                <a:latin typeface="인터파크고딕 L" pitchFamily="2" charset="-127"/>
+                <a:ea typeface="인터파크고딕 L" pitchFamily="2" charset="-127"/>
+              </a:rPr>
+              <a:t>][j] = deck-&gt;</a:t>
+            </a:r>
+            <a:r>
+              <a:rPr lang="en-US" altLang="ko-KR" sz="1200" dirty="0" err="1" smtClean="0">
+                <a:ln>
+                  <a:solidFill>
+                    <a:srgbClr val="FF7C80">
+                      <a:alpha val="90000"/>
+                    </a:srgbClr>
+                  </a:solidFill>
+                </a:ln>
+                <a:solidFill>
+                  <a:srgbClr val="FF7C80"/>
+                </a:solidFill>
+                <a:latin typeface="인터파크고딕 L" pitchFamily="2" charset="-127"/>
+                <a:ea typeface="인터파크고딕 L" pitchFamily="2" charset="-127"/>
+              </a:rPr>
+              <a:t>stored_deck</a:t>
+            </a:r>
+            <a:r>
+              <a:rPr lang="en-US" altLang="ko-KR" sz="1200" dirty="0" smtClean="0">
+                <a:ln>
+                  <a:solidFill>
+                    <a:srgbClr val="FF7C80">
+                      <a:alpha val="90000"/>
+                    </a:srgbClr>
+                  </a:solidFill>
+                </a:ln>
+                <a:solidFill>
+                  <a:srgbClr val="FF7C80"/>
+                </a:solidFill>
+                <a:latin typeface="인터파크고딕 L" pitchFamily="2" charset="-127"/>
+                <a:ea typeface="인터파크고딕 L" pitchFamily="2" charset="-127"/>
+              </a:rPr>
+              <a:t>[temp][</a:t>
+            </a:r>
+            <a:r>
+              <a:rPr lang="en-US" altLang="ko-KR" sz="1200" dirty="0" err="1" smtClean="0">
+                <a:ln>
+                  <a:solidFill>
+                    <a:srgbClr val="FF7C80">
+                      <a:alpha val="90000"/>
+                    </a:srgbClr>
+                  </a:solidFill>
+                </a:ln>
+                <a:solidFill>
+                  <a:srgbClr val="FF7C80"/>
+                </a:solidFill>
+                <a:latin typeface="인터파크고딕 L" pitchFamily="2" charset="-127"/>
+                <a:ea typeface="인터파크고딕 L" pitchFamily="2" charset="-127"/>
+              </a:rPr>
+              <a:t>i</a:t>
+            </a:r>
+            <a:r>
+              <a:rPr lang="en-US" altLang="ko-KR" sz="1200" dirty="0" smtClean="0">
+                <a:ln>
+                  <a:solidFill>
+                    <a:srgbClr val="FF7C80">
+                      <a:alpha val="90000"/>
+                    </a:srgbClr>
+                  </a:solidFill>
+                </a:ln>
+                <a:solidFill>
+                  <a:srgbClr val="FF7C80"/>
+                </a:solidFill>
+                <a:latin typeface="인터파크고딕 L" pitchFamily="2" charset="-127"/>
+                <a:ea typeface="인터파크고딕 L" pitchFamily="2" charset="-127"/>
+              </a:rPr>
+              <a:t>][j]; </a:t>
+            </a:r>
+            <a:r>
+              <a:rPr lang="en-US" altLang="ko-KR" sz="1200" dirty="0" smtClean="0">
+                <a:ln>
+                  <a:solidFill>
+                    <a:schemeClr val="bg1">
+                      <a:alpha val="90000"/>
+                    </a:schemeClr>
+                  </a:solidFill>
+                </a:ln>
+                <a:solidFill>
+                  <a:schemeClr val="bg1">
+                    <a:lumMod val="95000"/>
+                  </a:schemeClr>
+                </a:solidFill>
+                <a:latin typeface="인터파크고딕 L" pitchFamily="2" charset="-127"/>
+                <a:ea typeface="인터파크고딕 L" pitchFamily="2" charset="-127"/>
+              </a:rPr>
+              <a:t>}</a:t>
             </a:r>
           </a:p>
           <a:p>
@@ -13081,83 +14081,58 @@
                 <a:latin typeface="인터파크고딕 L" pitchFamily="2" charset="-127"/>
                 <a:ea typeface="인터파크고딕 L" pitchFamily="2" charset="-127"/>
               </a:rPr>
-              <a:t>    if (deck-&gt;</a:t>
+              <a:t>    </a:t>
+            </a:r>
+            <a:r>
+              <a:rPr lang="en-US" altLang="ko-KR" sz="1200" dirty="0" smtClean="0">
+                <a:ln>
+                  <a:solidFill>
+                    <a:srgbClr val="009999">
+                      <a:alpha val="90000"/>
+                    </a:srgbClr>
+                  </a:solidFill>
+                </a:ln>
+                <a:solidFill>
+                  <a:srgbClr val="009999"/>
+                </a:solidFill>
+                <a:latin typeface="인터파크고딕 L" pitchFamily="2" charset="-127"/>
+                <a:ea typeface="인터파크고딕 L" pitchFamily="2" charset="-127"/>
+              </a:rPr>
+              <a:t>deck-&gt;score = deck-&gt;</a:t>
             </a:r>
             <a:r>
               <a:rPr lang="en-US" altLang="ko-KR" sz="1200" dirty="0" err="1" smtClean="0">
                 <a:ln>
                   <a:solidFill>
-                    <a:schemeClr val="bg1">
-                      <a:alpha val="90000"/>
-                    </a:schemeClr>
-                  </a:solidFill>
-                </a:ln>
-                <a:solidFill>
-                  <a:schemeClr val="bg1">
-                    <a:lumMod val="95000"/>
-                  </a:schemeClr>
-                </a:solidFill>
-                <a:latin typeface="인터파크고딕 L" pitchFamily="2" charset="-127"/>
-                <a:ea typeface="인터파크고딕 L" pitchFamily="2" charset="-127"/>
-              </a:rPr>
-              <a:t>storeStart</a:t>
-            </a:r>
-            <a:r>
-              <a:rPr lang="en-US" altLang="ko-KR" sz="1200" dirty="0" smtClean="0">
-                <a:ln>
-                  <a:solidFill>
-                    <a:schemeClr val="bg1">
-                      <a:alpha val="90000"/>
-                    </a:schemeClr>
-                  </a:solidFill>
-                </a:ln>
-                <a:solidFill>
-                  <a:schemeClr val="bg1">
-                    <a:lumMod val="95000"/>
-                  </a:schemeClr>
-                </a:solidFill>
-                <a:latin typeface="인터파크고딕 L" pitchFamily="2" charset="-127"/>
-                <a:ea typeface="인터파크고딕 L" pitchFamily="2" charset="-127"/>
-              </a:rPr>
-              <a:t> == deck-&gt;</a:t>
-            </a:r>
-            <a:r>
-              <a:rPr lang="en-US" altLang="ko-KR" sz="1200" dirty="0" err="1" smtClean="0">
-                <a:ln>
-                  <a:solidFill>
-                    <a:schemeClr val="bg1">
-                      <a:alpha val="90000"/>
-                    </a:schemeClr>
-                  </a:solidFill>
-                </a:ln>
-                <a:solidFill>
-                  <a:schemeClr val="bg1">
-                    <a:lumMod val="95000"/>
-                  </a:schemeClr>
-                </a:solidFill>
-                <a:latin typeface="인터파크고딕 L" pitchFamily="2" charset="-127"/>
-                <a:ea typeface="인터파크고딕 L" pitchFamily="2" charset="-127"/>
-              </a:rPr>
-              <a:t>storeEnd</a:t>
-            </a:r>
-            <a:r>
-              <a:rPr lang="en-US" altLang="ko-KR" sz="1200" dirty="0" smtClean="0">
-                <a:ln>
-                  <a:solidFill>
-                    <a:schemeClr val="bg1">
-                      <a:alpha val="90000"/>
-                    </a:schemeClr>
-                  </a:solidFill>
-                </a:ln>
-                <a:solidFill>
-                  <a:schemeClr val="bg1">
-                    <a:lumMod val="95000"/>
-                  </a:schemeClr>
-                </a:solidFill>
-                <a:latin typeface="인터파크고딕 L" pitchFamily="2" charset="-127"/>
-                <a:ea typeface="인터파크고딕 L" pitchFamily="2" charset="-127"/>
-              </a:rPr>
-              <a:t>)</a:t>
+                    <a:srgbClr val="009999">
+                      <a:alpha val="90000"/>
+                    </a:srgbClr>
+                  </a:solidFill>
+                </a:ln>
+                <a:solidFill>
+                  <a:srgbClr val="009999"/>
+                </a:solidFill>
+                <a:latin typeface="인터파크고딕 L" pitchFamily="2" charset="-127"/>
+                <a:ea typeface="인터파크고딕 L" pitchFamily="2" charset="-127"/>
+              </a:rPr>
+              <a:t>stored_score</a:t>
+            </a:r>
+            <a:r>
+              <a:rPr lang="en-US" altLang="ko-KR" sz="1200" dirty="0" smtClean="0">
+                <a:ln>
+                  <a:solidFill>
+                    <a:srgbClr val="009999">
+                      <a:alpha val="90000"/>
+                    </a:srgbClr>
+                  </a:solidFill>
+                </a:ln>
+                <a:solidFill>
+                  <a:srgbClr val="009999"/>
+                </a:solidFill>
+                <a:latin typeface="인터파크고딕 L" pitchFamily="2" charset="-127"/>
+                <a:ea typeface="인터파크고딕 L" pitchFamily="2" charset="-127"/>
+              </a:rPr>
+              <a:t>[temp];</a:t>
             </a:r>
           </a:p>
           <a:p>
@@ -13183,213 +14158,7 @@
                 <a:latin typeface="인터파크고딕 L" pitchFamily="2" charset="-127"/>
                 <a:ea typeface="인터파크고딕 L" pitchFamily="2" charset="-127"/>
               </a:rPr>
-              <a:t>    {</a:t>
-            </a:r>
-          </a:p>
-          <a:p>
-            <a:pPr>
-              <a:lnSpc>
-                <a:spcPct val="150000"/>
-              </a:lnSpc>
-            </a:pPr>
-            <a:r>
-              <a:rPr lang="en-US" altLang="ko-KR" sz="1200" dirty="0" smtClean="0">
-                <a:ln>
-                  <a:solidFill>
-                    <a:schemeClr val="bg1">
-                      <a:alpha val="90000"/>
-                    </a:schemeClr>
-                  </a:solidFill>
-                </a:ln>
-                <a:solidFill>
-                  <a:schemeClr val="bg1">
-                    <a:lumMod val="95000"/>
-                  </a:schemeClr>
-                </a:solidFill>
-                <a:latin typeface="인터파크고딕 L" pitchFamily="2" charset="-127"/>
-                <a:ea typeface="인터파크고딕 L" pitchFamily="2" charset="-127"/>
-              </a:rPr>
-              <a:t>        </a:t>
-            </a:r>
-            <a:r>
-              <a:rPr lang="en-US" altLang="ko-KR" sz="1200" dirty="0" err="1" smtClean="0">
-                <a:ln>
-                  <a:solidFill>
-                    <a:schemeClr val="bg1">
-                      <a:alpha val="90000"/>
-                    </a:schemeClr>
-                  </a:solidFill>
-                </a:ln>
-                <a:solidFill>
-                  <a:schemeClr val="bg1">
-                    <a:lumMod val="95000"/>
-                  </a:schemeClr>
-                </a:solidFill>
-                <a:latin typeface="인터파크고딕 L" pitchFamily="2" charset="-127"/>
-                <a:ea typeface="인터파크고딕 L" pitchFamily="2" charset="-127"/>
-              </a:rPr>
-              <a:t>printf</a:t>
-            </a:r>
-            <a:r>
-              <a:rPr lang="en-US" altLang="ko-KR" sz="1200" dirty="0" smtClean="0">
-                <a:ln>
-                  <a:solidFill>
-                    <a:schemeClr val="bg1">
-                      <a:alpha val="90000"/>
-                    </a:schemeClr>
-                  </a:solidFill>
-                </a:ln>
-                <a:solidFill>
-                  <a:schemeClr val="bg1">
-                    <a:lumMod val="95000"/>
-                  </a:schemeClr>
-                </a:solidFill>
-                <a:latin typeface="인터파크고딕 L" pitchFamily="2" charset="-127"/>
-                <a:ea typeface="인터파크고딕 L" pitchFamily="2" charset="-127"/>
-              </a:rPr>
-              <a:t>("Cannot go back to the previous state.\n");</a:t>
-            </a:r>
-          </a:p>
-          <a:p>
-            <a:pPr>
-              <a:lnSpc>
-                <a:spcPct val="150000"/>
-              </a:lnSpc>
-            </a:pPr>
-            <a:r>
-              <a:rPr lang="en-US" altLang="ko-KR" sz="1200" dirty="0" smtClean="0">
-                <a:ln>
-                  <a:solidFill>
-                    <a:schemeClr val="bg1">
-                      <a:alpha val="90000"/>
-                    </a:schemeClr>
-                  </a:solidFill>
-                </a:ln>
-                <a:solidFill>
-                  <a:schemeClr val="bg1">
-                    <a:lumMod val="95000"/>
-                  </a:schemeClr>
-                </a:solidFill>
-                <a:latin typeface="인터파크고딕 L" pitchFamily="2" charset="-127"/>
-                <a:ea typeface="인터파크고딕 L" pitchFamily="2" charset="-127"/>
-              </a:rPr>
-              <a:t>        return;</a:t>
-            </a:r>
-          </a:p>
-          <a:p>
-            <a:pPr>
-              <a:lnSpc>
-                <a:spcPct val="150000"/>
-              </a:lnSpc>
-            </a:pPr>
-            <a:r>
-              <a:rPr lang="en-US" altLang="ko-KR" sz="1200" dirty="0" smtClean="0">
-                <a:ln>
-                  <a:solidFill>
-                    <a:schemeClr val="bg1">
-                      <a:alpha val="90000"/>
-                    </a:schemeClr>
-                  </a:solidFill>
-                </a:ln>
-                <a:solidFill>
-                  <a:schemeClr val="bg1">
-                    <a:lumMod val="95000"/>
-                  </a:schemeClr>
-                </a:solidFill>
-                <a:latin typeface="인터파크고딕 L" pitchFamily="2" charset="-127"/>
-                <a:ea typeface="인터파크고딕 L" pitchFamily="2" charset="-127"/>
-              </a:rPr>
-              <a:t>    }    </a:t>
-            </a:r>
-          </a:p>
-          <a:p>
-            <a:pPr>
-              <a:lnSpc>
-                <a:spcPct val="150000"/>
-              </a:lnSpc>
-            </a:pPr>
-            <a:r>
-              <a:rPr lang="en-US" altLang="ko-KR" sz="1200" dirty="0" smtClean="0">
-                <a:ln>
-                  <a:solidFill>
-                    <a:schemeClr val="bg1">
-                      <a:alpha val="90000"/>
-                    </a:schemeClr>
-                  </a:solidFill>
-                </a:ln>
-                <a:solidFill>
-                  <a:schemeClr val="bg1">
-                    <a:lumMod val="95000"/>
-                  </a:schemeClr>
-                </a:solidFill>
-                <a:latin typeface="인터파크고딕 L" pitchFamily="2" charset="-127"/>
-                <a:ea typeface="인터파크고딕 L" pitchFamily="2" charset="-127"/>
-              </a:rPr>
-              <a:t>    if (--deck-&gt;</a:t>
-            </a:r>
-            <a:r>
-              <a:rPr lang="en-US" altLang="ko-KR" sz="1200" dirty="0" err="1" smtClean="0">
-                <a:ln>
-                  <a:solidFill>
-                    <a:schemeClr val="bg1">
-                      <a:alpha val="90000"/>
-                    </a:schemeClr>
-                  </a:solidFill>
-                </a:ln>
-                <a:solidFill>
-                  <a:schemeClr val="bg1">
-                    <a:lumMod val="95000"/>
-                  </a:schemeClr>
-                </a:solidFill>
-                <a:latin typeface="인터파크고딕 L" pitchFamily="2" charset="-127"/>
-                <a:ea typeface="인터파크고딕 L" pitchFamily="2" charset="-127"/>
-              </a:rPr>
-              <a:t>storeStart</a:t>
-            </a:r>
-            <a:r>
-              <a:rPr lang="en-US" altLang="ko-KR" sz="1200" dirty="0" smtClean="0">
-                <a:ln>
-                  <a:solidFill>
-                    <a:schemeClr val="bg1">
-                      <a:alpha val="90000"/>
-                    </a:schemeClr>
-                  </a:solidFill>
-                </a:ln>
-                <a:solidFill>
-                  <a:schemeClr val="bg1">
-                    <a:lumMod val="95000"/>
-                  </a:schemeClr>
-                </a:solidFill>
-                <a:latin typeface="인터파크고딕 L" pitchFamily="2" charset="-127"/>
-                <a:ea typeface="인터파크고딕 L" pitchFamily="2" charset="-127"/>
-              </a:rPr>
-              <a:t> &lt; 0)</a:t>
-            </a:r>
-          </a:p>
-          <a:p>
-            <a:pPr>
-              <a:lnSpc>
-                <a:spcPct val="150000"/>
-              </a:lnSpc>
-            </a:pPr>
-            <a:r>
-              <a:rPr lang="en-US" altLang="ko-KR" sz="1200" dirty="0" smtClean="0">
-                <a:ln>
-                  <a:solidFill>
-                    <a:schemeClr val="bg1">
-                      <a:alpha val="90000"/>
-                    </a:schemeClr>
-                  </a:solidFill>
-                </a:ln>
-                <a:solidFill>
-                  <a:schemeClr val="bg1">
-                    <a:lumMod val="95000"/>
-                  </a:schemeClr>
-                </a:solidFill>
-                <a:latin typeface="인터파크고딕 L" pitchFamily="2" charset="-127"/>
-                <a:ea typeface="인터파크고딕 L" pitchFamily="2" charset="-127"/>
-              </a:rPr>
-              <a:t>        </a:t>
+              <a:t>    </a:t>
             </a:r>
             <a:r>
               <a:rPr lang="en-US" altLang="ko-KR" sz="1200" dirty="0" smtClean="0">
@@ -13406,67 +14175,7 @@
                 <a:latin typeface="인터파크고딕 L" pitchFamily="2" charset="-127"/>
                 <a:ea typeface="인터파크고딕 L" pitchFamily="2" charset="-127"/>
               </a:rPr>
-              <a:t>deck-&gt;</a:t>
-            </a:r>
-            <a:r>
-              <a:rPr lang="en-US" altLang="ko-KR" sz="1200" dirty="0" err="1" smtClean="0">
-                <a:ln>
-                  <a:solidFill>
-                    <a:srgbClr val="009999">
-                      <a:alpha val="90000"/>
-                    </a:srgbClr>
-                  </a:solidFill>
-                </a:ln>
-                <a:solidFill>
-                  <a:srgbClr val="009999"/>
-                </a:solidFill>
-                <a:latin typeface="인터파크고딕 L" pitchFamily="2" charset="-127"/>
-                <a:ea typeface="인터파크고딕 L" pitchFamily="2" charset="-127"/>
-              </a:rPr>
-              <a:t>storeStart</a:t>
-            </a:r>
-            <a:r>
-              <a:rPr lang="en-US" altLang="ko-KR" sz="1200" dirty="0" smtClean="0">
-                <a:ln>
-                  <a:solidFill>
-                    <a:srgbClr val="009999">
-                      <a:alpha val="90000"/>
-                    </a:srgbClr>
-                  </a:solidFill>
-                </a:ln>
-                <a:solidFill>
-                  <a:srgbClr val="009999"/>
-                </a:solidFill>
-                <a:latin typeface="인터파크고딕 L" pitchFamily="2" charset="-127"/>
-                <a:ea typeface="인터파크고딕 L" pitchFamily="2" charset="-127"/>
-              </a:rPr>
-              <a:t> = STORELENGTH – 1;</a:t>
-            </a:r>
-          </a:p>
-          <a:p>
-            <a:pPr>
-              <a:lnSpc>
-                <a:spcPct val="150000"/>
-              </a:lnSpc>
-            </a:pPr>
-            <a:r>
-              <a:rPr lang="en-US" altLang="ko-KR" sz="1200" dirty="0" smtClean="0">
-                <a:ln>
-                  <a:solidFill>
-                    <a:schemeClr val="bg1">
-                      <a:alpha val="90000"/>
-                    </a:schemeClr>
-                  </a:solidFill>
-                </a:ln>
-                <a:solidFill>
-                  <a:schemeClr val="bg1">
-                    <a:lumMod val="95000"/>
-                  </a:schemeClr>
-                </a:solidFill>
-                <a:latin typeface="인터파크고딕 L" pitchFamily="2" charset="-127"/>
-                <a:ea typeface="인터파크고딕 L" pitchFamily="2" charset="-127"/>
-              </a:rPr>
-              <a:t>…</a:t>
+              <a:t>deck-&gt;item2--;</a:t>
             </a:r>
           </a:p>
           <a:p>
@@ -13988,7 +14697,7 @@
         <p:spPr>
           <a:xfrm>
             <a:off x="3840368" y="1034341"/>
-            <a:ext cx="2273379" cy="923330"/>
+            <a:ext cx="3097323" cy="923330"/>
           </a:xfrm>
           <a:prstGeom prst="rect">
             <a:avLst/>
@@ -14049,7 +14758,7 @@
                 <a:latin typeface="인터파크고딕 L" pitchFamily="2" charset="-127"/>
                 <a:ea typeface="인터파크고딕 L" pitchFamily="2" charset="-127"/>
               </a:rPr>
-              <a:t>1 : </a:t>
+              <a:t>2 : 1</a:t>
             </a:r>
             <a:r>
               <a:rPr lang="ko-KR" altLang="en-US" dirty="0" smtClean="0">
@@ -14068,7 +14777,45 @@
                 <a:latin typeface="인터파크고딕 L" pitchFamily="2" charset="-127"/>
                 <a:ea typeface="인터파크고딕 L" pitchFamily="2" charset="-127"/>
               </a:rPr>
-              <a:t>되돌아가기</a:t>
+              <a:t>블록 </a:t>
+            </a:r>
+            <a:r>
+              <a:rPr lang="en-US" altLang="ko-KR" dirty="0" smtClean="0">
+                <a:ln>
+                  <a:solidFill>
+                    <a:schemeClr val="bg1">
+                      <a:alpha val="90000"/>
+                    </a:schemeClr>
+                  </a:solidFill>
+                </a:ln>
+                <a:solidFill>
+                  <a:schemeClr val="bg1">
+                    <a:lumMod val="95000"/>
+                  </a:schemeClr>
+                </a:solidFill>
+                <a:latin typeface="인터파크고딕 L" pitchFamily="2" charset="-127"/>
+                <a:ea typeface="인터파크고딕 L" pitchFamily="2" charset="-127"/>
+              </a:rPr>
+              <a:t>&amp; 2</a:t>
+            </a:r>
+            <a:r>
+              <a:rPr lang="ko-KR" altLang="en-US" dirty="0" smtClean="0">
+                <a:ln>
+                  <a:solidFill>
+                    <a:schemeClr val="bg1">
+                      <a:alpha val="90000"/>
+                    </a:schemeClr>
+                  </a:solidFill>
+                </a:ln>
+                <a:solidFill>
+                  <a:schemeClr val="bg1">
+                    <a:lumMod val="95000"/>
+                  </a:schemeClr>
+                </a:solidFill>
+                <a:latin typeface="인터파크고딕 L" pitchFamily="2" charset="-127"/>
+                <a:ea typeface="인터파크고딕 L" pitchFamily="2" charset="-127"/>
+              </a:rPr>
+              <a:t>블록 삭제</a:t>
             </a:r>
             <a:endParaRPr lang="en-US" altLang="ko-KR" dirty="0" smtClean="0">
               <a:ln>
@@ -14110,43 +14857,8 @@
                 <a:latin typeface="인터파크고딕 L" pitchFamily="2" charset="-127"/>
                 <a:ea typeface="인터파크고딕 L" pitchFamily="2" charset="-127"/>
               </a:rPr>
-              <a:t>Void </a:t>
-            </a:r>
-            <a:r>
-              <a:rPr lang="en-US" altLang="ko-KR" dirty="0" err="1" smtClean="0">
-                <a:ln>
-                  <a:solidFill>
-                    <a:schemeClr val="bg1">
-                      <a:alpha val="90000"/>
-                    </a:schemeClr>
-                  </a:solidFill>
-                </a:ln>
-                <a:solidFill>
-                  <a:schemeClr val="bg1">
-                    <a:lumMod val="95000"/>
-                  </a:schemeClr>
-                </a:solidFill>
-                <a:latin typeface="인터파크고딕 L" pitchFamily="2" charset="-127"/>
-                <a:ea typeface="인터파크고딕 L" pitchFamily="2" charset="-127"/>
-              </a:rPr>
-              <a:t>go_back</a:t>
-            </a:r>
-            <a:endParaRPr lang="en-US" altLang="ko-KR" dirty="0" smtClean="0">
-              <a:ln>
-                <a:solidFill>
-                  <a:schemeClr val="bg1">
-                    <a:alpha val="90000"/>
-                  </a:schemeClr>
-                </a:solidFill>
-              </a:ln>
-              <a:solidFill>
-                <a:schemeClr val="bg1">
-                  <a:lumMod val="95000"/>
-                </a:schemeClr>
-              </a:solidFill>
-              <a:latin typeface="인터파크고딕 L" pitchFamily="2" charset="-127"/>
-              <a:ea typeface="인터파크고딕 L" pitchFamily="2" charset="-127"/>
-            </a:endParaRPr>
+              <a:t>Void delete_01</a:t>
+            </a:r>
           </a:p>
         </p:txBody>
       </p:sp>
@@ -14242,7 +14954,7 @@
         <p:spPr>
           <a:xfrm>
             <a:off x="3643306" y="2643182"/>
-            <a:ext cx="4368504" cy="3693319"/>
+            <a:ext cx="4318811" cy="3665299"/>
           </a:xfrm>
           <a:prstGeom prst="rect">
             <a:avLst/>
@@ -14284,7 +14996,111 @@
                 <a:latin typeface="인터파크고딕 L" pitchFamily="2" charset="-127"/>
                 <a:ea typeface="인터파크고딕 L" pitchFamily="2" charset="-127"/>
               </a:rPr>
-              <a:t>void </a:t>
+              <a:t>void delete_01(deck *deck)</a:t>
+            </a:r>
+          </a:p>
+          <a:p>
+            <a:pPr>
+              <a:lnSpc>
+                <a:spcPct val="150000"/>
+              </a:lnSpc>
+            </a:pPr>
+            <a:r>
+              <a:rPr lang="en-US" altLang="ko-KR" sz="1200" dirty="0" smtClean="0">
+                <a:ln>
+                  <a:solidFill>
+                    <a:schemeClr val="bg1">
+                      <a:alpha val="90000"/>
+                    </a:schemeClr>
+                  </a:solidFill>
+                </a:ln>
+                <a:solidFill>
+                  <a:schemeClr val="bg1">
+                    <a:lumMod val="95000"/>
+                  </a:schemeClr>
+                </a:solidFill>
+                <a:latin typeface="인터파크고딕 L" pitchFamily="2" charset="-127"/>
+                <a:ea typeface="인터파크고딕 L" pitchFamily="2" charset="-127"/>
+              </a:rPr>
+              <a:t>{</a:t>
+            </a:r>
+          </a:p>
+          <a:p>
+            <a:pPr>
+              <a:lnSpc>
+                <a:spcPct val="150000"/>
+              </a:lnSpc>
+            </a:pPr>
+            <a:r>
+              <a:rPr lang="en-US" altLang="ko-KR" sz="1200" dirty="0" smtClean="0">
+                <a:ln>
+                  <a:solidFill>
+                    <a:schemeClr val="bg1">
+                      <a:alpha val="90000"/>
+                    </a:schemeClr>
+                  </a:solidFill>
+                </a:ln>
+                <a:solidFill>
+                  <a:schemeClr val="bg1">
+                    <a:lumMod val="95000"/>
+                  </a:schemeClr>
+                </a:solidFill>
+                <a:latin typeface="인터파크고딕 L" pitchFamily="2" charset="-127"/>
+                <a:ea typeface="인터파크고딕 L" pitchFamily="2" charset="-127"/>
+              </a:rPr>
+              <a:t>    if ( deck-&gt;item1 &lt; 1)</a:t>
+            </a:r>
+          </a:p>
+          <a:p>
+            <a:pPr>
+              <a:lnSpc>
+                <a:spcPct val="150000"/>
+              </a:lnSpc>
+            </a:pPr>
+            <a:r>
+              <a:rPr lang="en-US" altLang="ko-KR" sz="1200" dirty="0" smtClean="0">
+                <a:ln>
+                  <a:solidFill>
+                    <a:schemeClr val="bg1">
+                      <a:alpha val="90000"/>
+                    </a:schemeClr>
+                  </a:solidFill>
+                </a:ln>
+                <a:solidFill>
+                  <a:schemeClr val="bg1">
+                    <a:lumMod val="95000"/>
+                  </a:schemeClr>
+                </a:solidFill>
+                <a:latin typeface="인터파크고딕 L" pitchFamily="2" charset="-127"/>
+                <a:ea typeface="인터파크고딕 L" pitchFamily="2" charset="-127"/>
+              </a:rPr>
+              <a:t>	return;</a:t>
+            </a:r>
+          </a:p>
+          <a:p>
+            <a:pPr>
+              <a:lnSpc>
+                <a:spcPct val="150000"/>
+              </a:lnSpc>
+            </a:pPr>
+            <a:r>
+              <a:rPr lang="en-US" altLang="ko-KR" sz="1200" dirty="0" smtClean="0">
+                <a:ln>
+                  <a:solidFill>
+                    <a:schemeClr val="bg1">
+                      <a:alpha val="90000"/>
+                    </a:schemeClr>
+                  </a:solidFill>
+                </a:ln>
+                <a:solidFill>
+                  <a:schemeClr val="bg1">
+                    <a:lumMod val="95000"/>
+                  </a:schemeClr>
+                </a:solidFill>
+                <a:latin typeface="인터파크고딕 L" pitchFamily="2" charset="-127"/>
+                <a:ea typeface="인터파크고딕 L" pitchFamily="2" charset="-127"/>
+              </a:rPr>
+              <a:t>    for (</a:t>
             </a:r>
             <a:r>
               <a:rPr lang="en-US" altLang="ko-KR" sz="1200" dirty="0" err="1" smtClean="0">
@@ -14303,26 +15119,140 @@
                 <a:latin typeface="인터파크고딕 L" pitchFamily="2" charset="-127"/>
                 <a:ea typeface="인터파크고딕 L" pitchFamily="2" charset="-127"/>
               </a:rPr>
-              <a:t>go_back</a:t>
-            </a:r>
-            <a:r>
-              <a:rPr lang="en-US" altLang="ko-KR" sz="1200" dirty="0" smtClean="0">
-                <a:ln>
-                  <a:solidFill>
-                    <a:schemeClr val="bg1">
-                      <a:alpha val="90000"/>
-                    </a:schemeClr>
-                  </a:solidFill>
-                </a:ln>
-                <a:solidFill>
-                  <a:schemeClr val="bg1">
-                    <a:lumMod val="95000"/>
-                  </a:schemeClr>
-                </a:solidFill>
-                <a:latin typeface="인터파크고딕 L" pitchFamily="2" charset="-127"/>
-                <a:ea typeface="인터파크고딕 L" pitchFamily="2" charset="-127"/>
-              </a:rPr>
-              <a:t>(deck *deck)</a:t>
+              <a:t>int</a:t>
+            </a:r>
+            <a:r>
+              <a:rPr lang="en-US" altLang="ko-KR" sz="1200" dirty="0" smtClean="0">
+                <a:ln>
+                  <a:solidFill>
+                    <a:schemeClr val="bg1">
+                      <a:alpha val="90000"/>
+                    </a:schemeClr>
+                  </a:solidFill>
+                </a:ln>
+                <a:solidFill>
+                  <a:schemeClr val="bg1">
+                    <a:lumMod val="95000"/>
+                  </a:schemeClr>
+                </a:solidFill>
+                <a:latin typeface="인터파크고딕 L" pitchFamily="2" charset="-127"/>
+                <a:ea typeface="인터파크고딕 L" pitchFamily="2" charset="-127"/>
+              </a:rPr>
+              <a:t> </a:t>
+            </a:r>
+            <a:r>
+              <a:rPr lang="en-US" altLang="ko-KR" sz="1200" dirty="0" err="1" smtClean="0">
+                <a:ln>
+                  <a:solidFill>
+                    <a:schemeClr val="bg1">
+                      <a:alpha val="90000"/>
+                    </a:schemeClr>
+                  </a:solidFill>
+                </a:ln>
+                <a:solidFill>
+                  <a:schemeClr val="bg1">
+                    <a:lumMod val="95000"/>
+                  </a:schemeClr>
+                </a:solidFill>
+                <a:latin typeface="인터파크고딕 L" pitchFamily="2" charset="-127"/>
+                <a:ea typeface="인터파크고딕 L" pitchFamily="2" charset="-127"/>
+              </a:rPr>
+              <a:t>i</a:t>
+            </a:r>
+            <a:r>
+              <a:rPr lang="en-US" altLang="ko-KR" sz="1200" dirty="0" smtClean="0">
+                <a:ln>
+                  <a:solidFill>
+                    <a:schemeClr val="bg1">
+                      <a:alpha val="90000"/>
+                    </a:schemeClr>
+                  </a:solidFill>
+                </a:ln>
+                <a:solidFill>
+                  <a:schemeClr val="bg1">
+                    <a:lumMod val="95000"/>
+                  </a:schemeClr>
+                </a:solidFill>
+                <a:latin typeface="인터파크고딕 L" pitchFamily="2" charset="-127"/>
+                <a:ea typeface="인터파크고딕 L" pitchFamily="2" charset="-127"/>
+              </a:rPr>
+              <a:t> = 0; </a:t>
+            </a:r>
+            <a:r>
+              <a:rPr lang="en-US" altLang="ko-KR" sz="1200" dirty="0" err="1" smtClean="0">
+                <a:ln>
+                  <a:solidFill>
+                    <a:schemeClr val="bg1">
+                      <a:alpha val="90000"/>
+                    </a:schemeClr>
+                  </a:solidFill>
+                </a:ln>
+                <a:solidFill>
+                  <a:schemeClr val="bg1">
+                    <a:lumMod val="95000"/>
+                  </a:schemeClr>
+                </a:solidFill>
+                <a:latin typeface="인터파크고딕 L" pitchFamily="2" charset="-127"/>
+                <a:ea typeface="인터파크고딕 L" pitchFamily="2" charset="-127"/>
+              </a:rPr>
+              <a:t>i</a:t>
+            </a:r>
+            <a:r>
+              <a:rPr lang="en-US" altLang="ko-KR" sz="1200" dirty="0" smtClean="0">
+                <a:ln>
+                  <a:solidFill>
+                    <a:schemeClr val="bg1">
+                      <a:alpha val="90000"/>
+                    </a:schemeClr>
+                  </a:solidFill>
+                </a:ln>
+                <a:solidFill>
+                  <a:schemeClr val="bg1">
+                    <a:lumMod val="95000"/>
+                  </a:schemeClr>
+                </a:solidFill>
+                <a:latin typeface="인터파크고딕 L" pitchFamily="2" charset="-127"/>
+                <a:ea typeface="인터파크고딕 L" pitchFamily="2" charset="-127"/>
+              </a:rPr>
+              <a:t> &lt; DECKLENGTH; </a:t>
+            </a:r>
+            <a:r>
+              <a:rPr lang="en-US" altLang="ko-KR" sz="1200" dirty="0" err="1" smtClean="0">
+                <a:ln>
+                  <a:solidFill>
+                    <a:schemeClr val="bg1">
+                      <a:alpha val="90000"/>
+                    </a:schemeClr>
+                  </a:solidFill>
+                </a:ln>
+                <a:solidFill>
+                  <a:schemeClr val="bg1">
+                    <a:lumMod val="95000"/>
+                  </a:schemeClr>
+                </a:solidFill>
+                <a:latin typeface="인터파크고딕 L" pitchFamily="2" charset="-127"/>
+                <a:ea typeface="인터파크고딕 L" pitchFamily="2" charset="-127"/>
+              </a:rPr>
+              <a:t>i</a:t>
+            </a:r>
+            <a:r>
+              <a:rPr lang="en-US" altLang="ko-KR" sz="1200" dirty="0" smtClean="0">
+                <a:ln>
+                  <a:solidFill>
+                    <a:schemeClr val="bg1">
+                      <a:alpha val="90000"/>
+                    </a:schemeClr>
+                  </a:solidFill>
+                </a:ln>
+                <a:solidFill>
+                  <a:schemeClr val="bg1">
+                    <a:lumMod val="95000"/>
+                  </a:schemeClr>
+                </a:solidFill>
+                <a:latin typeface="인터파크고딕 L" pitchFamily="2" charset="-127"/>
+                <a:ea typeface="인터파크고딕 L" pitchFamily="2" charset="-127"/>
+              </a:rPr>
+              <a:t>++) {</a:t>
             </a:r>
           </a:p>
           <a:p>
@@ -14348,6 +15278,155 @@
                 <a:latin typeface="인터파크고딕 L" pitchFamily="2" charset="-127"/>
                 <a:ea typeface="인터파크고딕 L" pitchFamily="2" charset="-127"/>
               </a:rPr>
+              <a:t>        for (</a:t>
+            </a:r>
+            <a:r>
+              <a:rPr lang="en-US" altLang="ko-KR" sz="1200" dirty="0" err="1" smtClean="0">
+                <a:ln>
+                  <a:solidFill>
+                    <a:schemeClr val="bg1">
+                      <a:alpha val="90000"/>
+                    </a:schemeClr>
+                  </a:solidFill>
+                </a:ln>
+                <a:solidFill>
+                  <a:schemeClr val="bg1">
+                    <a:lumMod val="95000"/>
+                  </a:schemeClr>
+                </a:solidFill>
+                <a:latin typeface="인터파크고딕 L" pitchFamily="2" charset="-127"/>
+                <a:ea typeface="인터파크고딕 L" pitchFamily="2" charset="-127"/>
+              </a:rPr>
+              <a:t>int</a:t>
+            </a:r>
+            <a:r>
+              <a:rPr lang="en-US" altLang="ko-KR" sz="1200" dirty="0" smtClean="0">
+                <a:ln>
+                  <a:solidFill>
+                    <a:schemeClr val="bg1">
+                      <a:alpha val="90000"/>
+                    </a:schemeClr>
+                  </a:solidFill>
+                </a:ln>
+                <a:solidFill>
+                  <a:schemeClr val="bg1">
+                    <a:lumMod val="95000"/>
+                  </a:schemeClr>
+                </a:solidFill>
+                <a:latin typeface="인터파크고딕 L" pitchFamily="2" charset="-127"/>
+                <a:ea typeface="인터파크고딕 L" pitchFamily="2" charset="-127"/>
+              </a:rPr>
+              <a:t> j = 0; j &lt; DECKLENGTH; j++) { </a:t>
+            </a:r>
+          </a:p>
+          <a:p>
+            <a:pPr>
+              <a:lnSpc>
+                <a:spcPct val="150000"/>
+              </a:lnSpc>
+            </a:pPr>
+            <a:r>
+              <a:rPr lang="en-US" altLang="ko-KR" sz="1200" dirty="0" smtClean="0">
+                <a:ln>
+                  <a:solidFill>
+                    <a:srgbClr val="FF7C80">
+                      <a:alpha val="90000"/>
+                    </a:srgbClr>
+                  </a:solidFill>
+                </a:ln>
+                <a:solidFill>
+                  <a:srgbClr val="FF7C80"/>
+                </a:solidFill>
+                <a:latin typeface="인터파크고딕 L" pitchFamily="2" charset="-127"/>
+                <a:ea typeface="인터파크고딕 L" pitchFamily="2" charset="-127"/>
+              </a:rPr>
+              <a:t>            if (deck-&gt;plate[</a:t>
+            </a:r>
+            <a:r>
+              <a:rPr lang="en-US" altLang="ko-KR" sz="1200" dirty="0" err="1" smtClean="0">
+                <a:ln>
+                  <a:solidFill>
+                    <a:srgbClr val="FF7C80">
+                      <a:alpha val="90000"/>
+                    </a:srgbClr>
+                  </a:solidFill>
+                </a:ln>
+                <a:solidFill>
+                  <a:srgbClr val="FF7C80"/>
+                </a:solidFill>
+                <a:latin typeface="인터파크고딕 L" pitchFamily="2" charset="-127"/>
+                <a:ea typeface="인터파크고딕 L" pitchFamily="2" charset="-127"/>
+              </a:rPr>
+              <a:t>i</a:t>
+            </a:r>
+            <a:r>
+              <a:rPr lang="en-US" altLang="ko-KR" sz="1200" dirty="0" smtClean="0">
+                <a:ln>
+                  <a:solidFill>
+                    <a:srgbClr val="FF7C80">
+                      <a:alpha val="90000"/>
+                    </a:srgbClr>
+                  </a:solidFill>
+                </a:ln>
+                <a:solidFill>
+                  <a:srgbClr val="FF7C80"/>
+                </a:solidFill>
+                <a:latin typeface="인터파크고딕 L" pitchFamily="2" charset="-127"/>
+                <a:ea typeface="인터파크고딕 L" pitchFamily="2" charset="-127"/>
+              </a:rPr>
+              <a:t>][j] == 1 || deck-&gt;plate[</a:t>
+            </a:r>
+            <a:r>
+              <a:rPr lang="en-US" altLang="ko-KR" sz="1200" dirty="0" err="1" smtClean="0">
+                <a:ln>
+                  <a:solidFill>
+                    <a:srgbClr val="FF7C80">
+                      <a:alpha val="90000"/>
+                    </a:srgbClr>
+                  </a:solidFill>
+                </a:ln>
+                <a:solidFill>
+                  <a:srgbClr val="FF7C80"/>
+                </a:solidFill>
+                <a:latin typeface="인터파크고딕 L" pitchFamily="2" charset="-127"/>
+                <a:ea typeface="인터파크고딕 L" pitchFamily="2" charset="-127"/>
+              </a:rPr>
+              <a:t>i</a:t>
+            </a:r>
+            <a:r>
+              <a:rPr lang="en-US" altLang="ko-KR" sz="1200" dirty="0" smtClean="0">
+                <a:ln>
+                  <a:solidFill>
+                    <a:srgbClr val="FF7C80">
+                      <a:alpha val="90000"/>
+                    </a:srgbClr>
+                  </a:solidFill>
+                </a:ln>
+                <a:solidFill>
+                  <a:srgbClr val="FF7C80"/>
+                </a:solidFill>
+                <a:latin typeface="인터파크고딕 L" pitchFamily="2" charset="-127"/>
+                <a:ea typeface="인터파크고딕 L" pitchFamily="2" charset="-127"/>
+              </a:rPr>
+              <a:t>][j] == 2) </a:t>
+            </a:r>
+            <a:r>
+              <a:rPr lang="en-US" altLang="ko-KR" sz="1200" dirty="0" smtClean="0">
+                <a:ln>
+                  <a:solidFill>
+                    <a:schemeClr val="bg1">
+                      <a:alpha val="90000"/>
+                    </a:schemeClr>
+                  </a:solidFill>
+                </a:ln>
+                <a:solidFill>
+                  <a:schemeClr val="bg1">
+                    <a:lumMod val="95000"/>
+                  </a:schemeClr>
+                </a:solidFill>
+                <a:latin typeface="인터파크고딕 L" pitchFamily="2" charset="-127"/>
+                <a:ea typeface="인터파크고딕 L" pitchFamily="2" charset="-127"/>
+              </a:rPr>
               <a:t>{</a:t>
             </a:r>
           </a:p>
@@ -14374,7 +15453,58 @@
                 <a:latin typeface="인터파크고딕 L" pitchFamily="2" charset="-127"/>
                 <a:ea typeface="인터파크고딕 L" pitchFamily="2" charset="-127"/>
               </a:rPr>
-              <a:t>    …    </a:t>
+              <a:t>                </a:t>
+            </a:r>
+            <a:r>
+              <a:rPr lang="en-US" altLang="ko-KR" sz="1200" dirty="0" smtClean="0">
+                <a:ln>
+                  <a:solidFill>
+                    <a:srgbClr val="009999">
+                      <a:alpha val="90000"/>
+                    </a:srgbClr>
+                  </a:solidFill>
+                </a:ln>
+                <a:solidFill>
+                  <a:srgbClr val="009999"/>
+                </a:solidFill>
+                <a:latin typeface="인터파크고딕 L" pitchFamily="2" charset="-127"/>
+                <a:ea typeface="인터파크고딕 L" pitchFamily="2" charset="-127"/>
+              </a:rPr>
+              <a:t>deck-&gt;plate[</a:t>
+            </a:r>
+            <a:r>
+              <a:rPr lang="en-US" altLang="ko-KR" sz="1200" dirty="0" err="1" smtClean="0">
+                <a:ln>
+                  <a:solidFill>
+                    <a:srgbClr val="009999">
+                      <a:alpha val="90000"/>
+                    </a:srgbClr>
+                  </a:solidFill>
+                </a:ln>
+                <a:solidFill>
+                  <a:srgbClr val="009999"/>
+                </a:solidFill>
+                <a:latin typeface="인터파크고딕 L" pitchFamily="2" charset="-127"/>
+                <a:ea typeface="인터파크고딕 L" pitchFamily="2" charset="-127"/>
+              </a:rPr>
+              <a:t>i</a:t>
+            </a:r>
+            <a:r>
+              <a:rPr lang="en-US" altLang="ko-KR" sz="1200" dirty="0" smtClean="0">
+                <a:ln>
+                  <a:solidFill>
+                    <a:srgbClr val="009999">
+                      <a:alpha val="90000"/>
+                    </a:srgbClr>
+                  </a:solidFill>
+                </a:ln>
+                <a:solidFill>
+                  <a:srgbClr val="009999"/>
+                </a:solidFill>
+                <a:latin typeface="인터파크고딕 L" pitchFamily="2" charset="-127"/>
+                <a:ea typeface="인터파크고딕 L" pitchFamily="2" charset="-127"/>
+              </a:rPr>
+              <a:t>][j] = 0; </a:t>
             </a:r>
           </a:p>
           <a:p>
@@ -14400,45 +15530,7 @@
                 <a:latin typeface="인터파크고딕 L" pitchFamily="2" charset="-127"/>
                 <a:ea typeface="인터파크고딕 L" pitchFamily="2" charset="-127"/>
               </a:rPr>
-              <a:t>    temp = deck-&gt;</a:t>
-            </a:r>
-            <a:r>
-              <a:rPr lang="en-US" altLang="ko-KR" sz="1200" dirty="0" err="1" smtClean="0">
-                <a:ln>
-                  <a:solidFill>
-                    <a:schemeClr val="bg1">
-                      <a:alpha val="90000"/>
-                    </a:schemeClr>
-                  </a:solidFill>
-                </a:ln>
-                <a:solidFill>
-                  <a:schemeClr val="bg1">
-                    <a:lumMod val="95000"/>
-                  </a:schemeClr>
-                </a:solidFill>
-                <a:latin typeface="인터파크고딕 L" pitchFamily="2" charset="-127"/>
-                <a:ea typeface="인터파크고딕 L" pitchFamily="2" charset="-127"/>
-              </a:rPr>
-              <a:t>storeStart</a:t>
-            </a:r>
-            <a:r>
-              <a:rPr lang="en-US" altLang="ko-KR" sz="1200" dirty="0" smtClean="0">
-                <a:ln>
-                  <a:solidFill>
-                    <a:schemeClr val="bg1">
-                      <a:alpha val="90000"/>
-                    </a:schemeClr>
-                  </a:solidFill>
-                </a:ln>
-                <a:solidFill>
-                  <a:schemeClr val="bg1">
-                    <a:lumMod val="95000"/>
-                  </a:schemeClr>
-                </a:solidFill>
-                <a:latin typeface="인터파크고딕 L" pitchFamily="2" charset="-127"/>
-                <a:ea typeface="인터파크고딕 L" pitchFamily="2" charset="-127"/>
-              </a:rPr>
-              <a:t> - 1;</a:t>
+              <a:t>            }</a:t>
             </a:r>
           </a:p>
           <a:p>
@@ -14464,7 +15556,7 @@
                 <a:latin typeface="인터파크고딕 L" pitchFamily="2" charset="-127"/>
                 <a:ea typeface="인터파크고딕 L" pitchFamily="2" charset="-127"/>
               </a:rPr>
-              <a:t>    if (temp &lt; 0)</a:t>
+              <a:t>        }</a:t>
             </a:r>
           </a:p>
           <a:p>
@@ -14490,7 +15582,7 @@
                 <a:latin typeface="인터파크고딕 L" pitchFamily="2" charset="-127"/>
                 <a:ea typeface="인터파크고딕 L" pitchFamily="2" charset="-127"/>
               </a:rPr>
-              <a:t>        temp = STORELENGTH - 1;</a:t>
+              <a:t>    }</a:t>
             </a:r>
           </a:p>
           <a:p>
@@ -14503,9 +15595,9 @@
               <a:rPr lang="en-US" altLang="ko-KR" sz="1200" dirty="0" smtClean="0">
                 <a:ln>
                   <a:solidFill>
-                    <a:schemeClr val="bg1">
-                      <a:alpha val="90000"/>
-                    </a:schemeClr>
+                    <a:srgbClr val="009999">
+                      <a:alpha val="90000"/>
+                    </a:srgbClr>
                   </a:solidFill>
                 </a:ln>
                 <a:solidFill>
@@ -14518,531 +15610,22 @@
               </a:rPr>
               <a:t>    </a:t>
             </a:r>
-          </a:p>
-          <a:p>
-            <a:pPr>
-              <a:lnSpc>
-                <a:spcPct val="150000"/>
-              </a:lnSpc>
-            </a:pPr>
-            <a:r>
-              <a:rPr lang="en-US" altLang="ko-KR" sz="1200" dirty="0" smtClean="0">
-                <a:ln>
-                  <a:solidFill>
-                    <a:schemeClr val="bg1">
-                      <a:alpha val="90000"/>
-                    </a:schemeClr>
-                  </a:solidFill>
-                </a:ln>
-                <a:solidFill>
-                  <a:schemeClr val="bg1">
-                    <a:lumMod val="95000"/>
-                  </a:schemeClr>
-                </a:solidFill>
-                <a:latin typeface="인터파크고딕 L" pitchFamily="2" charset="-127"/>
-                <a:ea typeface="인터파크고딕 L" pitchFamily="2" charset="-127"/>
-              </a:rPr>
-              <a:t>    for (</a:t>
-            </a:r>
-            <a:r>
-              <a:rPr lang="en-US" altLang="ko-KR" sz="1200" dirty="0" err="1" smtClean="0">
-                <a:ln>
-                  <a:solidFill>
-                    <a:schemeClr val="bg1">
-                      <a:alpha val="90000"/>
-                    </a:schemeClr>
-                  </a:solidFill>
-                </a:ln>
-                <a:solidFill>
-                  <a:schemeClr val="bg1">
-                    <a:lumMod val="95000"/>
-                  </a:schemeClr>
-                </a:solidFill>
-                <a:latin typeface="인터파크고딕 L" pitchFamily="2" charset="-127"/>
-                <a:ea typeface="인터파크고딕 L" pitchFamily="2" charset="-127"/>
-              </a:rPr>
-              <a:t>int</a:t>
-            </a:r>
-            <a:r>
-              <a:rPr lang="en-US" altLang="ko-KR" sz="1200" dirty="0" smtClean="0">
-                <a:ln>
-                  <a:solidFill>
-                    <a:schemeClr val="bg1">
-                      <a:alpha val="90000"/>
-                    </a:schemeClr>
-                  </a:solidFill>
-                </a:ln>
-                <a:solidFill>
-                  <a:schemeClr val="bg1">
-                    <a:lumMod val="95000"/>
-                  </a:schemeClr>
-                </a:solidFill>
-                <a:latin typeface="인터파크고딕 L" pitchFamily="2" charset="-127"/>
-                <a:ea typeface="인터파크고딕 L" pitchFamily="2" charset="-127"/>
-              </a:rPr>
-              <a:t> </a:t>
-            </a:r>
-            <a:r>
-              <a:rPr lang="en-US" altLang="ko-KR" sz="1200" dirty="0" err="1" smtClean="0">
-                <a:ln>
-                  <a:solidFill>
-                    <a:schemeClr val="bg1">
-                      <a:alpha val="90000"/>
-                    </a:schemeClr>
-                  </a:solidFill>
-                </a:ln>
-                <a:solidFill>
-                  <a:schemeClr val="bg1">
-                    <a:lumMod val="95000"/>
-                  </a:schemeClr>
-                </a:solidFill>
-                <a:latin typeface="인터파크고딕 L" pitchFamily="2" charset="-127"/>
-                <a:ea typeface="인터파크고딕 L" pitchFamily="2" charset="-127"/>
-              </a:rPr>
-              <a:t>i</a:t>
-            </a:r>
-            <a:r>
-              <a:rPr lang="en-US" altLang="ko-KR" sz="1200" dirty="0" smtClean="0">
-                <a:ln>
-                  <a:solidFill>
-                    <a:schemeClr val="bg1">
-                      <a:alpha val="90000"/>
-                    </a:schemeClr>
-                  </a:solidFill>
-                </a:ln>
-                <a:solidFill>
-                  <a:schemeClr val="bg1">
-                    <a:lumMod val="95000"/>
-                  </a:schemeClr>
-                </a:solidFill>
-                <a:latin typeface="인터파크고딕 L" pitchFamily="2" charset="-127"/>
-                <a:ea typeface="인터파크고딕 L" pitchFamily="2" charset="-127"/>
-              </a:rPr>
-              <a:t> = 0; </a:t>
-            </a:r>
-            <a:r>
-              <a:rPr lang="en-US" altLang="ko-KR" sz="1200" dirty="0" err="1" smtClean="0">
-                <a:ln>
-                  <a:solidFill>
-                    <a:schemeClr val="bg1">
-                      <a:alpha val="90000"/>
-                    </a:schemeClr>
-                  </a:solidFill>
-                </a:ln>
-                <a:solidFill>
-                  <a:schemeClr val="bg1">
-                    <a:lumMod val="95000"/>
-                  </a:schemeClr>
-                </a:solidFill>
-                <a:latin typeface="인터파크고딕 L" pitchFamily="2" charset="-127"/>
-                <a:ea typeface="인터파크고딕 L" pitchFamily="2" charset="-127"/>
-              </a:rPr>
-              <a:t>i</a:t>
-            </a:r>
-            <a:r>
-              <a:rPr lang="en-US" altLang="ko-KR" sz="1200" dirty="0" smtClean="0">
-                <a:ln>
-                  <a:solidFill>
-                    <a:schemeClr val="bg1">
-                      <a:alpha val="90000"/>
-                    </a:schemeClr>
-                  </a:solidFill>
-                </a:ln>
-                <a:solidFill>
-                  <a:schemeClr val="bg1">
-                    <a:lumMod val="95000"/>
-                  </a:schemeClr>
-                </a:solidFill>
-                <a:latin typeface="인터파크고딕 L" pitchFamily="2" charset="-127"/>
-                <a:ea typeface="인터파크고딕 L" pitchFamily="2" charset="-127"/>
-              </a:rPr>
-              <a:t> &lt; DECKLENGTH; </a:t>
-            </a:r>
-            <a:r>
-              <a:rPr lang="en-US" altLang="ko-KR" sz="1200" dirty="0" err="1" smtClean="0">
-                <a:ln>
-                  <a:solidFill>
-                    <a:schemeClr val="bg1">
-                      <a:alpha val="90000"/>
-                    </a:schemeClr>
-                  </a:solidFill>
-                </a:ln>
-                <a:solidFill>
-                  <a:schemeClr val="bg1">
-                    <a:lumMod val="95000"/>
-                  </a:schemeClr>
-                </a:solidFill>
-                <a:latin typeface="인터파크고딕 L" pitchFamily="2" charset="-127"/>
-                <a:ea typeface="인터파크고딕 L" pitchFamily="2" charset="-127"/>
-              </a:rPr>
-              <a:t>i</a:t>
-            </a:r>
-            <a:r>
-              <a:rPr lang="en-US" altLang="ko-KR" sz="1200" dirty="0" smtClean="0">
-                <a:ln>
-                  <a:solidFill>
-                    <a:schemeClr val="bg1">
-                      <a:alpha val="90000"/>
-                    </a:schemeClr>
-                  </a:solidFill>
-                </a:ln>
-                <a:solidFill>
-                  <a:schemeClr val="bg1">
-                    <a:lumMod val="95000"/>
-                  </a:schemeClr>
-                </a:solidFill>
-                <a:latin typeface="인터파크고딕 L" pitchFamily="2" charset="-127"/>
-                <a:ea typeface="인터파크고딕 L" pitchFamily="2" charset="-127"/>
-              </a:rPr>
-              <a:t>++)</a:t>
-            </a:r>
-          </a:p>
-          <a:p>
-            <a:pPr>
-              <a:lnSpc>
-                <a:spcPct val="150000"/>
-              </a:lnSpc>
-            </a:pPr>
-            <a:r>
-              <a:rPr lang="en-US" altLang="ko-KR" sz="1200" dirty="0" smtClean="0">
-                <a:ln>
-                  <a:solidFill>
-                    <a:schemeClr val="bg1">
-                      <a:alpha val="90000"/>
-                    </a:schemeClr>
-                  </a:solidFill>
-                </a:ln>
-                <a:solidFill>
-                  <a:schemeClr val="bg1">
-                    <a:lumMod val="95000"/>
-                  </a:schemeClr>
-                </a:solidFill>
-                <a:latin typeface="인터파크고딕 L" pitchFamily="2" charset="-127"/>
-                <a:ea typeface="인터파크고딕 L" pitchFamily="2" charset="-127"/>
-              </a:rPr>
-              <a:t>        for (</a:t>
-            </a:r>
-            <a:r>
-              <a:rPr lang="en-US" altLang="ko-KR" sz="1200" dirty="0" err="1" smtClean="0">
-                <a:ln>
-                  <a:solidFill>
-                    <a:schemeClr val="bg1">
-                      <a:alpha val="90000"/>
-                    </a:schemeClr>
-                  </a:solidFill>
-                </a:ln>
-                <a:solidFill>
-                  <a:schemeClr val="bg1">
-                    <a:lumMod val="95000"/>
-                  </a:schemeClr>
-                </a:solidFill>
-                <a:latin typeface="인터파크고딕 L" pitchFamily="2" charset="-127"/>
-                <a:ea typeface="인터파크고딕 L" pitchFamily="2" charset="-127"/>
-              </a:rPr>
-              <a:t>int</a:t>
-            </a:r>
-            <a:r>
-              <a:rPr lang="en-US" altLang="ko-KR" sz="1200" dirty="0" smtClean="0">
-                <a:ln>
-                  <a:solidFill>
-                    <a:schemeClr val="bg1">
-                      <a:alpha val="90000"/>
-                    </a:schemeClr>
-                  </a:solidFill>
-                </a:ln>
-                <a:solidFill>
-                  <a:schemeClr val="bg1">
-                    <a:lumMod val="95000"/>
-                  </a:schemeClr>
-                </a:solidFill>
-                <a:latin typeface="인터파크고딕 L" pitchFamily="2" charset="-127"/>
-                <a:ea typeface="인터파크고딕 L" pitchFamily="2" charset="-127"/>
-              </a:rPr>
-              <a:t> j = 0; j &lt; DECKLENGTH; j++)</a:t>
-            </a:r>
-          </a:p>
-          <a:p>
-            <a:pPr>
-              <a:lnSpc>
-                <a:spcPct val="150000"/>
-              </a:lnSpc>
-            </a:pPr>
-            <a:r>
-              <a:rPr lang="en-US" altLang="ko-KR" sz="1200" dirty="0" smtClean="0">
-                <a:ln>
-                  <a:solidFill>
-                    <a:schemeClr val="bg1">
-                      <a:alpha val="90000"/>
-                    </a:schemeClr>
-                  </a:solidFill>
-                </a:ln>
-                <a:solidFill>
-                  <a:schemeClr val="bg1">
-                    <a:lumMod val="95000"/>
-                  </a:schemeClr>
-                </a:solidFill>
-                <a:latin typeface="인터파크고딕 L" pitchFamily="2" charset="-127"/>
-                <a:ea typeface="인터파크고딕 L" pitchFamily="2" charset="-127"/>
-              </a:rPr>
-              <a:t>        { </a:t>
-            </a:r>
-            <a:r>
-              <a:rPr lang="en-US" altLang="ko-KR" sz="1200" dirty="0" smtClean="0">
-                <a:ln>
-                  <a:solidFill>
-                    <a:srgbClr val="FF7C80">
+            <a:r>
+              <a:rPr lang="en-US" altLang="ko-KR" sz="1200" dirty="0" smtClean="0">
+                <a:ln>
+                  <a:solidFill>
+                    <a:srgbClr val="009999">
                       <a:alpha val="90000"/>
                     </a:srgbClr>
                   </a:solidFill>
                 </a:ln>
                 <a:solidFill>
-                  <a:srgbClr val="FF7C80"/>
-                </a:solidFill>
-                <a:latin typeface="인터파크고딕 L" pitchFamily="2" charset="-127"/>
-                <a:ea typeface="인터파크고딕 L" pitchFamily="2" charset="-127"/>
-              </a:rPr>
-              <a:t>deck-&gt;plate[</a:t>
-            </a:r>
-            <a:r>
-              <a:rPr lang="en-US" altLang="ko-KR" sz="1200" dirty="0" err="1" smtClean="0">
-                <a:ln>
-                  <a:solidFill>
-                    <a:srgbClr val="FF7C80">
-                      <a:alpha val="90000"/>
-                    </a:srgbClr>
-                  </a:solidFill>
-                </a:ln>
-                <a:solidFill>
-                  <a:srgbClr val="FF7C80"/>
-                </a:solidFill>
-                <a:latin typeface="인터파크고딕 L" pitchFamily="2" charset="-127"/>
-                <a:ea typeface="인터파크고딕 L" pitchFamily="2" charset="-127"/>
-              </a:rPr>
-              <a:t>i</a:t>
-            </a:r>
-            <a:r>
-              <a:rPr lang="en-US" altLang="ko-KR" sz="1200" dirty="0" smtClean="0">
-                <a:ln>
-                  <a:solidFill>
-                    <a:srgbClr val="FF7C80">
-                      <a:alpha val="90000"/>
-                    </a:srgbClr>
-                  </a:solidFill>
-                </a:ln>
-                <a:solidFill>
-                  <a:srgbClr val="FF7C80"/>
-                </a:solidFill>
-                <a:latin typeface="인터파크고딕 L" pitchFamily="2" charset="-127"/>
-                <a:ea typeface="인터파크고딕 L" pitchFamily="2" charset="-127"/>
-              </a:rPr>
-              <a:t>][j] = deck-&gt;</a:t>
-            </a:r>
-            <a:r>
-              <a:rPr lang="en-US" altLang="ko-KR" sz="1200" dirty="0" err="1" smtClean="0">
-                <a:ln>
-                  <a:solidFill>
-                    <a:srgbClr val="FF7C80">
-                      <a:alpha val="90000"/>
-                    </a:srgbClr>
-                  </a:solidFill>
-                </a:ln>
-                <a:solidFill>
-                  <a:srgbClr val="FF7C80"/>
-                </a:solidFill>
-                <a:latin typeface="인터파크고딕 L" pitchFamily="2" charset="-127"/>
-                <a:ea typeface="인터파크고딕 L" pitchFamily="2" charset="-127"/>
-              </a:rPr>
-              <a:t>stored_deck</a:t>
-            </a:r>
-            <a:r>
-              <a:rPr lang="en-US" altLang="ko-KR" sz="1200" dirty="0" smtClean="0">
-                <a:ln>
-                  <a:solidFill>
-                    <a:srgbClr val="FF7C80">
-                      <a:alpha val="90000"/>
-                    </a:srgbClr>
-                  </a:solidFill>
-                </a:ln>
-                <a:solidFill>
-                  <a:srgbClr val="FF7C80"/>
-                </a:solidFill>
-                <a:latin typeface="인터파크고딕 L" pitchFamily="2" charset="-127"/>
-                <a:ea typeface="인터파크고딕 L" pitchFamily="2" charset="-127"/>
-              </a:rPr>
-              <a:t>[temp][</a:t>
-            </a:r>
-            <a:r>
-              <a:rPr lang="en-US" altLang="ko-KR" sz="1200" dirty="0" err="1" smtClean="0">
-                <a:ln>
-                  <a:solidFill>
-                    <a:srgbClr val="FF7C80">
-                      <a:alpha val="90000"/>
-                    </a:srgbClr>
-                  </a:solidFill>
-                </a:ln>
-                <a:solidFill>
-                  <a:srgbClr val="FF7C80"/>
-                </a:solidFill>
-                <a:latin typeface="인터파크고딕 L" pitchFamily="2" charset="-127"/>
-                <a:ea typeface="인터파크고딕 L" pitchFamily="2" charset="-127"/>
-              </a:rPr>
-              <a:t>i</a:t>
-            </a:r>
-            <a:r>
-              <a:rPr lang="en-US" altLang="ko-KR" sz="1200" dirty="0" smtClean="0">
-                <a:ln>
-                  <a:solidFill>
-                    <a:srgbClr val="FF7C80">
-                      <a:alpha val="90000"/>
-                    </a:srgbClr>
-                  </a:solidFill>
-                </a:ln>
-                <a:solidFill>
-                  <a:srgbClr val="FF7C80"/>
-                </a:solidFill>
-                <a:latin typeface="인터파크고딕 L" pitchFamily="2" charset="-127"/>
-                <a:ea typeface="인터파크고딕 L" pitchFamily="2" charset="-127"/>
-              </a:rPr>
-              <a:t>][j]; </a:t>
-            </a:r>
-            <a:r>
-              <a:rPr lang="en-US" altLang="ko-KR" sz="1200" dirty="0" smtClean="0">
-                <a:ln>
-                  <a:solidFill>
-                    <a:schemeClr val="bg1">
-                      <a:alpha val="90000"/>
-                    </a:schemeClr>
-                  </a:solidFill>
-                </a:ln>
-                <a:solidFill>
-                  <a:schemeClr val="bg1">
-                    <a:lumMod val="95000"/>
-                  </a:schemeClr>
-                </a:solidFill>
-                <a:latin typeface="인터파크고딕 L" pitchFamily="2" charset="-127"/>
-                <a:ea typeface="인터파크고딕 L" pitchFamily="2" charset="-127"/>
-              </a:rPr>
-              <a:t>}</a:t>
-            </a:r>
-          </a:p>
-          <a:p>
-            <a:pPr>
-              <a:lnSpc>
-                <a:spcPct val="150000"/>
-              </a:lnSpc>
-            </a:pPr>
-            <a:r>
-              <a:rPr lang="en-US" altLang="ko-KR" sz="1200" dirty="0" smtClean="0">
-                <a:ln>
-                  <a:solidFill>
-                    <a:schemeClr val="bg1">
-                      <a:alpha val="90000"/>
-                    </a:schemeClr>
-                  </a:solidFill>
-                </a:ln>
-                <a:solidFill>
-                  <a:schemeClr val="bg1">
-                    <a:lumMod val="95000"/>
-                  </a:schemeClr>
-                </a:solidFill>
-                <a:latin typeface="인터파크고딕 L" pitchFamily="2" charset="-127"/>
-                <a:ea typeface="인터파크고딕 L" pitchFamily="2" charset="-127"/>
-              </a:rPr>
-              <a:t>    </a:t>
-            </a:r>
-            <a:r>
-              <a:rPr lang="en-US" altLang="ko-KR" sz="1200" dirty="0" smtClean="0">
-                <a:ln>
-                  <a:solidFill>
-                    <a:srgbClr val="009999">
-                      <a:alpha val="90000"/>
-                    </a:srgbClr>
-                  </a:solidFill>
-                </a:ln>
-                <a:solidFill>
                   <a:srgbClr val="009999"/>
                 </a:solidFill>
                 <a:latin typeface="인터파크고딕 L" pitchFamily="2" charset="-127"/>
                 <a:ea typeface="인터파크고딕 L" pitchFamily="2" charset="-127"/>
               </a:rPr>
-              <a:t>deck-&gt;score = deck-&gt;</a:t>
-            </a:r>
-            <a:r>
-              <a:rPr lang="en-US" altLang="ko-KR" sz="1200" dirty="0" err="1" smtClean="0">
-                <a:ln>
-                  <a:solidFill>
-                    <a:srgbClr val="009999">
-                      <a:alpha val="90000"/>
-                    </a:srgbClr>
-                  </a:solidFill>
-                </a:ln>
-                <a:solidFill>
-                  <a:srgbClr val="009999"/>
-                </a:solidFill>
-                <a:latin typeface="인터파크고딕 L" pitchFamily="2" charset="-127"/>
-                <a:ea typeface="인터파크고딕 L" pitchFamily="2" charset="-127"/>
-              </a:rPr>
-              <a:t>stored_score</a:t>
-            </a:r>
-            <a:r>
-              <a:rPr lang="en-US" altLang="ko-KR" sz="1200" dirty="0" smtClean="0">
-                <a:ln>
-                  <a:solidFill>
-                    <a:srgbClr val="009999">
-                      <a:alpha val="90000"/>
-                    </a:srgbClr>
-                  </a:solidFill>
-                </a:ln>
-                <a:solidFill>
-                  <a:srgbClr val="009999"/>
-                </a:solidFill>
-                <a:latin typeface="인터파크고딕 L" pitchFamily="2" charset="-127"/>
-                <a:ea typeface="인터파크고딕 L" pitchFamily="2" charset="-127"/>
-              </a:rPr>
-              <a:t>[temp];</a:t>
-            </a:r>
-          </a:p>
-          <a:p>
-            <a:pPr>
-              <a:lnSpc>
-                <a:spcPct val="150000"/>
-              </a:lnSpc>
-            </a:pPr>
-            <a:r>
-              <a:rPr lang="en-US" altLang="ko-KR" sz="1200" dirty="0" smtClean="0">
-                <a:ln>
-                  <a:solidFill>
-                    <a:schemeClr val="bg1">
-                      <a:alpha val="90000"/>
-                    </a:schemeClr>
-                  </a:solidFill>
-                </a:ln>
-                <a:solidFill>
-                  <a:schemeClr val="bg1">
-                    <a:lumMod val="95000"/>
-                  </a:schemeClr>
-                </a:solidFill>
-                <a:latin typeface="인터파크고딕 L" pitchFamily="2" charset="-127"/>
-                <a:ea typeface="인터파크고딕 L" pitchFamily="2" charset="-127"/>
-              </a:rPr>
-              <a:t>    </a:t>
-            </a:r>
-            <a:r>
-              <a:rPr lang="en-US" altLang="ko-KR" sz="1200" dirty="0" smtClean="0">
-                <a:ln>
-                  <a:solidFill>
-                    <a:srgbClr val="009999">
-                      <a:alpha val="90000"/>
-                    </a:srgbClr>
-                  </a:solidFill>
-                </a:ln>
-                <a:solidFill>
-                  <a:srgbClr val="009999"/>
-                </a:solidFill>
-                <a:latin typeface="인터파크고딕 L" pitchFamily="2" charset="-127"/>
-                <a:ea typeface="인터파크고딕 L" pitchFamily="2" charset="-127"/>
-              </a:rPr>
-              <a:t>deck-&gt;item2--;</a:t>
+              <a:t>deck-&gt;item1--;</a:t>
             </a:r>
           </a:p>
           <a:p>
@@ -15260,7 +15843,7 @@
         <p:spPr>
           <a:xfrm>
             <a:off x="3840368" y="1034341"/>
-            <a:ext cx="3097323" cy="923330"/>
+            <a:ext cx="2157963" cy="923330"/>
           </a:xfrm>
           <a:prstGeom prst="rect">
             <a:avLst/>
@@ -15302,7 +15885,7 @@
                 <a:latin typeface="인터파크고딕 L" pitchFamily="2" charset="-127"/>
                 <a:ea typeface="인터파크고딕 L" pitchFamily="2" charset="-127"/>
               </a:rPr>
-              <a:t>아이템 </a:t>
+              <a:t>랭킹 저장 </a:t>
             </a:r>
             <a:r>
               <a:rPr lang="en-US" altLang="ko-KR" dirty="0" smtClean="0">
@@ -15321,7 +15904,7 @@
                 <a:latin typeface="인터파크고딕 L" pitchFamily="2" charset="-127"/>
                 <a:ea typeface="인터파크고딕 L" pitchFamily="2" charset="-127"/>
               </a:rPr>
-              <a:t>2 : 1</a:t>
+              <a:t>&amp; </a:t>
             </a:r>
             <a:r>
               <a:rPr lang="ko-KR" altLang="en-US" dirty="0" smtClean="0">
@@ -15340,7 +15923,7 @@
                 <a:latin typeface="인터파크고딕 L" pitchFamily="2" charset="-127"/>
                 <a:ea typeface="인터파크고딕 L" pitchFamily="2" charset="-127"/>
               </a:rPr>
-              <a:t>블록 </a:t>
+              <a:t>출력 </a:t>
             </a:r>
             <a:r>
               <a:rPr lang="en-US" altLang="ko-KR" dirty="0" smtClean="0">
@@ -15359,26 +15942,52 @@
                 <a:latin typeface="인터파크고딕 L" pitchFamily="2" charset="-127"/>
                 <a:ea typeface="인터파크고딕 L" pitchFamily="2" charset="-127"/>
               </a:rPr>
-              <a:t>&amp; 2</a:t>
-            </a:r>
-            <a:r>
-              <a:rPr lang="ko-KR" altLang="en-US" dirty="0" smtClean="0">
-                <a:ln>
-                  <a:solidFill>
-                    <a:schemeClr val="bg1">
-                      <a:alpha val="90000"/>
-                    </a:schemeClr>
-                  </a:solidFill>
-                </a:ln>
-                <a:solidFill>
-                  <a:schemeClr val="bg1">
-                    <a:lumMod val="95000"/>
-                  </a:schemeClr>
-                </a:solidFill>
-                <a:latin typeface="인터파크고딕 L" pitchFamily="2" charset="-127"/>
-                <a:ea typeface="인터파크고딕 L" pitchFamily="2" charset="-127"/>
-              </a:rPr>
-              <a:t>블록 삭제</a:t>
+              <a:t>(1)</a:t>
+            </a:r>
+          </a:p>
+          <a:p>
+            <a:pPr>
+              <a:lnSpc>
+                <a:spcPct val="150000"/>
+              </a:lnSpc>
+            </a:pPr>
+            <a:r>
+              <a:rPr lang="en-US" altLang="ko-KR" dirty="0" smtClean="0">
+                <a:ln>
+                  <a:solidFill>
+                    <a:schemeClr val="bg1">
+                      <a:alpha val="90000"/>
+                    </a:schemeClr>
+                  </a:solidFill>
+                </a:ln>
+                <a:solidFill>
+                  <a:schemeClr val="bg1">
+                    <a:lumMod val="95000"/>
+                  </a:schemeClr>
+                </a:solidFill>
+                <a:latin typeface="인터파크고딕 L" pitchFamily="2" charset="-127"/>
+                <a:ea typeface="인터파크고딕 L" pitchFamily="2" charset="-127"/>
+              </a:rPr>
+              <a:t>Void </a:t>
+            </a:r>
+            <a:r>
+              <a:rPr lang="en-US" altLang="ko-KR" dirty="0" err="1" smtClean="0">
+                <a:ln>
+                  <a:solidFill>
+                    <a:schemeClr val="bg1">
+                      <a:alpha val="90000"/>
+                    </a:schemeClr>
+                  </a:solidFill>
+                </a:ln>
+                <a:solidFill>
+                  <a:schemeClr val="bg1">
+                    <a:lumMod val="95000"/>
+                  </a:schemeClr>
+                </a:solidFill>
+                <a:latin typeface="인터파크고딕 L" pitchFamily="2" charset="-127"/>
+                <a:ea typeface="인터파크고딕 L" pitchFamily="2" charset="-127"/>
+              </a:rPr>
+              <a:t>store_rank</a:t>
             </a:r>
             <a:endParaRPr lang="en-US" altLang="ko-KR" dirty="0" smtClean="0">
               <a:ln>
@@ -15396,32 +16005,6 @@
               <a:latin typeface="인터파크고딕 L" pitchFamily="2" charset="-127"/>
               <a:ea typeface="인터파크고딕 L" pitchFamily="2" charset="-127"/>
             </a:endParaRPr>
-          </a:p>
-          <a:p>
-            <a:pPr>
-              <a:lnSpc>
-                <a:spcPct val="150000"/>
-              </a:lnSpc>
-            </a:pPr>
-            <a:r>
-              <a:rPr lang="en-US" altLang="ko-KR" dirty="0" smtClean="0">
-                <a:ln>
-                  <a:solidFill>
-                    <a:schemeClr val="bg1">
-                      <a:alpha val="90000"/>
-                    </a:schemeClr>
-                  </a:solidFill>
-                </a:ln>
-                <a:solidFill>
-                  <a:schemeClr val="bg1">
-                    <a:lumMod val="95000"/>
-                  </a:schemeClr>
-                </a:solidFill>
-                <a:latin typeface="인터파크고딕 L" pitchFamily="2" charset="-127"/>
-                <a:ea typeface="인터파크고딕 L" pitchFamily="2" charset="-127"/>
-              </a:rPr>
-              <a:t>Void delete_01</a:t>
-            </a:r>
           </a:p>
         </p:txBody>
       </p:sp>
@@ -15517,7 +16100,7 @@
         <p:spPr>
           <a:xfrm>
             <a:off x="3643306" y="2643182"/>
-            <a:ext cx="4318811" cy="3665299"/>
+            <a:ext cx="5109732" cy="3970318"/>
           </a:xfrm>
           <a:prstGeom prst="rect">
             <a:avLst/>
@@ -15559,7 +16142,45 @@
                 <a:latin typeface="인터파크고딕 L" pitchFamily="2" charset="-127"/>
                 <a:ea typeface="인터파크고딕 L" pitchFamily="2" charset="-127"/>
               </a:rPr>
-              <a:t>void delete_01(deck *deck)</a:t>
+              <a:t>void </a:t>
+            </a:r>
+            <a:r>
+              <a:rPr lang="en-US" altLang="ko-KR" sz="1200" dirty="0" err="1" smtClean="0">
+                <a:ln>
+                  <a:solidFill>
+                    <a:schemeClr val="bg1">
+                      <a:alpha val="90000"/>
+                    </a:schemeClr>
+                  </a:solidFill>
+                </a:ln>
+                <a:solidFill>
+                  <a:schemeClr val="bg1">
+                    <a:lumMod val="95000"/>
+                  </a:schemeClr>
+                </a:solidFill>
+                <a:latin typeface="인터파크고딕 L" pitchFamily="2" charset="-127"/>
+                <a:ea typeface="인터파크고딕 L" pitchFamily="2" charset="-127"/>
+              </a:rPr>
+              <a:t>store_rank</a:t>
+            </a:r>
+            <a:r>
+              <a:rPr lang="en-US" altLang="ko-KR" sz="1200" dirty="0" smtClean="0">
+                <a:ln>
+                  <a:solidFill>
+                    <a:schemeClr val="bg1">
+                      <a:alpha val="90000"/>
+                    </a:schemeClr>
+                  </a:solidFill>
+                </a:ln>
+                <a:solidFill>
+                  <a:schemeClr val="bg1">
+                    <a:lumMod val="95000"/>
+                  </a:schemeClr>
+                </a:solidFill>
+                <a:latin typeface="인터파크고딕 L" pitchFamily="2" charset="-127"/>
+                <a:ea typeface="인터파크고딕 L" pitchFamily="2" charset="-127"/>
+              </a:rPr>
+              <a:t>(deck *deck)</a:t>
             </a:r>
           </a:p>
           <a:p>
@@ -15611,8 +16232,43 @@
                 <a:latin typeface="인터파크고딕 L" pitchFamily="2" charset="-127"/>
                 <a:ea typeface="인터파크고딕 L" pitchFamily="2" charset="-127"/>
               </a:rPr>
-              <a:t>    if ( deck-&gt;item1 &lt; 1)</a:t>
-            </a:r>
+              <a:t>    </a:t>
+            </a:r>
+            <a:r>
+              <a:rPr lang="en-US" altLang="ko-KR" sz="1200" dirty="0" smtClean="0">
+                <a:ln>
+                  <a:solidFill>
+                    <a:schemeClr val="bg1">
+                      <a:alpha val="90000"/>
+                    </a:schemeClr>
+                  </a:solidFill>
+                </a:ln>
+                <a:solidFill>
+                  <a:schemeClr val="bg1">
+                    <a:lumMod val="95000"/>
+                  </a:schemeClr>
+                </a:solidFill>
+                <a:latin typeface="인터파크고딕 L" pitchFamily="2" charset="-127"/>
+                <a:ea typeface="인터파크고딕 L" pitchFamily="2" charset="-127"/>
+              </a:rPr>
+              <a:t>…</a:t>
+            </a:r>
+            <a:endParaRPr lang="en-US" altLang="ko-KR" sz="1200" dirty="0" smtClean="0">
+              <a:ln>
+                <a:solidFill>
+                  <a:schemeClr val="bg1">
+                    <a:alpha val="90000"/>
+                  </a:schemeClr>
+                </a:solidFill>
+              </a:ln>
+              <a:solidFill>
+                <a:schemeClr val="bg1">
+                  <a:lumMod val="95000"/>
+                </a:schemeClr>
+              </a:solidFill>
+              <a:latin typeface="인터파크고딕 L" pitchFamily="2" charset="-127"/>
+              <a:ea typeface="인터파크고딕 L" pitchFamily="2" charset="-127"/>
+            </a:endParaRPr>
           </a:p>
           <a:p>
             <a:pPr>
@@ -15637,7 +16293,7 @@
                 <a:latin typeface="인터파크고딕 L" pitchFamily="2" charset="-127"/>
                 <a:ea typeface="인터파크고딕 L" pitchFamily="2" charset="-127"/>
               </a:rPr>
-              <a:t>	return;</a:t>
+              <a:t>    </a:t>
             </a:r>
           </a:p>
           <a:p>
@@ -15663,7 +16319,7 @@
                 <a:latin typeface="인터파크고딕 L" pitchFamily="2" charset="-127"/>
                 <a:ea typeface="인터파크고딕 L" pitchFamily="2" charset="-127"/>
               </a:rPr>
-              <a:t>    for (</a:t>
+              <a:t>    </a:t>
             </a:r>
             <a:r>
               <a:rPr lang="en-US" altLang="ko-KR" sz="1200" dirty="0" err="1" smtClean="0">
@@ -15682,26 +16338,26 @@
                 <a:latin typeface="인터파크고딕 L" pitchFamily="2" charset="-127"/>
                 <a:ea typeface="인터파크고딕 L" pitchFamily="2" charset="-127"/>
               </a:rPr>
-              <a:t>int</a:t>
-            </a:r>
-            <a:r>
-              <a:rPr lang="en-US" altLang="ko-KR" sz="1200" dirty="0" smtClean="0">
-                <a:ln>
-                  <a:solidFill>
-                    <a:schemeClr val="bg1">
-                      <a:alpha val="90000"/>
-                    </a:schemeClr>
-                  </a:solidFill>
-                </a:ln>
-                <a:solidFill>
-                  <a:schemeClr val="bg1">
-                    <a:lumMod val="95000"/>
-                  </a:schemeClr>
-                </a:solidFill>
-                <a:latin typeface="인터파크고딕 L" pitchFamily="2" charset="-127"/>
-                <a:ea typeface="인터파크고딕 L" pitchFamily="2" charset="-127"/>
-              </a:rPr>
-              <a:t> </a:t>
+              <a:t>echo_on</a:t>
+            </a:r>
+            <a:r>
+              <a:rPr lang="en-US" altLang="ko-KR" sz="1200" dirty="0" smtClean="0">
+                <a:ln>
+                  <a:solidFill>
+                    <a:schemeClr val="bg1">
+                      <a:alpha val="90000"/>
+                    </a:schemeClr>
+                  </a:solidFill>
+                </a:ln>
+                <a:solidFill>
+                  <a:schemeClr val="bg1">
+                    <a:lumMod val="95000"/>
+                  </a:schemeClr>
+                </a:solidFill>
+                <a:latin typeface="인터파크고딕 L" pitchFamily="2" charset="-127"/>
+                <a:ea typeface="인터파크고딕 L" pitchFamily="2" charset="-127"/>
+              </a:rPr>
+              <a:t>();    </a:t>
             </a:r>
             <a:r>
               <a:rPr lang="en-US" altLang="ko-KR" sz="1200" dirty="0" err="1" smtClean="0">
@@ -15720,26 +16376,52 @@
                 <a:latin typeface="인터파크고딕 L" pitchFamily="2" charset="-127"/>
                 <a:ea typeface="인터파크고딕 L" pitchFamily="2" charset="-127"/>
               </a:rPr>
-              <a:t>i</a:t>
-            </a:r>
-            <a:r>
-              <a:rPr lang="en-US" altLang="ko-KR" sz="1200" dirty="0" smtClean="0">
-                <a:ln>
-                  <a:solidFill>
-                    <a:schemeClr val="bg1">
-                      <a:alpha val="90000"/>
-                    </a:schemeClr>
-                  </a:solidFill>
-                </a:ln>
-                <a:solidFill>
-                  <a:schemeClr val="bg1">
-                    <a:lumMod val="95000"/>
-                  </a:schemeClr>
-                </a:solidFill>
-                <a:latin typeface="인터파크고딕 L" pitchFamily="2" charset="-127"/>
-                <a:ea typeface="인터파크고딕 L" pitchFamily="2" charset="-127"/>
-              </a:rPr>
-              <a:t> = 0; </a:t>
+              <a:t>sprintf</a:t>
+            </a:r>
+            <a:r>
+              <a:rPr lang="en-US" altLang="ko-KR" sz="1200" dirty="0" smtClean="0">
+                <a:ln>
+                  <a:solidFill>
+                    <a:schemeClr val="bg1">
+                      <a:alpha val="90000"/>
+                    </a:schemeClr>
+                  </a:solidFill>
+                </a:ln>
+                <a:solidFill>
+                  <a:schemeClr val="bg1">
+                    <a:lumMod val="95000"/>
+                  </a:schemeClr>
+                </a:solidFill>
+                <a:latin typeface="인터파크고딕 L" pitchFamily="2" charset="-127"/>
+                <a:ea typeface="인터파크고딕 L" pitchFamily="2" charset="-127"/>
+              </a:rPr>
+              <a:t>(score, "%d", deck-&gt;score);</a:t>
+            </a:r>
+          </a:p>
+          <a:p>
+            <a:pPr>
+              <a:lnSpc>
+                <a:spcPct val="150000"/>
+              </a:lnSpc>
+            </a:pPr>
+            <a:r>
+              <a:rPr lang="en-US" altLang="ko-KR" sz="1200" dirty="0" smtClean="0">
+                <a:ln>
+                  <a:solidFill>
+                    <a:schemeClr val="bg1">
+                      <a:alpha val="90000"/>
+                    </a:schemeClr>
+                  </a:solidFill>
+                </a:ln>
+                <a:solidFill>
+                  <a:schemeClr val="bg1">
+                    <a:lumMod val="95000"/>
+                  </a:schemeClr>
+                </a:solidFill>
+                <a:latin typeface="인터파크고딕 L" pitchFamily="2" charset="-127"/>
+                <a:ea typeface="인터파크고딕 L" pitchFamily="2" charset="-127"/>
+              </a:rPr>
+              <a:t>    </a:t>
             </a:r>
             <a:r>
               <a:rPr lang="en-US" altLang="ko-KR" sz="1200" dirty="0" err="1" smtClean="0">
@@ -15758,26 +16440,45 @@
                 <a:latin typeface="인터파크고딕 L" pitchFamily="2" charset="-127"/>
                 <a:ea typeface="인터파크고딕 L" pitchFamily="2" charset="-127"/>
               </a:rPr>
-              <a:t>i</a:t>
-            </a:r>
-            <a:r>
-              <a:rPr lang="en-US" altLang="ko-KR" sz="1200" dirty="0" smtClean="0">
-                <a:ln>
-                  <a:solidFill>
-                    <a:schemeClr val="bg1">
-                      <a:alpha val="90000"/>
-                    </a:schemeClr>
-                  </a:solidFill>
-                </a:ln>
-                <a:solidFill>
-                  <a:schemeClr val="bg1">
-                    <a:lumMod val="95000"/>
-                  </a:schemeClr>
-                </a:solidFill>
-                <a:latin typeface="인터파크고딕 L" pitchFamily="2" charset="-127"/>
-                <a:ea typeface="인터파크고딕 L" pitchFamily="2" charset="-127"/>
-              </a:rPr>
-              <a:t> &lt; DECKLENGTH; </a:t>
+              <a:t>printf</a:t>
+            </a:r>
+            <a:r>
+              <a:rPr lang="en-US" altLang="ko-KR" sz="1200" dirty="0" smtClean="0">
+                <a:ln>
+                  <a:solidFill>
+                    <a:schemeClr val="bg1">
+                      <a:alpha val="90000"/>
+                    </a:schemeClr>
+                  </a:solidFill>
+                </a:ln>
+                <a:solidFill>
+                  <a:schemeClr val="bg1">
+                    <a:lumMod val="95000"/>
+                  </a:schemeClr>
+                </a:solidFill>
+                <a:latin typeface="인터파크고딕 L" pitchFamily="2" charset="-127"/>
+                <a:ea typeface="인터파크고딕 L" pitchFamily="2" charset="-127"/>
+              </a:rPr>
+              <a:t>("Enter Your Name : </a:t>
+            </a:r>
+            <a:r>
+              <a:rPr lang="en-US" altLang="ko-KR" sz="1200" dirty="0" smtClean="0">
+                <a:ln>
+                  <a:solidFill>
+                    <a:schemeClr val="bg1">
+                      <a:alpha val="90000"/>
+                    </a:schemeClr>
+                  </a:solidFill>
+                </a:ln>
+                <a:solidFill>
+                  <a:schemeClr val="bg1">
+                    <a:lumMod val="95000"/>
+                  </a:schemeClr>
+                </a:solidFill>
+                <a:latin typeface="인터파크고딕 L" pitchFamily="2" charset="-127"/>
+                <a:ea typeface="인터파크고딕 L" pitchFamily="2" charset="-127"/>
+              </a:rPr>
+              <a:t>");    </a:t>
             </a:r>
             <a:r>
               <a:rPr lang="en-US" altLang="ko-KR" sz="1200" dirty="0" err="1" smtClean="0">
@@ -15796,26 +16497,64 @@
                 <a:latin typeface="인터파크고딕 L" pitchFamily="2" charset="-127"/>
                 <a:ea typeface="인터파크고딕 L" pitchFamily="2" charset="-127"/>
               </a:rPr>
-              <a:t>i</a:t>
-            </a:r>
-            <a:r>
-              <a:rPr lang="en-US" altLang="ko-KR" sz="1200" dirty="0" smtClean="0">
-                <a:ln>
-                  <a:solidFill>
-                    <a:schemeClr val="bg1">
-                      <a:alpha val="90000"/>
-                    </a:schemeClr>
-                  </a:solidFill>
-                </a:ln>
-                <a:solidFill>
-                  <a:schemeClr val="bg1">
-                    <a:lumMod val="95000"/>
-                  </a:schemeClr>
-                </a:solidFill>
-                <a:latin typeface="인터파크고딕 L" pitchFamily="2" charset="-127"/>
-                <a:ea typeface="인터파크고딕 L" pitchFamily="2" charset="-127"/>
-              </a:rPr>
-              <a:t>++) {</a:t>
+              <a:t>scanf</a:t>
+            </a:r>
+            <a:r>
+              <a:rPr lang="en-US" altLang="ko-KR" sz="1200" dirty="0" smtClean="0">
+                <a:ln>
+                  <a:solidFill>
+                    <a:schemeClr val="bg1">
+                      <a:alpha val="90000"/>
+                    </a:schemeClr>
+                  </a:solidFill>
+                </a:ln>
+                <a:solidFill>
+                  <a:schemeClr val="bg1">
+                    <a:lumMod val="95000"/>
+                  </a:schemeClr>
+                </a:solidFill>
+                <a:latin typeface="인터파크고딕 L" pitchFamily="2" charset="-127"/>
+                <a:ea typeface="인터파크고딕 L" pitchFamily="2" charset="-127"/>
+              </a:rPr>
+              <a:t>("%</a:t>
+            </a:r>
+            <a:r>
+              <a:rPr lang="en-US" altLang="ko-KR" sz="1200" dirty="0" err="1" smtClean="0">
+                <a:ln>
+                  <a:solidFill>
+                    <a:schemeClr val="bg1">
+                      <a:alpha val="90000"/>
+                    </a:schemeClr>
+                  </a:solidFill>
+                </a:ln>
+                <a:solidFill>
+                  <a:schemeClr val="bg1">
+                    <a:lumMod val="95000"/>
+                  </a:schemeClr>
+                </a:solidFill>
+                <a:latin typeface="인터파크고딕 L" pitchFamily="2" charset="-127"/>
+                <a:ea typeface="인터파크고딕 L" pitchFamily="2" charset="-127"/>
+              </a:rPr>
+              <a:t>s",username</a:t>
+            </a:r>
+            <a:r>
+              <a:rPr lang="en-US" altLang="ko-KR" sz="1200" dirty="0" smtClean="0">
+                <a:ln>
+                  <a:solidFill>
+                    <a:schemeClr val="bg1">
+                      <a:alpha val="90000"/>
+                    </a:schemeClr>
+                  </a:solidFill>
+                </a:ln>
+                <a:solidFill>
+                  <a:schemeClr val="bg1">
+                    <a:lumMod val="95000"/>
+                  </a:schemeClr>
+                </a:solidFill>
+                <a:latin typeface="인터파크고딕 L" pitchFamily="2" charset="-127"/>
+                <a:ea typeface="인터파크고딕 L" pitchFamily="2" charset="-127"/>
+              </a:rPr>
+              <a:t>);</a:t>
             </a:r>
           </a:p>
           <a:p>
@@ -15841,46 +16580,97 @@
                 <a:latin typeface="인터파크고딕 L" pitchFamily="2" charset="-127"/>
                 <a:ea typeface="인터파크고딕 L" pitchFamily="2" charset="-127"/>
               </a:rPr>
-              <a:t>        for (</a:t>
+              <a:t>    </a:t>
+            </a:r>
+          </a:p>
+          <a:p>
+            <a:pPr>
+              <a:lnSpc>
+                <a:spcPct val="150000"/>
+              </a:lnSpc>
+            </a:pPr>
+            <a:r>
+              <a:rPr lang="en-US" altLang="ko-KR" sz="1200" dirty="0" smtClean="0">
+                <a:ln>
+                  <a:solidFill>
+                    <a:srgbClr val="FF7C80">
+                      <a:alpha val="90000"/>
+                    </a:srgbClr>
+                  </a:solidFill>
+                </a:ln>
+                <a:solidFill>
+                  <a:srgbClr val="FF7C80"/>
+                </a:solidFill>
+                <a:latin typeface="인터파크고딕 L" pitchFamily="2" charset="-127"/>
+                <a:ea typeface="인터파크고딕 L" pitchFamily="2" charset="-127"/>
+              </a:rPr>
+              <a:t>    </a:t>
             </a:r>
             <a:r>
               <a:rPr lang="en-US" altLang="ko-KR" sz="1200" dirty="0" err="1" smtClean="0">
                 <a:ln>
                   <a:solidFill>
-                    <a:schemeClr val="bg1">
-                      <a:alpha val="90000"/>
-                    </a:schemeClr>
-                  </a:solidFill>
-                </a:ln>
-                <a:solidFill>
-                  <a:schemeClr val="bg1">
-                    <a:lumMod val="95000"/>
-                  </a:schemeClr>
-                </a:solidFill>
-                <a:latin typeface="인터파크고딕 L" pitchFamily="2" charset="-127"/>
-                <a:ea typeface="인터파크고딕 L" pitchFamily="2" charset="-127"/>
-              </a:rPr>
-              <a:t>int</a:t>
-            </a:r>
-            <a:r>
-              <a:rPr lang="en-US" altLang="ko-KR" sz="1200" dirty="0" smtClean="0">
-                <a:ln>
-                  <a:solidFill>
-                    <a:schemeClr val="bg1">
-                      <a:alpha val="90000"/>
-                    </a:schemeClr>
-                  </a:solidFill>
-                </a:ln>
-                <a:solidFill>
-                  <a:schemeClr val="bg1">
-                    <a:lumMod val="95000"/>
-                  </a:schemeClr>
-                </a:solidFill>
-                <a:latin typeface="인터파크고딕 L" pitchFamily="2" charset="-127"/>
-                <a:ea typeface="인터파크고딕 L" pitchFamily="2" charset="-127"/>
-              </a:rPr>
-              <a:t> j = 0; j &lt; DECKLENGTH; j++) { </a:t>
-            </a:r>
+                    <a:srgbClr val="FF7C80">
+                      <a:alpha val="90000"/>
+                    </a:srgbClr>
+                  </a:solidFill>
+                </a:ln>
+                <a:solidFill>
+                  <a:srgbClr val="FF7C80"/>
+                </a:solidFill>
+                <a:latin typeface="인터파크고딕 L" pitchFamily="2" charset="-127"/>
+                <a:ea typeface="인터파크고딕 L" pitchFamily="2" charset="-127"/>
+              </a:rPr>
+              <a:t>fd</a:t>
+            </a:r>
+            <a:r>
+              <a:rPr lang="en-US" altLang="ko-KR" sz="1200" dirty="0" smtClean="0">
+                <a:ln>
+                  <a:solidFill>
+                    <a:srgbClr val="FF7C80">
+                      <a:alpha val="90000"/>
+                    </a:srgbClr>
+                  </a:solidFill>
+                </a:ln>
+                <a:solidFill>
+                  <a:srgbClr val="FF7C80"/>
+                </a:solidFill>
+                <a:latin typeface="인터파크고딕 L" pitchFamily="2" charset="-127"/>
+                <a:ea typeface="인터파크고딕 L" pitchFamily="2" charset="-127"/>
+              </a:rPr>
+              <a:t> = open("ranklist.txt", O_CREAT | O_RDWR | O_APPEND, 0644</a:t>
+            </a:r>
+            <a:r>
+              <a:rPr lang="en-US" altLang="ko-KR" sz="1200" dirty="0" smtClean="0">
+                <a:ln>
+                  <a:solidFill>
+                    <a:srgbClr val="FF7C80">
+                      <a:alpha val="90000"/>
+                    </a:srgbClr>
+                  </a:solidFill>
+                </a:ln>
+                <a:solidFill>
+                  <a:srgbClr val="FF7C80"/>
+                </a:solidFill>
+                <a:latin typeface="인터파크고딕 L" pitchFamily="2" charset="-127"/>
+                <a:ea typeface="인터파크고딕 L" pitchFamily="2" charset="-127"/>
+              </a:rPr>
+              <a:t>);</a:t>
+            </a:r>
+            <a:endParaRPr lang="en-US" altLang="ko-KR" sz="1200" dirty="0" smtClean="0">
+              <a:ln>
+                <a:solidFill>
+                  <a:srgbClr val="FF7C80">
+                    <a:alpha val="90000"/>
+                  </a:srgbClr>
+                </a:solidFill>
+              </a:ln>
+              <a:solidFill>
+                <a:srgbClr val="FF7C80"/>
+              </a:solidFill>
+              <a:latin typeface="인터파크고딕 L" pitchFamily="2" charset="-127"/>
+              <a:ea typeface="인터파크고딕 L" pitchFamily="2" charset="-127"/>
+            </a:endParaRPr>
           </a:p>
           <a:p>
             <a:pPr>
@@ -15892,105 +16682,348 @@
               <a:rPr lang="en-US" altLang="ko-KR" sz="1200" dirty="0" smtClean="0">
                 <a:ln>
                   <a:solidFill>
-                    <a:srgbClr val="FF7C80">
+                    <a:srgbClr val="009999">
                       <a:alpha val="90000"/>
                     </a:srgbClr>
                   </a:solidFill>
                 </a:ln>
                 <a:solidFill>
-                  <a:srgbClr val="FF7C80"/>
-                </a:solidFill>
-                <a:latin typeface="인터파크고딕 L" pitchFamily="2" charset="-127"/>
-                <a:ea typeface="인터파크고딕 L" pitchFamily="2" charset="-127"/>
-              </a:rPr>
-              <a:t>            if (deck-&gt;plate[</a:t>
+                  <a:srgbClr val="009999"/>
+                </a:solidFill>
+                <a:latin typeface="인터파크고딕 L" pitchFamily="2" charset="-127"/>
+                <a:ea typeface="인터파크고딕 L" pitchFamily="2" charset="-127"/>
+              </a:rPr>
+              <a:t>    </a:t>
+            </a:r>
+          </a:p>
+          <a:p>
+            <a:pPr>
+              <a:lnSpc>
+                <a:spcPct val="150000"/>
+              </a:lnSpc>
+            </a:pPr>
+            <a:r>
+              <a:rPr lang="en-US" altLang="ko-KR" sz="1200" dirty="0" smtClean="0">
+                <a:ln>
+                  <a:solidFill>
+                    <a:schemeClr val="bg1">
+                      <a:alpha val="90000"/>
+                    </a:schemeClr>
+                  </a:solidFill>
+                </a:ln>
+                <a:solidFill>
+                  <a:schemeClr val="bg1">
+                    <a:lumMod val="95000"/>
+                  </a:schemeClr>
+                </a:solidFill>
+                <a:latin typeface="인터파크고딕 L" pitchFamily="2" charset="-127"/>
+                <a:ea typeface="인터파크고딕 L" pitchFamily="2" charset="-127"/>
+              </a:rPr>
+              <a:t>    write(</a:t>
             </a:r>
             <a:r>
               <a:rPr lang="en-US" altLang="ko-KR" sz="1200" dirty="0" err="1" smtClean="0">
                 <a:ln>
                   <a:solidFill>
-                    <a:srgbClr val="FF7C80">
+                    <a:schemeClr val="bg1">
+                      <a:alpha val="90000"/>
+                    </a:schemeClr>
+                  </a:solidFill>
+                </a:ln>
+                <a:solidFill>
+                  <a:schemeClr val="bg1">
+                    <a:lumMod val="95000"/>
+                  </a:schemeClr>
+                </a:solidFill>
+                <a:latin typeface="인터파크고딕 L" pitchFamily="2" charset="-127"/>
+                <a:ea typeface="인터파크고딕 L" pitchFamily="2" charset="-127"/>
+              </a:rPr>
+              <a:t>fd,score,strlen</a:t>
+            </a:r>
+            <a:r>
+              <a:rPr lang="en-US" altLang="ko-KR" sz="1200" dirty="0" smtClean="0">
+                <a:ln>
+                  <a:solidFill>
+                    <a:schemeClr val="bg1">
+                      <a:alpha val="90000"/>
+                    </a:schemeClr>
+                  </a:solidFill>
+                </a:ln>
+                <a:solidFill>
+                  <a:schemeClr val="bg1">
+                    <a:lumMod val="95000"/>
+                  </a:schemeClr>
+                </a:solidFill>
+                <a:latin typeface="인터파크고딕 L" pitchFamily="2" charset="-127"/>
+                <a:ea typeface="인터파크고딕 L" pitchFamily="2" charset="-127"/>
+              </a:rPr>
+              <a:t>(score</a:t>
+            </a:r>
+            <a:r>
+              <a:rPr lang="en-US" altLang="ko-KR" sz="1200" dirty="0" smtClean="0">
+                <a:ln>
+                  <a:solidFill>
+                    <a:schemeClr val="bg1">
+                      <a:alpha val="90000"/>
+                    </a:schemeClr>
+                  </a:solidFill>
+                </a:ln>
+                <a:solidFill>
+                  <a:schemeClr val="bg1">
+                    <a:lumMod val="95000"/>
+                  </a:schemeClr>
+                </a:solidFill>
+                <a:latin typeface="인터파크고딕 L" pitchFamily="2" charset="-127"/>
+                <a:ea typeface="인터파크고딕 L" pitchFamily="2" charset="-127"/>
+              </a:rPr>
+              <a:t>));    </a:t>
+            </a:r>
+            <a:r>
+              <a:rPr lang="en-US" altLang="ko-KR" sz="1200" dirty="0" smtClean="0">
+                <a:ln>
+                  <a:solidFill>
+                    <a:schemeClr val="bg1">
+                      <a:alpha val="90000"/>
+                    </a:schemeClr>
+                  </a:solidFill>
+                </a:ln>
+                <a:solidFill>
+                  <a:schemeClr val="bg1">
+                    <a:lumMod val="95000"/>
+                  </a:schemeClr>
+                </a:solidFill>
+                <a:latin typeface="인터파크고딕 L" pitchFamily="2" charset="-127"/>
+                <a:ea typeface="인터파크고딕 L" pitchFamily="2" charset="-127"/>
+              </a:rPr>
+              <a:t>write(</a:t>
+            </a:r>
+            <a:r>
+              <a:rPr lang="en-US" altLang="ko-KR" sz="1200" dirty="0" err="1" smtClean="0">
+                <a:ln>
+                  <a:solidFill>
+                    <a:schemeClr val="bg1">
+                      <a:alpha val="90000"/>
+                    </a:schemeClr>
+                  </a:solidFill>
+                </a:ln>
+                <a:solidFill>
+                  <a:schemeClr val="bg1">
+                    <a:lumMod val="95000"/>
+                  </a:schemeClr>
+                </a:solidFill>
+                <a:latin typeface="인터파크고딕 L" pitchFamily="2" charset="-127"/>
+                <a:ea typeface="인터파크고딕 L" pitchFamily="2" charset="-127"/>
+              </a:rPr>
+              <a:t>fd</a:t>
+            </a:r>
+            <a:r>
+              <a:rPr lang="en-US" altLang="ko-KR" sz="1200" dirty="0" smtClean="0">
+                <a:ln>
+                  <a:solidFill>
+                    <a:schemeClr val="bg1">
+                      <a:alpha val="90000"/>
+                    </a:schemeClr>
+                  </a:solidFill>
+                </a:ln>
+                <a:solidFill>
+                  <a:schemeClr val="bg1">
+                    <a:lumMod val="95000"/>
+                  </a:schemeClr>
+                </a:solidFill>
+                <a:latin typeface="인터파크고딕 L" pitchFamily="2" charset="-127"/>
+                <a:ea typeface="인터파크고딕 L" pitchFamily="2" charset="-127"/>
+              </a:rPr>
+              <a:t>," ",1);</a:t>
+            </a:r>
+          </a:p>
+          <a:p>
+            <a:pPr>
+              <a:lnSpc>
+                <a:spcPct val="150000"/>
+              </a:lnSpc>
+            </a:pPr>
+            <a:r>
+              <a:rPr lang="en-US" altLang="ko-KR" sz="1200" dirty="0" smtClean="0">
+                <a:ln>
+                  <a:solidFill>
+                    <a:schemeClr val="bg1">
+                      <a:alpha val="90000"/>
+                    </a:schemeClr>
+                  </a:solidFill>
+                </a:ln>
+                <a:solidFill>
+                  <a:schemeClr val="bg1">
+                    <a:lumMod val="95000"/>
+                  </a:schemeClr>
+                </a:solidFill>
+                <a:latin typeface="인터파크고딕 L" pitchFamily="2" charset="-127"/>
+                <a:ea typeface="인터파크고딕 L" pitchFamily="2" charset="-127"/>
+              </a:rPr>
+              <a:t>    write(</a:t>
+            </a:r>
+            <a:r>
+              <a:rPr lang="en-US" altLang="ko-KR" sz="1200" dirty="0" err="1" smtClean="0">
+                <a:ln>
+                  <a:solidFill>
+                    <a:schemeClr val="bg1">
+                      <a:alpha val="90000"/>
+                    </a:schemeClr>
+                  </a:solidFill>
+                </a:ln>
+                <a:solidFill>
+                  <a:schemeClr val="bg1">
+                    <a:lumMod val="95000"/>
+                  </a:schemeClr>
+                </a:solidFill>
+                <a:latin typeface="인터파크고딕 L" pitchFamily="2" charset="-127"/>
+                <a:ea typeface="인터파크고딕 L" pitchFamily="2" charset="-127"/>
+              </a:rPr>
+              <a:t>fd,username,strlen</a:t>
+            </a:r>
+            <a:r>
+              <a:rPr lang="en-US" altLang="ko-KR" sz="1200" dirty="0" smtClean="0">
+                <a:ln>
+                  <a:solidFill>
+                    <a:schemeClr val="bg1">
+                      <a:alpha val="90000"/>
+                    </a:schemeClr>
+                  </a:solidFill>
+                </a:ln>
+                <a:solidFill>
+                  <a:schemeClr val="bg1">
+                    <a:lumMod val="95000"/>
+                  </a:schemeClr>
+                </a:solidFill>
+                <a:latin typeface="인터파크고딕 L" pitchFamily="2" charset="-127"/>
+                <a:ea typeface="인터파크고딕 L" pitchFamily="2" charset="-127"/>
+              </a:rPr>
+              <a:t>(username</a:t>
+            </a:r>
+            <a:r>
+              <a:rPr lang="en-US" altLang="ko-KR" sz="1200" dirty="0" smtClean="0">
+                <a:ln>
+                  <a:solidFill>
+                    <a:schemeClr val="bg1">
+                      <a:alpha val="90000"/>
+                    </a:schemeClr>
+                  </a:solidFill>
+                </a:ln>
+                <a:solidFill>
+                  <a:schemeClr val="bg1">
+                    <a:lumMod val="95000"/>
+                  </a:schemeClr>
+                </a:solidFill>
+                <a:latin typeface="인터파크고딕 L" pitchFamily="2" charset="-127"/>
+                <a:ea typeface="인터파크고딕 L" pitchFamily="2" charset="-127"/>
+              </a:rPr>
+              <a:t>));    </a:t>
+            </a:r>
+            <a:r>
+              <a:rPr lang="en-US" altLang="ko-KR" sz="1200" dirty="0" smtClean="0">
+                <a:ln>
+                  <a:solidFill>
+                    <a:schemeClr val="bg1">
+                      <a:alpha val="90000"/>
+                    </a:schemeClr>
+                  </a:solidFill>
+                </a:ln>
+                <a:solidFill>
+                  <a:schemeClr val="bg1">
+                    <a:lumMod val="95000"/>
+                  </a:schemeClr>
+                </a:solidFill>
+                <a:latin typeface="인터파크고딕 L" pitchFamily="2" charset="-127"/>
+                <a:ea typeface="인터파크고딕 L" pitchFamily="2" charset="-127"/>
+              </a:rPr>
+              <a:t>write(</a:t>
+            </a:r>
+            <a:r>
+              <a:rPr lang="en-US" altLang="ko-KR" sz="1200" dirty="0" err="1" smtClean="0">
+                <a:ln>
+                  <a:solidFill>
+                    <a:schemeClr val="bg1">
+                      <a:alpha val="90000"/>
+                    </a:schemeClr>
+                  </a:solidFill>
+                </a:ln>
+                <a:solidFill>
+                  <a:schemeClr val="bg1">
+                    <a:lumMod val="95000"/>
+                  </a:schemeClr>
+                </a:solidFill>
+                <a:latin typeface="인터파크고딕 L" pitchFamily="2" charset="-127"/>
+                <a:ea typeface="인터파크고딕 L" pitchFamily="2" charset="-127"/>
+              </a:rPr>
+              <a:t>fd</a:t>
+            </a:r>
+            <a:r>
+              <a:rPr lang="en-US" altLang="ko-KR" sz="1200" dirty="0" smtClean="0">
+                <a:ln>
+                  <a:solidFill>
+                    <a:schemeClr val="bg1">
+                      <a:alpha val="90000"/>
+                    </a:schemeClr>
+                  </a:solidFill>
+                </a:ln>
+                <a:solidFill>
+                  <a:schemeClr val="bg1">
+                    <a:lumMod val="95000"/>
+                  </a:schemeClr>
+                </a:solidFill>
+                <a:latin typeface="인터파크고딕 L" pitchFamily="2" charset="-127"/>
+                <a:ea typeface="인터파크고딕 L" pitchFamily="2" charset="-127"/>
+              </a:rPr>
+              <a:t>,"\n",1);</a:t>
+            </a:r>
+          </a:p>
+          <a:p>
+            <a:pPr>
+              <a:lnSpc>
+                <a:spcPct val="150000"/>
+              </a:lnSpc>
+            </a:pPr>
+            <a:r>
+              <a:rPr lang="en-US" altLang="ko-KR" sz="1200" dirty="0" smtClean="0">
+                <a:ln>
+                  <a:solidFill>
+                    <a:schemeClr val="bg1">
+                      <a:alpha val="90000"/>
+                    </a:schemeClr>
+                  </a:solidFill>
+                </a:ln>
+                <a:solidFill>
+                  <a:schemeClr val="bg1">
+                    <a:lumMod val="95000"/>
+                  </a:schemeClr>
+                </a:solidFill>
+                <a:latin typeface="인터파크고딕 L" pitchFamily="2" charset="-127"/>
+                <a:ea typeface="인터파크고딕 L" pitchFamily="2" charset="-127"/>
+              </a:rPr>
+              <a:t>    </a:t>
+            </a:r>
+          </a:p>
+          <a:p>
+            <a:pPr>
+              <a:lnSpc>
+                <a:spcPct val="150000"/>
+              </a:lnSpc>
+            </a:pPr>
+            <a:r>
+              <a:rPr lang="en-US" altLang="ko-KR" sz="1200" dirty="0" smtClean="0">
+                <a:ln>
+                  <a:solidFill>
+                    <a:srgbClr val="009999">
                       <a:alpha val="90000"/>
                     </a:srgbClr>
                   </a:solidFill>
                 </a:ln>
                 <a:solidFill>
-                  <a:srgbClr val="FF7C80"/>
-                </a:solidFill>
-                <a:latin typeface="인터파크고딕 L" pitchFamily="2" charset="-127"/>
-                <a:ea typeface="인터파크고딕 L" pitchFamily="2" charset="-127"/>
-              </a:rPr>
-              <a:t>i</a:t>
-            </a:r>
-            <a:r>
-              <a:rPr lang="en-US" altLang="ko-KR" sz="1200" dirty="0" smtClean="0">
-                <a:ln>
-                  <a:solidFill>
-                    <a:srgbClr val="FF7C80">
-                      <a:alpha val="90000"/>
-                    </a:srgbClr>
-                  </a:solidFill>
-                </a:ln>
-                <a:solidFill>
-                  <a:srgbClr val="FF7C80"/>
-                </a:solidFill>
-                <a:latin typeface="인터파크고딕 L" pitchFamily="2" charset="-127"/>
-                <a:ea typeface="인터파크고딕 L" pitchFamily="2" charset="-127"/>
-              </a:rPr>
-              <a:t>][j] == 1 || deck-&gt;plate[</a:t>
-            </a:r>
-            <a:r>
-              <a:rPr lang="en-US" altLang="ko-KR" sz="1200" dirty="0" err="1" smtClean="0">
-                <a:ln>
-                  <a:solidFill>
-                    <a:srgbClr val="FF7C80">
-                      <a:alpha val="90000"/>
-                    </a:srgbClr>
-                  </a:solidFill>
-                </a:ln>
-                <a:solidFill>
-                  <a:srgbClr val="FF7C80"/>
-                </a:solidFill>
-                <a:latin typeface="인터파크고딕 L" pitchFamily="2" charset="-127"/>
-                <a:ea typeface="인터파크고딕 L" pitchFamily="2" charset="-127"/>
-              </a:rPr>
-              <a:t>i</a:t>
-            </a:r>
-            <a:r>
-              <a:rPr lang="en-US" altLang="ko-KR" sz="1200" dirty="0" smtClean="0">
-                <a:ln>
-                  <a:solidFill>
-                    <a:srgbClr val="FF7C80">
-                      <a:alpha val="90000"/>
-                    </a:srgbClr>
-                  </a:solidFill>
-                </a:ln>
-                <a:solidFill>
-                  <a:srgbClr val="FF7C80"/>
-                </a:solidFill>
-                <a:latin typeface="인터파크고딕 L" pitchFamily="2" charset="-127"/>
-                <a:ea typeface="인터파크고딕 L" pitchFamily="2" charset="-127"/>
-              </a:rPr>
-              <a:t>][j] == 2) </a:t>
-            </a:r>
-            <a:r>
-              <a:rPr lang="en-US" altLang="ko-KR" sz="1200" dirty="0" smtClean="0">
-                <a:ln>
-                  <a:solidFill>
-                    <a:schemeClr val="bg1">
-                      <a:alpha val="90000"/>
-                    </a:schemeClr>
-                  </a:solidFill>
-                </a:ln>
-                <a:solidFill>
-                  <a:schemeClr val="bg1">
-                    <a:lumMod val="95000"/>
-                  </a:schemeClr>
-                </a:solidFill>
-                <a:latin typeface="인터파크고딕 L" pitchFamily="2" charset="-127"/>
-                <a:ea typeface="인터파크고딕 L" pitchFamily="2" charset="-127"/>
-              </a:rPr>
-              <a:t>{</a:t>
+                  <a:srgbClr val="009999"/>
+                </a:solidFill>
+                <a:latin typeface="인터파크고딕 L" pitchFamily="2" charset="-127"/>
+                <a:ea typeface="인터파크고딕 L" pitchFamily="2" charset="-127"/>
+              </a:rPr>
+              <a:t>    rank();</a:t>
             </a:r>
           </a:p>
           <a:p>
@@ -16016,206 +17049,24 @@
                 <a:latin typeface="인터파크고딕 L" pitchFamily="2" charset="-127"/>
                 <a:ea typeface="인터파크고딕 L" pitchFamily="2" charset="-127"/>
               </a:rPr>
-              <a:t>                </a:t>
-            </a:r>
-            <a:r>
-              <a:rPr lang="en-US" altLang="ko-KR" sz="1200" dirty="0" smtClean="0">
-                <a:ln>
-                  <a:solidFill>
-                    <a:srgbClr val="009999">
-                      <a:alpha val="90000"/>
-                    </a:srgbClr>
-                  </a:solidFill>
-                </a:ln>
-                <a:solidFill>
-                  <a:srgbClr val="009999"/>
-                </a:solidFill>
-                <a:latin typeface="인터파크고딕 L" pitchFamily="2" charset="-127"/>
-                <a:ea typeface="인터파크고딕 L" pitchFamily="2" charset="-127"/>
-              </a:rPr>
-              <a:t>deck-&gt;plate[</a:t>
-            </a:r>
-            <a:r>
-              <a:rPr lang="en-US" altLang="ko-KR" sz="1200" dirty="0" err="1" smtClean="0">
-                <a:ln>
-                  <a:solidFill>
-                    <a:srgbClr val="009999">
-                      <a:alpha val="90000"/>
-                    </a:srgbClr>
-                  </a:solidFill>
-                </a:ln>
-                <a:solidFill>
-                  <a:srgbClr val="009999"/>
-                </a:solidFill>
-                <a:latin typeface="인터파크고딕 L" pitchFamily="2" charset="-127"/>
-                <a:ea typeface="인터파크고딕 L" pitchFamily="2" charset="-127"/>
-              </a:rPr>
-              <a:t>i</a:t>
-            </a:r>
-            <a:r>
-              <a:rPr lang="en-US" altLang="ko-KR" sz="1200" dirty="0" smtClean="0">
-                <a:ln>
-                  <a:solidFill>
-                    <a:srgbClr val="009999">
-                      <a:alpha val="90000"/>
-                    </a:srgbClr>
-                  </a:solidFill>
-                </a:ln>
-                <a:solidFill>
-                  <a:srgbClr val="009999"/>
-                </a:solidFill>
-                <a:latin typeface="인터파크고딕 L" pitchFamily="2" charset="-127"/>
-                <a:ea typeface="인터파크고딕 L" pitchFamily="2" charset="-127"/>
-              </a:rPr>
-              <a:t>][j] = 0; </a:t>
-            </a:r>
-          </a:p>
-          <a:p>
-            <a:pPr>
-              <a:lnSpc>
-                <a:spcPct val="150000"/>
-              </a:lnSpc>
-            </a:pPr>
-            <a:r>
-              <a:rPr lang="en-US" altLang="ko-KR" sz="1200" dirty="0" smtClean="0">
-                <a:ln>
-                  <a:solidFill>
-                    <a:schemeClr val="bg1">
-                      <a:alpha val="90000"/>
-                    </a:schemeClr>
-                  </a:solidFill>
-                </a:ln>
-                <a:solidFill>
-                  <a:schemeClr val="bg1">
-                    <a:lumMod val="95000"/>
-                  </a:schemeClr>
-                </a:solidFill>
-                <a:latin typeface="인터파크고딕 L" pitchFamily="2" charset="-127"/>
-                <a:ea typeface="인터파크고딕 L" pitchFamily="2" charset="-127"/>
-              </a:rPr>
-              <a:t>            }</a:t>
-            </a:r>
-          </a:p>
-          <a:p>
-            <a:pPr>
-              <a:lnSpc>
-                <a:spcPct val="150000"/>
-              </a:lnSpc>
-            </a:pPr>
-            <a:r>
-              <a:rPr lang="en-US" altLang="ko-KR" sz="1200" dirty="0" smtClean="0">
-                <a:ln>
-                  <a:solidFill>
-                    <a:schemeClr val="bg1">
-                      <a:alpha val="90000"/>
-                    </a:schemeClr>
-                  </a:solidFill>
-                </a:ln>
-                <a:solidFill>
-                  <a:schemeClr val="bg1">
-                    <a:lumMod val="95000"/>
-                  </a:schemeClr>
-                </a:solidFill>
-                <a:latin typeface="인터파크고딕 L" pitchFamily="2" charset="-127"/>
-                <a:ea typeface="인터파크고딕 L" pitchFamily="2" charset="-127"/>
-              </a:rPr>
-              <a:t>        }</a:t>
-            </a:r>
-          </a:p>
-          <a:p>
-            <a:pPr>
-              <a:lnSpc>
-                <a:spcPct val="150000"/>
-              </a:lnSpc>
-            </a:pPr>
-            <a:r>
-              <a:rPr lang="en-US" altLang="ko-KR" sz="1200" dirty="0" smtClean="0">
-                <a:ln>
-                  <a:solidFill>
-                    <a:schemeClr val="bg1">
-                      <a:alpha val="90000"/>
-                    </a:schemeClr>
-                  </a:solidFill>
-                </a:ln>
-                <a:solidFill>
-                  <a:schemeClr val="bg1">
-                    <a:lumMod val="95000"/>
-                  </a:schemeClr>
-                </a:solidFill>
-                <a:latin typeface="인터파크고딕 L" pitchFamily="2" charset="-127"/>
-                <a:ea typeface="인터파크고딕 L" pitchFamily="2" charset="-127"/>
-              </a:rPr>
-              <a:t>    }</a:t>
-            </a:r>
-          </a:p>
-          <a:p>
-            <a:pPr>
-              <a:lnSpc>
-                <a:spcPct val="150000"/>
-              </a:lnSpc>
-            </a:pPr>
-            <a:r>
-              <a:rPr lang="en-US" altLang="ko-KR" sz="1200" dirty="0" smtClean="0">
-                <a:ln>
-                  <a:solidFill>
-                    <a:srgbClr val="009999">
-                      <a:alpha val="90000"/>
-                    </a:srgbClr>
-                  </a:solidFill>
-                </a:ln>
-                <a:solidFill>
-                  <a:schemeClr val="bg1">
-                    <a:lumMod val="95000"/>
-                  </a:schemeClr>
-                </a:solidFill>
-                <a:latin typeface="인터파크고딕 L" pitchFamily="2" charset="-127"/>
-                <a:ea typeface="인터파크고딕 L" pitchFamily="2" charset="-127"/>
-              </a:rPr>
-              <a:t>    </a:t>
-            </a:r>
-            <a:r>
-              <a:rPr lang="en-US" altLang="ko-KR" sz="1200" dirty="0" smtClean="0">
-                <a:ln>
-                  <a:solidFill>
-                    <a:srgbClr val="009999">
-                      <a:alpha val="90000"/>
-                    </a:srgbClr>
-                  </a:solidFill>
-                </a:ln>
-                <a:solidFill>
-                  <a:srgbClr val="009999"/>
-                </a:solidFill>
-                <a:latin typeface="인터파크고딕 L" pitchFamily="2" charset="-127"/>
-                <a:ea typeface="인터파크고딕 L" pitchFamily="2" charset="-127"/>
-              </a:rPr>
-              <a:t>deck-&gt;item1--;</a:t>
-            </a:r>
-          </a:p>
-          <a:p>
-            <a:pPr>
-              <a:lnSpc>
-                <a:spcPct val="150000"/>
-              </a:lnSpc>
-            </a:pPr>
-            <a:r>
-              <a:rPr lang="en-US" altLang="ko-KR" sz="1200" dirty="0" smtClean="0">
-                <a:ln>
-                  <a:solidFill>
-                    <a:schemeClr val="bg1">
-                      <a:alpha val="90000"/>
-                    </a:schemeClr>
-                  </a:solidFill>
-                </a:ln>
-                <a:solidFill>
-                  <a:schemeClr val="bg1">
-                    <a:lumMod val="95000"/>
-                  </a:schemeClr>
-                </a:solidFill>
-                <a:latin typeface="인터파크고딕 L" pitchFamily="2" charset="-127"/>
-                <a:ea typeface="인터파크고딕 L" pitchFamily="2" charset="-127"/>
-              </a:rPr>
               <a:t>}</a:t>
             </a:r>
+            <a:endParaRPr lang="en-US" altLang="ko-KR" sz="1200" dirty="0" smtClean="0">
+              <a:ln>
+                <a:solidFill>
+                  <a:schemeClr val="bg1">
+                    <a:alpha val="90000"/>
+                  </a:schemeClr>
+                </a:solidFill>
+              </a:ln>
+              <a:solidFill>
+                <a:schemeClr val="bg1">
+                  <a:lumMod val="95000"/>
+                </a:schemeClr>
+              </a:solidFill>
+              <a:latin typeface="인터파크고딕 L" pitchFamily="2" charset="-127"/>
+              <a:ea typeface="인터파크고딕 L" pitchFamily="2" charset="-127"/>
+            </a:endParaRPr>
           </a:p>
         </p:txBody>
       </p:sp>
@@ -16406,7 +17257,7 @@
         <p:spPr>
           <a:xfrm>
             <a:off x="3840368" y="1034341"/>
-            <a:ext cx="2157963" cy="923330"/>
+            <a:ext cx="2170787" cy="923330"/>
           </a:xfrm>
           <a:prstGeom prst="rect">
             <a:avLst/>
@@ -16505,7 +17356,7 @@
                 <a:latin typeface="인터파크고딕 L" pitchFamily="2" charset="-127"/>
                 <a:ea typeface="인터파크고딕 L" pitchFamily="2" charset="-127"/>
               </a:rPr>
-              <a:t>(1)</a:t>
+              <a:t>(2)</a:t>
             </a:r>
           </a:p>
           <a:p>
@@ -16531,26 +17382,7 @@
                 <a:latin typeface="인터파크고딕 L" pitchFamily="2" charset="-127"/>
                 <a:ea typeface="인터파크고딕 L" pitchFamily="2" charset="-127"/>
               </a:rPr>
-              <a:t>Void </a:t>
-            </a:r>
-            <a:r>
-              <a:rPr lang="en-US" altLang="ko-KR" dirty="0" err="1" smtClean="0">
-                <a:ln>
-                  <a:solidFill>
-                    <a:schemeClr val="bg1">
-                      <a:alpha val="90000"/>
-                    </a:schemeClr>
-                  </a:solidFill>
-                </a:ln>
-                <a:solidFill>
-                  <a:schemeClr val="bg1">
-                    <a:lumMod val="95000"/>
-                  </a:schemeClr>
-                </a:solidFill>
-                <a:latin typeface="인터파크고딕 L" pitchFamily="2" charset="-127"/>
-                <a:ea typeface="인터파크고딕 L" pitchFamily="2" charset="-127"/>
-              </a:rPr>
-              <a:t>store_rank</a:t>
+              <a:t>Void rank</a:t>
             </a:r>
             <a:endParaRPr lang="en-US" altLang="ko-KR" dirty="0" smtClean="0">
               <a:ln>
@@ -16663,7 +17495,7 @@
         <p:spPr>
           <a:xfrm>
             <a:off x="3643306" y="2643182"/>
-            <a:ext cx="5109732" cy="3970318"/>
+            <a:ext cx="4113627" cy="3970318"/>
           </a:xfrm>
           <a:prstGeom prst="rect">
             <a:avLst/>
@@ -16705,7 +17537,59 @@
                 <a:latin typeface="인터파크고딕 L" pitchFamily="2" charset="-127"/>
                 <a:ea typeface="인터파크고딕 L" pitchFamily="2" charset="-127"/>
               </a:rPr>
-              <a:t>void </a:t>
+              <a:t>void rank()</a:t>
+            </a:r>
+          </a:p>
+          <a:p>
+            <a:pPr>
+              <a:lnSpc>
+                <a:spcPct val="150000"/>
+              </a:lnSpc>
+            </a:pPr>
+            <a:r>
+              <a:rPr lang="en-US" altLang="ko-KR" sz="1200" dirty="0" smtClean="0">
+                <a:ln>
+                  <a:solidFill>
+                    <a:schemeClr val="bg1">
+                      <a:alpha val="90000"/>
+                    </a:schemeClr>
+                  </a:solidFill>
+                </a:ln>
+                <a:solidFill>
+                  <a:schemeClr val="bg1">
+                    <a:lumMod val="95000"/>
+                  </a:schemeClr>
+                </a:solidFill>
+                <a:latin typeface="인터파크고딕 L" pitchFamily="2" charset="-127"/>
+                <a:ea typeface="인터파크고딕 L" pitchFamily="2" charset="-127"/>
+              </a:rPr>
+              <a:t>{</a:t>
+            </a:r>
+          </a:p>
+          <a:p>
+            <a:pPr>
+              <a:lnSpc>
+                <a:spcPct val="150000"/>
+              </a:lnSpc>
+            </a:pPr>
+            <a:r>
+              <a:rPr lang="en-US" altLang="ko-KR" sz="1200" dirty="0" smtClean="0">
+                <a:ln>
+                  <a:solidFill>
+                    <a:schemeClr val="bg1">
+                      <a:alpha val="90000"/>
+                    </a:schemeClr>
+                  </a:solidFill>
+                </a:ln>
+                <a:solidFill>
+                  <a:schemeClr val="bg1">
+                    <a:lumMod val="95000"/>
+                  </a:schemeClr>
+                </a:solidFill>
+                <a:latin typeface="인터파크고딕 L" pitchFamily="2" charset="-127"/>
+                <a:ea typeface="인터파크고딕 L" pitchFamily="2" charset="-127"/>
+              </a:rPr>
+              <a:t>    </a:t>
             </a:r>
             <a:r>
               <a:rPr lang="en-US" altLang="ko-KR" sz="1200" dirty="0" err="1" smtClean="0">
@@ -16724,26 +17608,64 @@
                 <a:latin typeface="인터파크고딕 L" pitchFamily="2" charset="-127"/>
                 <a:ea typeface="인터파크고딕 L" pitchFamily="2" charset="-127"/>
               </a:rPr>
-              <a:t>store_rank</a:t>
-            </a:r>
-            <a:r>
-              <a:rPr lang="en-US" altLang="ko-KR" sz="1200" dirty="0" smtClean="0">
-                <a:ln>
-                  <a:solidFill>
-                    <a:schemeClr val="bg1">
-                      <a:alpha val="90000"/>
-                    </a:schemeClr>
-                  </a:solidFill>
-                </a:ln>
-                <a:solidFill>
-                  <a:schemeClr val="bg1">
-                    <a:lumMod val="95000"/>
-                  </a:schemeClr>
-                </a:solidFill>
-                <a:latin typeface="인터파크고딕 L" pitchFamily="2" charset="-127"/>
-                <a:ea typeface="인터파크고딕 L" pitchFamily="2" charset="-127"/>
-              </a:rPr>
-              <a:t>(deck *deck)</a:t>
+              <a:t>int</a:t>
+            </a:r>
+            <a:r>
+              <a:rPr lang="en-US" altLang="ko-KR" sz="1200" dirty="0" smtClean="0">
+                <a:ln>
+                  <a:solidFill>
+                    <a:schemeClr val="bg1">
+                      <a:alpha val="90000"/>
+                    </a:schemeClr>
+                  </a:solidFill>
+                </a:ln>
+                <a:solidFill>
+                  <a:schemeClr val="bg1">
+                    <a:lumMod val="95000"/>
+                  </a:schemeClr>
+                </a:solidFill>
+                <a:latin typeface="인터파크고딕 L" pitchFamily="2" charset="-127"/>
+                <a:ea typeface="인터파크고딕 L" pitchFamily="2" charset="-127"/>
+              </a:rPr>
+              <a:t>	pout[2], </a:t>
+            </a:r>
+            <a:r>
+              <a:rPr lang="en-US" altLang="ko-KR" sz="1200" dirty="0" err="1" smtClean="0">
+                <a:ln>
+                  <a:solidFill>
+                    <a:schemeClr val="bg1">
+                      <a:alpha val="90000"/>
+                    </a:schemeClr>
+                  </a:solidFill>
+                </a:ln>
+                <a:solidFill>
+                  <a:schemeClr val="bg1">
+                    <a:lumMod val="95000"/>
+                  </a:schemeClr>
+                </a:solidFill>
+                <a:latin typeface="인터파크고딕 L" pitchFamily="2" charset="-127"/>
+                <a:ea typeface="인터파크고딕 L" pitchFamily="2" charset="-127"/>
+              </a:rPr>
+              <a:t>pid</a:t>
+            </a:r>
+            <a:r>
+              <a:rPr lang="en-US" altLang="ko-KR" sz="1200" dirty="0" smtClean="0">
+                <a:ln>
+                  <a:solidFill>
+                    <a:schemeClr val="bg1">
+                      <a:alpha val="90000"/>
+                    </a:schemeClr>
+                  </a:solidFill>
+                </a:ln>
+                <a:solidFill>
+                  <a:schemeClr val="bg1">
+                    <a:lumMod val="95000"/>
+                  </a:schemeClr>
+                </a:solidFill>
+                <a:latin typeface="인터파크고딕 L" pitchFamily="2" charset="-127"/>
+                <a:ea typeface="인터파크고딕 L" pitchFamily="2" charset="-127"/>
+              </a:rPr>
+              <a:t>;</a:t>
             </a:r>
           </a:p>
           <a:p>
@@ -16769,7 +17691,83 @@
                 <a:latin typeface="인터파크고딕 L" pitchFamily="2" charset="-127"/>
                 <a:ea typeface="인터파크고딕 L" pitchFamily="2" charset="-127"/>
               </a:rPr>
-              <a:t>{</a:t>
+              <a:t>    FILE	*</a:t>
+            </a:r>
+            <a:r>
+              <a:rPr lang="en-US" altLang="ko-KR" sz="1200" dirty="0" err="1" smtClean="0">
+                <a:ln>
+                  <a:solidFill>
+                    <a:schemeClr val="bg1">
+                      <a:alpha val="90000"/>
+                    </a:schemeClr>
+                  </a:solidFill>
+                </a:ln>
+                <a:solidFill>
+                  <a:schemeClr val="bg1">
+                    <a:lumMod val="95000"/>
+                  </a:schemeClr>
+                </a:solidFill>
+                <a:latin typeface="인터파크고딕 L" pitchFamily="2" charset="-127"/>
+                <a:ea typeface="인터파크고딕 L" pitchFamily="2" charset="-127"/>
+              </a:rPr>
+              <a:t>fout</a:t>
+            </a:r>
+            <a:r>
+              <a:rPr lang="en-US" altLang="ko-KR" sz="1200" dirty="0" smtClean="0">
+                <a:ln>
+                  <a:solidFill>
+                    <a:schemeClr val="bg1">
+                      <a:alpha val="90000"/>
+                    </a:schemeClr>
+                  </a:solidFill>
+                </a:ln>
+                <a:solidFill>
+                  <a:schemeClr val="bg1">
+                    <a:lumMod val="95000"/>
+                  </a:schemeClr>
+                </a:solidFill>
+                <a:latin typeface="인터파크고딕 L" pitchFamily="2" charset="-127"/>
+                <a:ea typeface="인터파크고딕 L" pitchFamily="2" charset="-127"/>
+              </a:rPr>
+              <a:t>, *</a:t>
+            </a:r>
+            <a:r>
+              <a:rPr lang="en-US" altLang="ko-KR" sz="1200" dirty="0" err="1" smtClean="0">
+                <a:ln>
+                  <a:solidFill>
+                    <a:schemeClr val="bg1">
+                      <a:alpha val="90000"/>
+                    </a:schemeClr>
+                  </a:solidFill>
+                </a:ln>
+                <a:solidFill>
+                  <a:schemeClr val="bg1">
+                    <a:lumMod val="95000"/>
+                  </a:schemeClr>
+                </a:solidFill>
+                <a:latin typeface="인터파크고딕 L" pitchFamily="2" charset="-127"/>
+                <a:ea typeface="인터파크고딕 L" pitchFamily="2" charset="-127"/>
+              </a:rPr>
+              <a:t>fdopen</a:t>
+            </a:r>
+            <a:r>
+              <a:rPr lang="en-US" altLang="ko-KR" sz="1200" dirty="0" smtClean="0">
+                <a:ln>
+                  <a:solidFill>
+                    <a:schemeClr val="bg1">
+                      <a:alpha val="90000"/>
+                    </a:schemeClr>
+                  </a:solidFill>
+                </a:ln>
+                <a:solidFill>
+                  <a:schemeClr val="bg1">
+                    <a:lumMod val="95000"/>
+                  </a:schemeClr>
+                </a:solidFill>
+                <a:latin typeface="인터파크고딕 L" pitchFamily="2" charset="-127"/>
+                <a:ea typeface="인터파크고딕 L" pitchFamily="2" charset="-127"/>
+              </a:rPr>
+              <a:t>();</a:t>
             </a:r>
           </a:p>
           <a:p>
@@ -16797,24 +17795,124 @@
               </a:rPr>
               <a:t>    </a:t>
             </a:r>
-            <a:r>
-              <a:rPr lang="en-US" altLang="ko-KR" sz="1200" dirty="0" smtClean="0">
-                <a:ln>
-                  <a:solidFill>
-                    <a:schemeClr val="bg1">
-                      <a:alpha val="90000"/>
-                    </a:schemeClr>
-                  </a:solidFill>
-                </a:ln>
-                <a:solidFill>
-                  <a:schemeClr val="bg1">
-                    <a:lumMod val="95000"/>
-                  </a:schemeClr>
-                </a:solidFill>
-                <a:latin typeface="인터파크고딕 L" pitchFamily="2" charset="-127"/>
-                <a:ea typeface="인터파크고딕 L" pitchFamily="2" charset="-127"/>
-              </a:rPr>
-              <a:t>…</a:t>
+          </a:p>
+          <a:p>
+            <a:pPr>
+              <a:lnSpc>
+                <a:spcPct val="150000"/>
+              </a:lnSpc>
+            </a:pPr>
+            <a:r>
+              <a:rPr lang="en-US" altLang="ko-KR" sz="1200" dirty="0" smtClean="0">
+                <a:ln>
+                  <a:solidFill>
+                    <a:schemeClr val="bg1">
+                      <a:alpha val="90000"/>
+                    </a:schemeClr>
+                  </a:solidFill>
+                </a:ln>
+                <a:solidFill>
+                  <a:schemeClr val="bg1">
+                    <a:lumMod val="95000"/>
+                  </a:schemeClr>
+                </a:solidFill>
+                <a:latin typeface="인터파크고딕 L" pitchFamily="2" charset="-127"/>
+                <a:ea typeface="인터파크고딕 L" pitchFamily="2" charset="-127"/>
+              </a:rPr>
+              <a:t>    if( </a:t>
+            </a:r>
+            <a:r>
+              <a:rPr lang="en-US" altLang="ko-KR" sz="1200" dirty="0" smtClean="0">
+                <a:ln>
+                  <a:solidFill>
+                    <a:srgbClr val="FF7C80">
+                      <a:alpha val="90000"/>
+                    </a:srgbClr>
+                  </a:solidFill>
+                </a:ln>
+                <a:solidFill>
+                  <a:srgbClr val="FF7C80"/>
+                </a:solidFill>
+                <a:latin typeface="인터파크고딕 L" pitchFamily="2" charset="-127"/>
+                <a:ea typeface="인터파크고딕 L" pitchFamily="2" charset="-127"/>
+              </a:rPr>
+              <a:t>pipe(pout) </a:t>
+            </a:r>
+            <a:r>
+              <a:rPr lang="en-US" altLang="ko-KR" sz="1200" dirty="0" smtClean="0">
+                <a:ln>
+                  <a:solidFill>
+                    <a:schemeClr val="bg1">
+                      <a:alpha val="90000"/>
+                    </a:schemeClr>
+                  </a:solidFill>
+                </a:ln>
+                <a:solidFill>
+                  <a:schemeClr val="bg1">
+                    <a:lumMod val="95000"/>
+                  </a:schemeClr>
+                </a:solidFill>
+                <a:latin typeface="인터파크고딕 L" pitchFamily="2" charset="-127"/>
+                <a:ea typeface="인터파크고딕 L" pitchFamily="2" charset="-127"/>
+              </a:rPr>
+              <a:t>== -1 </a:t>
+            </a:r>
+            <a:r>
+              <a:rPr lang="en-US" altLang="ko-KR" sz="1200" dirty="0" smtClean="0">
+                <a:ln>
+                  <a:solidFill>
+                    <a:schemeClr val="bg1">
+                      <a:alpha val="90000"/>
+                    </a:schemeClr>
+                  </a:solidFill>
+                </a:ln>
+                <a:solidFill>
+                  <a:schemeClr val="bg1">
+                    <a:lumMod val="95000"/>
+                  </a:schemeClr>
+                </a:solidFill>
+                <a:latin typeface="인터파크고딕 L" pitchFamily="2" charset="-127"/>
+                <a:ea typeface="인터파크고딕 L" pitchFamily="2" charset="-127"/>
+              </a:rPr>
+              <a:t>)        </a:t>
+            </a:r>
+            <a:r>
+              <a:rPr lang="en-US" altLang="ko-KR" sz="1200" dirty="0" smtClean="0">
+                <a:ln>
+                  <a:solidFill>
+                    <a:schemeClr val="bg1">
+                      <a:alpha val="90000"/>
+                    </a:schemeClr>
+                  </a:solidFill>
+                </a:ln>
+                <a:solidFill>
+                  <a:schemeClr val="bg1">
+                    <a:lumMod val="95000"/>
+                  </a:schemeClr>
+                </a:solidFill>
+                <a:latin typeface="인터파크고딕 L" pitchFamily="2" charset="-127"/>
+                <a:ea typeface="인터파크고딕 L" pitchFamily="2" charset="-127"/>
+              </a:rPr>
+              <a:t>oops("pipe failed", 1</a:t>
+            </a:r>
+            <a:r>
+              <a:rPr lang="en-US" altLang="ko-KR" sz="1200" dirty="0" smtClean="0">
+                <a:ln>
+                  <a:solidFill>
+                    <a:schemeClr val="bg1">
+                      <a:alpha val="90000"/>
+                    </a:schemeClr>
+                  </a:solidFill>
+                </a:ln>
+                <a:solidFill>
+                  <a:schemeClr val="bg1">
+                    <a:lumMod val="95000"/>
+                  </a:schemeClr>
+                </a:solidFill>
+                <a:latin typeface="인터파크고딕 L" pitchFamily="2" charset="-127"/>
+                <a:ea typeface="인터파크고딕 L" pitchFamily="2" charset="-127"/>
+              </a:rPr>
+              <a:t>);    </a:t>
             </a:r>
             <a:endParaRPr lang="en-US" altLang="ko-KR" sz="1200" dirty="0" smtClean="0">
               <a:ln>
@@ -16856,7 +17954,189 @@
                 <a:latin typeface="인터파크고딕 L" pitchFamily="2" charset="-127"/>
                 <a:ea typeface="인터파크고딕 L" pitchFamily="2" charset="-127"/>
               </a:rPr>
-              <a:t>    </a:t>
+              <a:t>    if</a:t>
+            </a:r>
+            <a:r>
+              <a:rPr lang="en-US" altLang="ko-KR" sz="1200" dirty="0" smtClean="0">
+                <a:ln>
+                  <a:solidFill>
+                    <a:schemeClr val="bg1">
+                      <a:alpha val="90000"/>
+                    </a:schemeClr>
+                  </a:solidFill>
+                </a:ln>
+                <a:solidFill>
+                  <a:schemeClr val="bg1">
+                    <a:lumMod val="95000"/>
+                  </a:schemeClr>
+                </a:solidFill>
+                <a:latin typeface="인터파크고딕 L" pitchFamily="2" charset="-127"/>
+                <a:ea typeface="인터파크고딕 L" pitchFamily="2" charset="-127"/>
+              </a:rPr>
+              <a:t>( </a:t>
+            </a:r>
+            <a:r>
+              <a:rPr lang="en-US" altLang="ko-KR" sz="1200" dirty="0" smtClean="0">
+                <a:ln>
+                  <a:solidFill>
+                    <a:srgbClr val="FF7C80">
+                      <a:alpha val="90000"/>
+                    </a:srgbClr>
+                  </a:solidFill>
+                </a:ln>
+                <a:solidFill>
+                  <a:srgbClr val="FF7C80"/>
+                </a:solidFill>
+                <a:latin typeface="인터파크고딕 L" pitchFamily="2" charset="-127"/>
+                <a:ea typeface="인터파크고딕 L" pitchFamily="2" charset="-127"/>
+              </a:rPr>
+              <a:t>( </a:t>
+            </a:r>
+            <a:r>
+              <a:rPr lang="en-US" altLang="ko-KR" sz="1200" dirty="0" err="1" smtClean="0">
+                <a:ln>
+                  <a:solidFill>
+                    <a:srgbClr val="FF7C80">
+                      <a:alpha val="90000"/>
+                    </a:srgbClr>
+                  </a:solidFill>
+                </a:ln>
+                <a:solidFill>
+                  <a:srgbClr val="FF7C80"/>
+                </a:solidFill>
+                <a:latin typeface="인터파크고딕 L" pitchFamily="2" charset="-127"/>
+                <a:ea typeface="인터파크고딕 L" pitchFamily="2" charset="-127"/>
+              </a:rPr>
+              <a:t>pid</a:t>
+            </a:r>
+            <a:r>
+              <a:rPr lang="en-US" altLang="ko-KR" sz="1200" dirty="0" smtClean="0">
+                <a:ln>
+                  <a:solidFill>
+                    <a:srgbClr val="FF7C80">
+                      <a:alpha val="90000"/>
+                    </a:srgbClr>
+                  </a:solidFill>
+                </a:ln>
+                <a:solidFill>
+                  <a:srgbClr val="FF7C80"/>
+                </a:solidFill>
+                <a:latin typeface="인터파크고딕 L" pitchFamily="2" charset="-127"/>
+                <a:ea typeface="인터파크고딕 L" pitchFamily="2" charset="-127"/>
+              </a:rPr>
+              <a:t> = fork</a:t>
+            </a:r>
+            <a:r>
+              <a:rPr lang="en-US" altLang="ko-KR" sz="1200" dirty="0" smtClean="0">
+                <a:ln>
+                  <a:solidFill>
+                    <a:srgbClr val="FF7C80">
+                      <a:alpha val="90000"/>
+                    </a:srgbClr>
+                  </a:solidFill>
+                </a:ln>
+                <a:solidFill>
+                  <a:srgbClr val="FF7C80"/>
+                </a:solidFill>
+                <a:latin typeface="인터파크고딕 L" pitchFamily="2" charset="-127"/>
+                <a:ea typeface="인터파크고딕 L" pitchFamily="2" charset="-127"/>
+              </a:rPr>
+              <a:t>() )</a:t>
+            </a:r>
+            <a:r>
+              <a:rPr lang="en-US" altLang="ko-KR" sz="1200" dirty="0" smtClean="0">
+                <a:ln>
+                  <a:solidFill>
+                    <a:schemeClr val="bg1">
+                      <a:alpha val="90000"/>
+                    </a:schemeClr>
+                  </a:solidFill>
+                </a:ln>
+                <a:solidFill>
+                  <a:schemeClr val="bg1">
+                    <a:lumMod val="95000"/>
+                  </a:schemeClr>
+                </a:solidFill>
+                <a:latin typeface="인터파크고딕 L" pitchFamily="2" charset="-127"/>
+                <a:ea typeface="인터파크고딕 L" pitchFamily="2" charset="-127"/>
+              </a:rPr>
+              <a:t> </a:t>
+            </a:r>
+            <a:r>
+              <a:rPr lang="en-US" altLang="ko-KR" sz="1200" dirty="0" smtClean="0">
+                <a:ln>
+                  <a:solidFill>
+                    <a:schemeClr val="bg1">
+                      <a:alpha val="90000"/>
+                    </a:schemeClr>
+                  </a:solidFill>
+                </a:ln>
+                <a:solidFill>
+                  <a:schemeClr val="bg1">
+                    <a:lumMod val="95000"/>
+                  </a:schemeClr>
+                </a:solidFill>
+                <a:latin typeface="인터파크고딕 L" pitchFamily="2" charset="-127"/>
+                <a:ea typeface="인터파크고딕 L" pitchFamily="2" charset="-127"/>
+              </a:rPr>
+              <a:t>== -1 </a:t>
+            </a:r>
+            <a:r>
+              <a:rPr lang="en-US" altLang="ko-KR" sz="1200" dirty="0" smtClean="0">
+                <a:ln>
+                  <a:solidFill>
+                    <a:schemeClr val="bg1">
+                      <a:alpha val="90000"/>
+                    </a:schemeClr>
+                  </a:solidFill>
+                </a:ln>
+                <a:solidFill>
+                  <a:schemeClr val="bg1">
+                    <a:lumMod val="95000"/>
+                  </a:schemeClr>
+                </a:solidFill>
+                <a:latin typeface="인터파크고딕 L" pitchFamily="2" charset="-127"/>
+                <a:ea typeface="인터파크고딕 L" pitchFamily="2" charset="-127"/>
+              </a:rPr>
+              <a:t>)        </a:t>
+            </a:r>
+            <a:r>
+              <a:rPr lang="en-US" altLang="ko-KR" sz="1200" dirty="0" smtClean="0">
+                <a:ln>
+                  <a:solidFill>
+                    <a:schemeClr val="bg1">
+                      <a:alpha val="90000"/>
+                    </a:schemeClr>
+                  </a:solidFill>
+                </a:ln>
+                <a:solidFill>
+                  <a:schemeClr val="bg1">
+                    <a:lumMod val="95000"/>
+                  </a:schemeClr>
+                </a:solidFill>
+                <a:latin typeface="인터파크고딕 L" pitchFamily="2" charset="-127"/>
+                <a:ea typeface="인터파크고딕 L" pitchFamily="2" charset="-127"/>
+              </a:rPr>
+              <a:t>oops("cannot fork", 2</a:t>
+            </a:r>
+            <a:r>
+              <a:rPr lang="en-US" altLang="ko-KR" sz="1200" dirty="0" smtClean="0">
+                <a:ln>
+                  <a:solidFill>
+                    <a:schemeClr val="bg1">
+                      <a:alpha val="90000"/>
+                    </a:schemeClr>
+                  </a:solidFill>
+                </a:ln>
+                <a:solidFill>
+                  <a:schemeClr val="bg1">
+                    <a:lumMod val="95000"/>
+                  </a:schemeClr>
+                </a:solidFill>
+                <a:latin typeface="인터파크고딕 L" pitchFamily="2" charset="-127"/>
+                <a:ea typeface="인터파크고딕 L" pitchFamily="2" charset="-127"/>
+              </a:rPr>
+              <a:t>);</a:t>
             </a:r>
           </a:p>
           <a:p>
@@ -16865,371 +18145,18 @@
                 <a:spcPct val="150000"/>
               </a:lnSpc>
             </a:pPr>
-            <a:r>
-              <a:rPr lang="en-US" altLang="ko-KR" sz="1200" dirty="0" smtClean="0">
-                <a:ln>
-                  <a:solidFill>
-                    <a:schemeClr val="bg1">
-                      <a:alpha val="90000"/>
-                    </a:schemeClr>
-                  </a:solidFill>
-                </a:ln>
-                <a:solidFill>
-                  <a:schemeClr val="bg1">
-                    <a:lumMod val="95000"/>
-                  </a:schemeClr>
-                </a:solidFill>
-                <a:latin typeface="인터파크고딕 L" pitchFamily="2" charset="-127"/>
-                <a:ea typeface="인터파크고딕 L" pitchFamily="2" charset="-127"/>
-              </a:rPr>
-              <a:t>    </a:t>
-            </a:r>
-            <a:r>
-              <a:rPr lang="en-US" altLang="ko-KR" sz="1200" dirty="0" err="1" smtClean="0">
-                <a:ln>
-                  <a:solidFill>
-                    <a:schemeClr val="bg1">
-                      <a:alpha val="90000"/>
-                    </a:schemeClr>
-                  </a:solidFill>
-                </a:ln>
-                <a:solidFill>
-                  <a:schemeClr val="bg1">
-                    <a:lumMod val="95000"/>
-                  </a:schemeClr>
-                </a:solidFill>
-                <a:latin typeface="인터파크고딕 L" pitchFamily="2" charset="-127"/>
-                <a:ea typeface="인터파크고딕 L" pitchFamily="2" charset="-127"/>
-              </a:rPr>
-              <a:t>echo_on</a:t>
-            </a:r>
-            <a:r>
-              <a:rPr lang="en-US" altLang="ko-KR" sz="1200" dirty="0" smtClean="0">
-                <a:ln>
-                  <a:solidFill>
-                    <a:schemeClr val="bg1">
-                      <a:alpha val="90000"/>
-                    </a:schemeClr>
-                  </a:solidFill>
-                </a:ln>
-                <a:solidFill>
-                  <a:schemeClr val="bg1">
-                    <a:lumMod val="95000"/>
-                  </a:schemeClr>
-                </a:solidFill>
-                <a:latin typeface="인터파크고딕 L" pitchFamily="2" charset="-127"/>
-                <a:ea typeface="인터파크고딕 L" pitchFamily="2" charset="-127"/>
-              </a:rPr>
-              <a:t>();    </a:t>
-            </a:r>
-            <a:r>
-              <a:rPr lang="en-US" altLang="ko-KR" sz="1200" dirty="0" err="1" smtClean="0">
-                <a:ln>
-                  <a:solidFill>
-                    <a:schemeClr val="bg1">
-                      <a:alpha val="90000"/>
-                    </a:schemeClr>
-                  </a:solidFill>
-                </a:ln>
-                <a:solidFill>
-                  <a:schemeClr val="bg1">
-                    <a:lumMod val="95000"/>
-                  </a:schemeClr>
-                </a:solidFill>
-                <a:latin typeface="인터파크고딕 L" pitchFamily="2" charset="-127"/>
-                <a:ea typeface="인터파크고딕 L" pitchFamily="2" charset="-127"/>
-              </a:rPr>
-              <a:t>sprintf</a:t>
-            </a:r>
-            <a:r>
-              <a:rPr lang="en-US" altLang="ko-KR" sz="1200" dirty="0" smtClean="0">
-                <a:ln>
-                  <a:solidFill>
-                    <a:schemeClr val="bg1">
-                      <a:alpha val="90000"/>
-                    </a:schemeClr>
-                  </a:solidFill>
-                </a:ln>
-                <a:solidFill>
-                  <a:schemeClr val="bg1">
-                    <a:lumMod val="95000"/>
-                  </a:schemeClr>
-                </a:solidFill>
-                <a:latin typeface="인터파크고딕 L" pitchFamily="2" charset="-127"/>
-                <a:ea typeface="인터파크고딕 L" pitchFamily="2" charset="-127"/>
-              </a:rPr>
-              <a:t>(score, "%d", deck-&gt;score);</a:t>
-            </a:r>
-          </a:p>
-          <a:p>
-            <a:pPr>
-              <a:lnSpc>
-                <a:spcPct val="150000"/>
-              </a:lnSpc>
-            </a:pPr>
-            <a:r>
-              <a:rPr lang="en-US" altLang="ko-KR" sz="1200" dirty="0" smtClean="0">
-                <a:ln>
-                  <a:solidFill>
-                    <a:schemeClr val="bg1">
-                      <a:alpha val="90000"/>
-                    </a:schemeClr>
-                  </a:solidFill>
-                </a:ln>
-                <a:solidFill>
-                  <a:schemeClr val="bg1">
-                    <a:lumMod val="95000"/>
-                  </a:schemeClr>
-                </a:solidFill>
-                <a:latin typeface="인터파크고딕 L" pitchFamily="2" charset="-127"/>
-                <a:ea typeface="인터파크고딕 L" pitchFamily="2" charset="-127"/>
-              </a:rPr>
-              <a:t>    </a:t>
-            </a:r>
-            <a:r>
-              <a:rPr lang="en-US" altLang="ko-KR" sz="1200" dirty="0" err="1" smtClean="0">
-                <a:ln>
-                  <a:solidFill>
-                    <a:schemeClr val="bg1">
-                      <a:alpha val="90000"/>
-                    </a:schemeClr>
-                  </a:solidFill>
-                </a:ln>
-                <a:solidFill>
-                  <a:schemeClr val="bg1">
-                    <a:lumMod val="95000"/>
-                  </a:schemeClr>
-                </a:solidFill>
-                <a:latin typeface="인터파크고딕 L" pitchFamily="2" charset="-127"/>
-                <a:ea typeface="인터파크고딕 L" pitchFamily="2" charset="-127"/>
-              </a:rPr>
-              <a:t>printf</a:t>
-            </a:r>
-            <a:r>
-              <a:rPr lang="en-US" altLang="ko-KR" sz="1200" dirty="0" smtClean="0">
-                <a:ln>
-                  <a:solidFill>
-                    <a:schemeClr val="bg1">
-                      <a:alpha val="90000"/>
-                    </a:schemeClr>
-                  </a:solidFill>
-                </a:ln>
-                <a:solidFill>
-                  <a:schemeClr val="bg1">
-                    <a:lumMod val="95000"/>
-                  </a:schemeClr>
-                </a:solidFill>
-                <a:latin typeface="인터파크고딕 L" pitchFamily="2" charset="-127"/>
-                <a:ea typeface="인터파크고딕 L" pitchFamily="2" charset="-127"/>
-              </a:rPr>
-              <a:t>("Enter Your Name : </a:t>
-            </a:r>
-            <a:r>
-              <a:rPr lang="en-US" altLang="ko-KR" sz="1200" dirty="0" smtClean="0">
-                <a:ln>
-                  <a:solidFill>
-                    <a:schemeClr val="bg1">
-                      <a:alpha val="90000"/>
-                    </a:schemeClr>
-                  </a:solidFill>
-                </a:ln>
-                <a:solidFill>
-                  <a:schemeClr val="bg1">
-                    <a:lumMod val="95000"/>
-                  </a:schemeClr>
-                </a:solidFill>
-                <a:latin typeface="인터파크고딕 L" pitchFamily="2" charset="-127"/>
-                <a:ea typeface="인터파크고딕 L" pitchFamily="2" charset="-127"/>
-              </a:rPr>
-              <a:t>");    </a:t>
-            </a:r>
-            <a:r>
-              <a:rPr lang="en-US" altLang="ko-KR" sz="1200" dirty="0" err="1" smtClean="0">
-                <a:ln>
-                  <a:solidFill>
-                    <a:schemeClr val="bg1">
-                      <a:alpha val="90000"/>
-                    </a:schemeClr>
-                  </a:solidFill>
-                </a:ln>
-                <a:solidFill>
-                  <a:schemeClr val="bg1">
-                    <a:lumMod val="95000"/>
-                  </a:schemeClr>
-                </a:solidFill>
-                <a:latin typeface="인터파크고딕 L" pitchFamily="2" charset="-127"/>
-                <a:ea typeface="인터파크고딕 L" pitchFamily="2" charset="-127"/>
-              </a:rPr>
-              <a:t>scanf</a:t>
-            </a:r>
-            <a:r>
-              <a:rPr lang="en-US" altLang="ko-KR" sz="1200" dirty="0" smtClean="0">
-                <a:ln>
-                  <a:solidFill>
-                    <a:schemeClr val="bg1">
-                      <a:alpha val="90000"/>
-                    </a:schemeClr>
-                  </a:solidFill>
-                </a:ln>
-                <a:solidFill>
-                  <a:schemeClr val="bg1">
-                    <a:lumMod val="95000"/>
-                  </a:schemeClr>
-                </a:solidFill>
-                <a:latin typeface="인터파크고딕 L" pitchFamily="2" charset="-127"/>
-                <a:ea typeface="인터파크고딕 L" pitchFamily="2" charset="-127"/>
-              </a:rPr>
-              <a:t>("%</a:t>
-            </a:r>
-            <a:r>
-              <a:rPr lang="en-US" altLang="ko-KR" sz="1200" dirty="0" err="1" smtClean="0">
-                <a:ln>
-                  <a:solidFill>
-                    <a:schemeClr val="bg1">
-                      <a:alpha val="90000"/>
-                    </a:schemeClr>
-                  </a:solidFill>
-                </a:ln>
-                <a:solidFill>
-                  <a:schemeClr val="bg1">
-                    <a:lumMod val="95000"/>
-                  </a:schemeClr>
-                </a:solidFill>
-                <a:latin typeface="인터파크고딕 L" pitchFamily="2" charset="-127"/>
-                <a:ea typeface="인터파크고딕 L" pitchFamily="2" charset="-127"/>
-              </a:rPr>
-              <a:t>s",username</a:t>
-            </a:r>
-            <a:r>
-              <a:rPr lang="en-US" altLang="ko-KR" sz="1200" dirty="0" smtClean="0">
-                <a:ln>
-                  <a:solidFill>
-                    <a:schemeClr val="bg1">
-                      <a:alpha val="90000"/>
-                    </a:schemeClr>
-                  </a:solidFill>
-                </a:ln>
-                <a:solidFill>
-                  <a:schemeClr val="bg1">
-                    <a:lumMod val="95000"/>
-                  </a:schemeClr>
-                </a:solidFill>
-                <a:latin typeface="인터파크고딕 L" pitchFamily="2" charset="-127"/>
-                <a:ea typeface="인터파크고딕 L" pitchFamily="2" charset="-127"/>
-              </a:rPr>
-              <a:t>);</a:t>
-            </a:r>
-          </a:p>
-          <a:p>
-            <a:pPr>
-              <a:lnSpc>
-                <a:spcPct val="150000"/>
-              </a:lnSpc>
-            </a:pPr>
-            <a:r>
-              <a:rPr lang="en-US" altLang="ko-KR" sz="1200" dirty="0" smtClean="0">
-                <a:ln>
-                  <a:solidFill>
-                    <a:schemeClr val="bg1">
-                      <a:alpha val="90000"/>
-                    </a:schemeClr>
-                  </a:solidFill>
-                </a:ln>
-                <a:solidFill>
-                  <a:schemeClr val="bg1">
-                    <a:lumMod val="95000"/>
-                  </a:schemeClr>
-                </a:solidFill>
-                <a:latin typeface="인터파크고딕 L" pitchFamily="2" charset="-127"/>
-                <a:ea typeface="인터파크고딕 L" pitchFamily="2" charset="-127"/>
-              </a:rPr>
-              <a:t>    </a:t>
-            </a:r>
-          </a:p>
-          <a:p>
-            <a:pPr>
-              <a:lnSpc>
-                <a:spcPct val="150000"/>
-              </a:lnSpc>
-            </a:pPr>
-            <a:r>
-              <a:rPr lang="en-US" altLang="ko-KR" sz="1200" dirty="0" smtClean="0">
-                <a:ln>
-                  <a:solidFill>
-                    <a:srgbClr val="FF7C80">
-                      <a:alpha val="90000"/>
-                    </a:srgbClr>
-                  </a:solidFill>
-                </a:ln>
-                <a:solidFill>
-                  <a:srgbClr val="FF7C80"/>
-                </a:solidFill>
-                <a:latin typeface="인터파크고딕 L" pitchFamily="2" charset="-127"/>
-                <a:ea typeface="인터파크고딕 L" pitchFamily="2" charset="-127"/>
-              </a:rPr>
-              <a:t>    </a:t>
-            </a:r>
-            <a:r>
-              <a:rPr lang="en-US" altLang="ko-KR" sz="1200" dirty="0" err="1" smtClean="0">
-                <a:ln>
-                  <a:solidFill>
-                    <a:srgbClr val="FF7C80">
-                      <a:alpha val="90000"/>
-                    </a:srgbClr>
-                  </a:solidFill>
-                </a:ln>
-                <a:solidFill>
-                  <a:srgbClr val="FF7C80"/>
-                </a:solidFill>
-                <a:latin typeface="인터파크고딕 L" pitchFamily="2" charset="-127"/>
-                <a:ea typeface="인터파크고딕 L" pitchFamily="2" charset="-127"/>
-              </a:rPr>
-              <a:t>fd</a:t>
-            </a:r>
-            <a:r>
-              <a:rPr lang="en-US" altLang="ko-KR" sz="1200" dirty="0" smtClean="0">
-                <a:ln>
-                  <a:solidFill>
-                    <a:srgbClr val="FF7C80">
-                      <a:alpha val="90000"/>
-                    </a:srgbClr>
-                  </a:solidFill>
-                </a:ln>
-                <a:solidFill>
-                  <a:srgbClr val="FF7C80"/>
-                </a:solidFill>
-                <a:latin typeface="인터파크고딕 L" pitchFamily="2" charset="-127"/>
-                <a:ea typeface="인터파크고딕 L" pitchFamily="2" charset="-127"/>
-              </a:rPr>
-              <a:t> = open("ranklist.txt", O_CREAT | O_RDWR | O_APPEND, 0644</a:t>
-            </a:r>
-            <a:r>
-              <a:rPr lang="en-US" altLang="ko-KR" sz="1200" dirty="0" smtClean="0">
-                <a:ln>
-                  <a:solidFill>
-                    <a:srgbClr val="FF7C80">
-                      <a:alpha val="90000"/>
-                    </a:srgbClr>
-                  </a:solidFill>
-                </a:ln>
-                <a:solidFill>
-                  <a:srgbClr val="FF7C80"/>
-                </a:solidFill>
-                <a:latin typeface="인터파크고딕 L" pitchFamily="2" charset="-127"/>
-                <a:ea typeface="인터파크고딕 L" pitchFamily="2" charset="-127"/>
-              </a:rPr>
-              <a:t>);</a:t>
-            </a:r>
             <a:endParaRPr lang="en-US" altLang="ko-KR" sz="1200" dirty="0" smtClean="0">
               <a:ln>
                 <a:solidFill>
-                  <a:srgbClr val="FF7C80">
+                  <a:schemeClr val="bg1">
                     <a:alpha val="90000"/>
-                  </a:srgbClr>
+                  </a:schemeClr>
                 </a:solidFill>
               </a:ln>
               <a:solidFill>
-                <a:srgbClr val="FF7C80"/>
+                <a:schemeClr val="bg1">
+                  <a:lumMod val="95000"/>
+                </a:schemeClr>
               </a:solidFill>
               <a:latin typeface="인터파크고딕 L" pitchFamily="2" charset="-127"/>
               <a:ea typeface="인터파크고딕 L" pitchFamily="2" charset="-127"/>
@@ -17245,6 +18172,105 @@
               <a:rPr lang="en-US" altLang="ko-KR" sz="1200" dirty="0" smtClean="0">
                 <a:ln>
                   <a:solidFill>
+                    <a:schemeClr val="bg1">
+                      <a:alpha val="90000"/>
+                    </a:schemeClr>
+                  </a:solidFill>
+                </a:ln>
+                <a:solidFill>
+                  <a:schemeClr val="bg1">
+                    <a:lumMod val="95000"/>
+                  </a:schemeClr>
+                </a:solidFill>
+                <a:latin typeface="인터파크고딕 L" pitchFamily="2" charset="-127"/>
+                <a:ea typeface="인터파크고딕 L" pitchFamily="2" charset="-127"/>
+              </a:rPr>
+              <a:t>    if( </a:t>
+            </a:r>
+            <a:r>
+              <a:rPr lang="en-US" altLang="ko-KR" sz="1200" dirty="0" err="1" smtClean="0">
+                <a:ln>
+                  <a:solidFill>
+                    <a:schemeClr val="bg1">
+                      <a:alpha val="90000"/>
+                    </a:schemeClr>
+                  </a:solidFill>
+                </a:ln>
+                <a:solidFill>
+                  <a:schemeClr val="bg1">
+                    <a:lumMod val="95000"/>
+                  </a:schemeClr>
+                </a:solidFill>
+                <a:latin typeface="인터파크고딕 L" pitchFamily="2" charset="-127"/>
+                <a:ea typeface="인터파크고딕 L" pitchFamily="2" charset="-127"/>
+              </a:rPr>
+              <a:t>pid</a:t>
+            </a:r>
+            <a:r>
+              <a:rPr lang="en-US" altLang="ko-KR" sz="1200" dirty="0" smtClean="0">
+                <a:ln>
+                  <a:solidFill>
+                    <a:schemeClr val="bg1">
+                      <a:alpha val="90000"/>
+                    </a:schemeClr>
+                  </a:solidFill>
+                </a:ln>
+                <a:solidFill>
+                  <a:schemeClr val="bg1">
+                    <a:lumMod val="95000"/>
+                  </a:schemeClr>
+                </a:solidFill>
+                <a:latin typeface="인터파크고딕 L" pitchFamily="2" charset="-127"/>
+                <a:ea typeface="인터파크고딕 L" pitchFamily="2" charset="-127"/>
+              </a:rPr>
+              <a:t> == 0 </a:t>
+            </a:r>
+            <a:r>
+              <a:rPr lang="en-US" altLang="ko-KR" sz="1200" dirty="0" smtClean="0">
+                <a:ln>
+                  <a:solidFill>
+                    <a:schemeClr val="bg1">
+                      <a:alpha val="90000"/>
+                    </a:schemeClr>
+                  </a:solidFill>
+                </a:ln>
+                <a:solidFill>
+                  <a:schemeClr val="bg1">
+                    <a:lumMod val="95000"/>
+                  </a:schemeClr>
+                </a:solidFill>
+                <a:latin typeface="인터파크고딕 L" pitchFamily="2" charset="-127"/>
+                <a:ea typeface="인터파크고딕 L" pitchFamily="2" charset="-127"/>
+              </a:rPr>
+              <a:t>)</a:t>
+            </a:r>
+            <a:endParaRPr lang="en-US" altLang="ko-KR" sz="1200" dirty="0" smtClean="0">
+              <a:ln>
+                <a:solidFill>
+                  <a:schemeClr val="bg1">
+                    <a:alpha val="90000"/>
+                  </a:schemeClr>
+                </a:solidFill>
+              </a:ln>
+              <a:solidFill>
+                <a:schemeClr val="bg1">
+                  <a:lumMod val="95000"/>
+                </a:schemeClr>
+              </a:solidFill>
+              <a:latin typeface="인터파크고딕 L" pitchFamily="2" charset="-127"/>
+              <a:ea typeface="인터파크고딕 L" pitchFamily="2" charset="-127"/>
+            </a:endParaRPr>
+          </a:p>
+          <a:p>
+            <a:pPr>
+              <a:lnSpc>
+                <a:spcPct val="150000"/>
+              </a:lnSpc>
+            </a:pPr>
+            <a:r>
+              <a:rPr lang="en-US" altLang="ko-KR" sz="1200" dirty="0" smtClean="0">
+                <a:ln>
+                  <a:solidFill>
                     <a:srgbClr val="009999">
                       <a:alpha val="90000"/>
                     </a:srgbClr>
@@ -17256,338 +18282,277 @@
                 <a:latin typeface="인터파크고딕 L" pitchFamily="2" charset="-127"/>
                 <a:ea typeface="인터파크고딕 L" pitchFamily="2" charset="-127"/>
               </a:rPr>
+              <a:t>        </a:t>
+            </a:r>
+            <a:r>
+              <a:rPr lang="en-US" altLang="ko-KR" sz="1200" dirty="0" err="1" smtClean="0">
+                <a:ln>
+                  <a:solidFill>
+                    <a:srgbClr val="009999">
+                      <a:alpha val="90000"/>
+                    </a:srgbClr>
+                  </a:solidFill>
+                </a:ln>
+                <a:solidFill>
+                  <a:srgbClr val="009999"/>
+                </a:solidFill>
+                <a:latin typeface="인터파크고딕 L" pitchFamily="2" charset="-127"/>
+                <a:ea typeface="인터파크고딕 L" pitchFamily="2" charset="-127"/>
+              </a:rPr>
+              <a:t>sort_rank</a:t>
+            </a:r>
+            <a:r>
+              <a:rPr lang="en-US" altLang="ko-KR" sz="1200" dirty="0" smtClean="0">
+                <a:ln>
+                  <a:solidFill>
+                    <a:srgbClr val="009999">
+                      <a:alpha val="90000"/>
+                    </a:srgbClr>
+                  </a:solidFill>
+                </a:ln>
+                <a:solidFill>
+                  <a:srgbClr val="009999"/>
+                </a:solidFill>
+                <a:latin typeface="인터파크고딕 L" pitchFamily="2" charset="-127"/>
+                <a:ea typeface="인터파크고딕 L" pitchFamily="2" charset="-127"/>
+              </a:rPr>
+              <a:t>(pout);</a:t>
+            </a:r>
+          </a:p>
+          <a:p>
+            <a:pPr>
+              <a:lnSpc>
+                <a:spcPct val="150000"/>
+              </a:lnSpc>
+            </a:pPr>
+            <a:r>
+              <a:rPr lang="en-US" altLang="ko-KR" sz="1200" dirty="0" smtClean="0">
+                <a:ln>
+                  <a:solidFill>
+                    <a:schemeClr val="bg1">
+                      <a:alpha val="90000"/>
+                    </a:schemeClr>
+                  </a:solidFill>
+                </a:ln>
+                <a:solidFill>
+                  <a:schemeClr val="bg1">
+                    <a:lumMod val="95000"/>
+                  </a:schemeClr>
+                </a:solidFill>
+                <a:latin typeface="인터파크고딕 L" pitchFamily="2" charset="-127"/>
+                <a:ea typeface="인터파크고딕 L" pitchFamily="2" charset="-127"/>
+              </a:rPr>
+              <a:t>    else {</a:t>
+            </a:r>
+          </a:p>
+          <a:p>
+            <a:pPr>
+              <a:lnSpc>
+                <a:spcPct val="150000"/>
+              </a:lnSpc>
+            </a:pPr>
+            <a:r>
+              <a:rPr lang="en-US" altLang="ko-KR" sz="1200" dirty="0" smtClean="0">
+                <a:ln>
+                  <a:solidFill>
+                    <a:srgbClr val="009999">
+                      <a:alpha val="90000"/>
+                    </a:srgbClr>
+                  </a:solidFill>
+                </a:ln>
+                <a:solidFill>
+                  <a:srgbClr val="009999"/>
+                </a:solidFill>
+                <a:latin typeface="인터파크고딕 L" pitchFamily="2" charset="-127"/>
+                <a:ea typeface="인터파크고딕 L" pitchFamily="2" charset="-127"/>
+              </a:rPr>
+              <a:t>        </a:t>
+            </a:r>
+            <a:r>
+              <a:rPr lang="en-US" altLang="ko-KR" sz="1200" dirty="0" err="1" smtClean="0">
+                <a:ln>
+                  <a:solidFill>
+                    <a:srgbClr val="009999">
+                      <a:alpha val="90000"/>
+                    </a:srgbClr>
+                  </a:solidFill>
+                </a:ln>
+                <a:solidFill>
+                  <a:srgbClr val="009999"/>
+                </a:solidFill>
+                <a:latin typeface="인터파크고딕 L" pitchFamily="2" charset="-127"/>
+                <a:ea typeface="인터파크고딕 L" pitchFamily="2" charset="-127"/>
+              </a:rPr>
+              <a:t>store_sorted_rank</a:t>
+            </a:r>
+            <a:r>
+              <a:rPr lang="en-US" altLang="ko-KR" sz="1200" dirty="0" smtClean="0">
+                <a:ln>
+                  <a:solidFill>
+                    <a:srgbClr val="009999">
+                      <a:alpha val="90000"/>
+                    </a:srgbClr>
+                  </a:solidFill>
+                </a:ln>
+                <a:solidFill>
+                  <a:srgbClr val="009999"/>
+                </a:solidFill>
+                <a:latin typeface="인터파크고딕 L" pitchFamily="2" charset="-127"/>
+                <a:ea typeface="인터파크고딕 L" pitchFamily="2" charset="-127"/>
+              </a:rPr>
+              <a:t>(pout</a:t>
+            </a:r>
+            <a:r>
+              <a:rPr lang="en-US" altLang="ko-KR" sz="1200" dirty="0" smtClean="0">
+                <a:ln>
+                  <a:solidFill>
+                    <a:srgbClr val="009999">
+                      <a:alpha val="90000"/>
+                    </a:srgbClr>
+                  </a:solidFill>
+                </a:ln>
+                <a:solidFill>
+                  <a:srgbClr val="009999"/>
+                </a:solidFill>
+                <a:latin typeface="인터파크고딕 L" pitchFamily="2" charset="-127"/>
+                <a:ea typeface="인터파크고딕 L" pitchFamily="2" charset="-127"/>
+              </a:rPr>
+              <a:t>); </a:t>
+            </a:r>
+            <a:r>
+              <a:rPr lang="en-US" altLang="ko-KR" sz="1200" dirty="0" smtClean="0">
+                <a:ln>
+                  <a:solidFill>
+                    <a:schemeClr val="bg1">
+                      <a:alpha val="90000"/>
+                    </a:schemeClr>
+                  </a:solidFill>
+                </a:ln>
+                <a:solidFill>
+                  <a:schemeClr val="bg1">
+                    <a:lumMod val="95000"/>
+                  </a:schemeClr>
+                </a:solidFill>
+                <a:latin typeface="인터파크고딕 L" pitchFamily="2" charset="-127"/>
+                <a:ea typeface="인터파크고딕 L" pitchFamily="2" charset="-127"/>
+              </a:rPr>
+              <a:t>       </a:t>
+            </a:r>
+            <a:r>
+              <a:rPr lang="en-US" altLang="ko-KR" sz="1200" dirty="0" smtClean="0">
+                <a:ln>
+                  <a:solidFill>
+                    <a:schemeClr val="bg1">
+                      <a:alpha val="90000"/>
+                    </a:schemeClr>
+                  </a:solidFill>
+                </a:ln>
+                <a:solidFill>
+                  <a:schemeClr val="bg1">
+                    <a:lumMod val="95000"/>
+                  </a:schemeClr>
+                </a:solidFill>
+                <a:latin typeface="인터파크고딕 L" pitchFamily="2" charset="-127"/>
+                <a:ea typeface="인터파크고딕 L" pitchFamily="2" charset="-127"/>
+              </a:rPr>
+              <a:t>wait(NULL</a:t>
+            </a:r>
+            <a:r>
+              <a:rPr lang="en-US" altLang="ko-KR" sz="1200" dirty="0" smtClean="0">
+                <a:ln>
+                  <a:solidFill>
+                    <a:schemeClr val="bg1">
+                      <a:alpha val="90000"/>
+                    </a:schemeClr>
+                  </a:solidFill>
+                </a:ln>
+                <a:solidFill>
+                  <a:schemeClr val="bg1">
+                    <a:lumMod val="95000"/>
+                  </a:schemeClr>
+                </a:solidFill>
+                <a:latin typeface="인터파크고딕 L" pitchFamily="2" charset="-127"/>
+                <a:ea typeface="인터파크고딕 L" pitchFamily="2" charset="-127"/>
+              </a:rPr>
+              <a:t>);</a:t>
+            </a:r>
+            <a:endParaRPr lang="en-US" altLang="ko-KR" sz="1200" dirty="0" smtClean="0">
+              <a:ln>
+                <a:solidFill>
+                  <a:schemeClr val="bg1">
+                    <a:alpha val="90000"/>
+                  </a:schemeClr>
+                </a:solidFill>
+              </a:ln>
+              <a:solidFill>
+                <a:schemeClr val="bg1">
+                  <a:lumMod val="95000"/>
+                </a:schemeClr>
+              </a:solidFill>
+              <a:latin typeface="인터파크고딕 L" pitchFamily="2" charset="-127"/>
+              <a:ea typeface="인터파크고딕 L" pitchFamily="2" charset="-127"/>
+            </a:endParaRPr>
+          </a:p>
+          <a:p>
+            <a:pPr>
+              <a:lnSpc>
+                <a:spcPct val="150000"/>
+              </a:lnSpc>
+            </a:pPr>
+            <a:r>
+              <a:rPr lang="en-US" altLang="ko-KR" sz="1200" dirty="0" smtClean="0">
+                <a:ln>
+                  <a:solidFill>
+                    <a:schemeClr val="bg1">
+                      <a:alpha val="90000"/>
+                    </a:schemeClr>
+                  </a:solidFill>
+                </a:ln>
+                <a:solidFill>
+                  <a:schemeClr val="bg1">
+                    <a:lumMod val="95000"/>
+                  </a:schemeClr>
+                </a:solidFill>
+                <a:latin typeface="인터파크고딕 L" pitchFamily="2" charset="-127"/>
+                <a:ea typeface="인터파크고딕 L" pitchFamily="2" charset="-127"/>
+              </a:rPr>
               <a:t>    </a:t>
             </a:r>
-          </a:p>
-          <a:p>
-            <a:pPr>
-              <a:lnSpc>
-                <a:spcPct val="150000"/>
-              </a:lnSpc>
-            </a:pPr>
-            <a:r>
-              <a:rPr lang="en-US" altLang="ko-KR" sz="1200" dirty="0" smtClean="0">
-                <a:ln>
-                  <a:solidFill>
-                    <a:schemeClr val="bg1">
-                      <a:alpha val="90000"/>
-                    </a:schemeClr>
-                  </a:solidFill>
-                </a:ln>
-                <a:solidFill>
-                  <a:schemeClr val="bg1">
-                    <a:lumMod val="95000"/>
-                  </a:schemeClr>
-                </a:solidFill>
-                <a:latin typeface="인터파크고딕 L" pitchFamily="2" charset="-127"/>
-                <a:ea typeface="인터파크고딕 L" pitchFamily="2" charset="-127"/>
-              </a:rPr>
-              <a:t>    write(</a:t>
-            </a:r>
-            <a:r>
-              <a:rPr lang="en-US" altLang="ko-KR" sz="1200" dirty="0" err="1" smtClean="0">
-                <a:ln>
-                  <a:solidFill>
-                    <a:schemeClr val="bg1">
-                      <a:alpha val="90000"/>
-                    </a:schemeClr>
-                  </a:solidFill>
-                </a:ln>
-                <a:solidFill>
-                  <a:schemeClr val="bg1">
-                    <a:lumMod val="95000"/>
-                  </a:schemeClr>
-                </a:solidFill>
-                <a:latin typeface="인터파크고딕 L" pitchFamily="2" charset="-127"/>
-                <a:ea typeface="인터파크고딕 L" pitchFamily="2" charset="-127"/>
-              </a:rPr>
-              <a:t>fd,score,strlen</a:t>
-            </a:r>
-            <a:r>
-              <a:rPr lang="en-US" altLang="ko-KR" sz="1200" dirty="0" smtClean="0">
-                <a:ln>
-                  <a:solidFill>
-                    <a:schemeClr val="bg1">
-                      <a:alpha val="90000"/>
-                    </a:schemeClr>
-                  </a:solidFill>
-                </a:ln>
-                <a:solidFill>
-                  <a:schemeClr val="bg1">
-                    <a:lumMod val="95000"/>
-                  </a:schemeClr>
-                </a:solidFill>
-                <a:latin typeface="인터파크고딕 L" pitchFamily="2" charset="-127"/>
-                <a:ea typeface="인터파크고딕 L" pitchFamily="2" charset="-127"/>
-              </a:rPr>
-              <a:t>(score</a:t>
-            </a:r>
-            <a:r>
-              <a:rPr lang="en-US" altLang="ko-KR" sz="1200" dirty="0" smtClean="0">
-                <a:ln>
-                  <a:solidFill>
-                    <a:schemeClr val="bg1">
-                      <a:alpha val="90000"/>
-                    </a:schemeClr>
-                  </a:solidFill>
-                </a:ln>
-                <a:solidFill>
-                  <a:schemeClr val="bg1">
-                    <a:lumMod val="95000"/>
-                  </a:schemeClr>
-                </a:solidFill>
-                <a:latin typeface="인터파크고딕 L" pitchFamily="2" charset="-127"/>
-                <a:ea typeface="인터파크고딕 L" pitchFamily="2" charset="-127"/>
-              </a:rPr>
-              <a:t>));    </a:t>
-            </a:r>
-            <a:r>
-              <a:rPr lang="en-US" altLang="ko-KR" sz="1200" dirty="0" smtClean="0">
-                <a:ln>
-                  <a:solidFill>
-                    <a:schemeClr val="bg1">
-                      <a:alpha val="90000"/>
-                    </a:schemeClr>
-                  </a:solidFill>
-                </a:ln>
-                <a:solidFill>
-                  <a:schemeClr val="bg1">
-                    <a:lumMod val="95000"/>
-                  </a:schemeClr>
-                </a:solidFill>
-                <a:latin typeface="인터파크고딕 L" pitchFamily="2" charset="-127"/>
-                <a:ea typeface="인터파크고딕 L" pitchFamily="2" charset="-127"/>
-              </a:rPr>
-              <a:t>write(</a:t>
-            </a:r>
-            <a:r>
-              <a:rPr lang="en-US" altLang="ko-KR" sz="1200" dirty="0" err="1" smtClean="0">
-                <a:ln>
-                  <a:solidFill>
-                    <a:schemeClr val="bg1">
-                      <a:alpha val="90000"/>
-                    </a:schemeClr>
-                  </a:solidFill>
-                </a:ln>
-                <a:solidFill>
-                  <a:schemeClr val="bg1">
-                    <a:lumMod val="95000"/>
-                  </a:schemeClr>
-                </a:solidFill>
-                <a:latin typeface="인터파크고딕 L" pitchFamily="2" charset="-127"/>
-                <a:ea typeface="인터파크고딕 L" pitchFamily="2" charset="-127"/>
-              </a:rPr>
-              <a:t>fd</a:t>
-            </a:r>
-            <a:r>
-              <a:rPr lang="en-US" altLang="ko-KR" sz="1200" dirty="0" smtClean="0">
-                <a:ln>
-                  <a:solidFill>
-                    <a:schemeClr val="bg1">
-                      <a:alpha val="90000"/>
-                    </a:schemeClr>
-                  </a:solidFill>
-                </a:ln>
-                <a:solidFill>
-                  <a:schemeClr val="bg1">
-                    <a:lumMod val="95000"/>
-                  </a:schemeClr>
-                </a:solidFill>
-                <a:latin typeface="인터파크고딕 L" pitchFamily="2" charset="-127"/>
-                <a:ea typeface="인터파크고딕 L" pitchFamily="2" charset="-127"/>
-              </a:rPr>
-              <a:t>," ",1);</a:t>
-            </a:r>
-          </a:p>
-          <a:p>
-            <a:pPr>
-              <a:lnSpc>
-                <a:spcPct val="150000"/>
-              </a:lnSpc>
-            </a:pPr>
-            <a:r>
-              <a:rPr lang="en-US" altLang="ko-KR" sz="1200" dirty="0" smtClean="0">
-                <a:ln>
-                  <a:solidFill>
-                    <a:schemeClr val="bg1">
-                      <a:alpha val="90000"/>
-                    </a:schemeClr>
-                  </a:solidFill>
-                </a:ln>
-                <a:solidFill>
-                  <a:schemeClr val="bg1">
-                    <a:lumMod val="95000"/>
-                  </a:schemeClr>
-                </a:solidFill>
-                <a:latin typeface="인터파크고딕 L" pitchFamily="2" charset="-127"/>
-                <a:ea typeface="인터파크고딕 L" pitchFamily="2" charset="-127"/>
-              </a:rPr>
-              <a:t>    write(</a:t>
-            </a:r>
-            <a:r>
-              <a:rPr lang="en-US" altLang="ko-KR" sz="1200" dirty="0" err="1" smtClean="0">
-                <a:ln>
-                  <a:solidFill>
-                    <a:schemeClr val="bg1">
-                      <a:alpha val="90000"/>
-                    </a:schemeClr>
-                  </a:solidFill>
-                </a:ln>
-                <a:solidFill>
-                  <a:schemeClr val="bg1">
-                    <a:lumMod val="95000"/>
-                  </a:schemeClr>
-                </a:solidFill>
-                <a:latin typeface="인터파크고딕 L" pitchFamily="2" charset="-127"/>
-                <a:ea typeface="인터파크고딕 L" pitchFamily="2" charset="-127"/>
-              </a:rPr>
-              <a:t>fd,username,strlen</a:t>
-            </a:r>
-            <a:r>
-              <a:rPr lang="en-US" altLang="ko-KR" sz="1200" dirty="0" smtClean="0">
-                <a:ln>
-                  <a:solidFill>
-                    <a:schemeClr val="bg1">
-                      <a:alpha val="90000"/>
-                    </a:schemeClr>
-                  </a:solidFill>
-                </a:ln>
-                <a:solidFill>
-                  <a:schemeClr val="bg1">
-                    <a:lumMod val="95000"/>
-                  </a:schemeClr>
-                </a:solidFill>
-                <a:latin typeface="인터파크고딕 L" pitchFamily="2" charset="-127"/>
-                <a:ea typeface="인터파크고딕 L" pitchFamily="2" charset="-127"/>
-              </a:rPr>
-              <a:t>(username</a:t>
-            </a:r>
-            <a:r>
-              <a:rPr lang="en-US" altLang="ko-KR" sz="1200" dirty="0" smtClean="0">
-                <a:ln>
-                  <a:solidFill>
-                    <a:schemeClr val="bg1">
-                      <a:alpha val="90000"/>
-                    </a:schemeClr>
-                  </a:solidFill>
-                </a:ln>
-                <a:solidFill>
-                  <a:schemeClr val="bg1">
-                    <a:lumMod val="95000"/>
-                  </a:schemeClr>
-                </a:solidFill>
-                <a:latin typeface="인터파크고딕 L" pitchFamily="2" charset="-127"/>
-                <a:ea typeface="인터파크고딕 L" pitchFamily="2" charset="-127"/>
-              </a:rPr>
-              <a:t>));    </a:t>
-            </a:r>
-            <a:r>
-              <a:rPr lang="en-US" altLang="ko-KR" sz="1200" dirty="0" smtClean="0">
-                <a:ln>
-                  <a:solidFill>
-                    <a:schemeClr val="bg1">
-                      <a:alpha val="90000"/>
-                    </a:schemeClr>
-                  </a:solidFill>
-                </a:ln>
-                <a:solidFill>
-                  <a:schemeClr val="bg1">
-                    <a:lumMod val="95000"/>
-                  </a:schemeClr>
-                </a:solidFill>
-                <a:latin typeface="인터파크고딕 L" pitchFamily="2" charset="-127"/>
-                <a:ea typeface="인터파크고딕 L" pitchFamily="2" charset="-127"/>
-              </a:rPr>
-              <a:t>write(</a:t>
-            </a:r>
-            <a:r>
-              <a:rPr lang="en-US" altLang="ko-KR" sz="1200" dirty="0" err="1" smtClean="0">
-                <a:ln>
-                  <a:solidFill>
-                    <a:schemeClr val="bg1">
-                      <a:alpha val="90000"/>
-                    </a:schemeClr>
-                  </a:solidFill>
-                </a:ln>
-                <a:solidFill>
-                  <a:schemeClr val="bg1">
-                    <a:lumMod val="95000"/>
-                  </a:schemeClr>
-                </a:solidFill>
-                <a:latin typeface="인터파크고딕 L" pitchFamily="2" charset="-127"/>
-                <a:ea typeface="인터파크고딕 L" pitchFamily="2" charset="-127"/>
-              </a:rPr>
-              <a:t>fd</a:t>
-            </a:r>
-            <a:r>
-              <a:rPr lang="en-US" altLang="ko-KR" sz="1200" dirty="0" smtClean="0">
-                <a:ln>
-                  <a:solidFill>
-                    <a:schemeClr val="bg1">
-                      <a:alpha val="90000"/>
-                    </a:schemeClr>
-                  </a:solidFill>
-                </a:ln>
-                <a:solidFill>
-                  <a:schemeClr val="bg1">
-                    <a:lumMod val="95000"/>
-                  </a:schemeClr>
-                </a:solidFill>
-                <a:latin typeface="인터파크고딕 L" pitchFamily="2" charset="-127"/>
-                <a:ea typeface="인터파크고딕 L" pitchFamily="2" charset="-127"/>
-              </a:rPr>
-              <a:t>,"\n",1);</a:t>
-            </a:r>
-          </a:p>
-          <a:p>
-            <a:pPr>
-              <a:lnSpc>
-                <a:spcPct val="150000"/>
-              </a:lnSpc>
-            </a:pPr>
-            <a:r>
-              <a:rPr lang="en-US" altLang="ko-KR" sz="1200" dirty="0" smtClean="0">
-                <a:ln>
-                  <a:solidFill>
-                    <a:schemeClr val="bg1">
-                      <a:alpha val="90000"/>
-                    </a:schemeClr>
-                  </a:solidFill>
-                </a:ln>
-                <a:solidFill>
-                  <a:schemeClr val="bg1">
-                    <a:lumMod val="95000"/>
-                  </a:schemeClr>
-                </a:solidFill>
-                <a:latin typeface="인터파크고딕 L" pitchFamily="2" charset="-127"/>
-                <a:ea typeface="인터파크고딕 L" pitchFamily="2" charset="-127"/>
-              </a:rPr>
-              <a:t>    </a:t>
-            </a:r>
-          </a:p>
-          <a:p>
-            <a:pPr>
-              <a:lnSpc>
-                <a:spcPct val="150000"/>
-              </a:lnSpc>
-            </a:pPr>
-            <a:r>
-              <a:rPr lang="en-US" altLang="ko-KR" sz="1200" dirty="0" smtClean="0">
-                <a:ln>
-                  <a:solidFill>
-                    <a:srgbClr val="009999">
-                      <a:alpha val="90000"/>
-                    </a:srgbClr>
-                  </a:solidFill>
-                </a:ln>
-                <a:solidFill>
-                  <a:srgbClr val="009999"/>
-                </a:solidFill>
-                <a:latin typeface="인터파크고딕 L" pitchFamily="2" charset="-127"/>
-                <a:ea typeface="인터파크고딕 L" pitchFamily="2" charset="-127"/>
-              </a:rPr>
-              <a:t>    rank();</a:t>
-            </a:r>
+            <a:r>
+              <a:rPr lang="en-US" altLang="ko-KR" sz="1200" dirty="0" smtClean="0">
+                <a:ln>
+                  <a:solidFill>
+                    <a:schemeClr val="bg1">
+                      <a:alpha val="90000"/>
+                    </a:schemeClr>
+                  </a:solidFill>
+                </a:ln>
+                <a:solidFill>
+                  <a:schemeClr val="bg1">
+                    <a:lumMod val="95000"/>
+                  </a:schemeClr>
+                </a:solidFill>
+                <a:latin typeface="인터파크고딕 L" pitchFamily="2" charset="-127"/>
+                <a:ea typeface="인터파크고딕 L" pitchFamily="2" charset="-127"/>
+              </a:rPr>
+              <a:t>}   </a:t>
+            </a:r>
+            <a:endParaRPr lang="en-US" altLang="ko-KR" sz="1200" dirty="0" smtClean="0">
+              <a:ln>
+                <a:solidFill>
+                  <a:schemeClr val="bg1">
+                    <a:alpha val="90000"/>
+                  </a:schemeClr>
+                </a:solidFill>
+              </a:ln>
+              <a:solidFill>
+                <a:schemeClr val="bg1">
+                  <a:lumMod val="95000"/>
+                </a:schemeClr>
+              </a:solidFill>
+              <a:latin typeface="인터파크고딕 L" pitchFamily="2" charset="-127"/>
+              <a:ea typeface="인터파크고딕 L" pitchFamily="2" charset="-127"/>
+            </a:endParaRPr>
           </a:p>
           <a:p>
             <a:pPr>
@@ -17820,7 +18785,7 @@
         <p:spPr>
           <a:xfrm>
             <a:off x="3840368" y="1034341"/>
-            <a:ext cx="2170787" cy="923330"/>
+            <a:ext cx="2768707" cy="923330"/>
           </a:xfrm>
           <a:prstGeom prst="rect">
             <a:avLst/>
@@ -17919,7 +18884,7 @@
                 <a:latin typeface="인터파크고딕 L" pitchFamily="2" charset="-127"/>
                 <a:ea typeface="인터파크고딕 L" pitchFamily="2" charset="-127"/>
               </a:rPr>
-              <a:t>(2)</a:t>
+              <a:t>(3)</a:t>
             </a:r>
           </a:p>
           <a:p>
@@ -17945,7 +18910,26 @@
                 <a:latin typeface="인터파크고딕 L" pitchFamily="2" charset="-127"/>
                 <a:ea typeface="인터파크고딕 L" pitchFamily="2" charset="-127"/>
               </a:rPr>
-              <a:t>Void rank</a:t>
+              <a:t>Void </a:t>
+            </a:r>
+            <a:r>
+              <a:rPr lang="en-US" altLang="ko-KR" dirty="0" err="1" smtClean="0">
+                <a:ln>
+                  <a:solidFill>
+                    <a:schemeClr val="bg1">
+                      <a:alpha val="90000"/>
+                    </a:schemeClr>
+                  </a:solidFill>
+                </a:ln>
+                <a:solidFill>
+                  <a:schemeClr val="bg1">
+                    <a:lumMod val="95000"/>
+                  </a:schemeClr>
+                </a:solidFill>
+                <a:latin typeface="인터파크고딕 L" pitchFamily="2" charset="-127"/>
+                <a:ea typeface="인터파크고딕 L" pitchFamily="2" charset="-127"/>
+              </a:rPr>
+              <a:t>store_sorted_rank</a:t>
             </a:r>
             <a:endParaRPr lang="en-US" altLang="ko-KR" dirty="0" smtClean="0">
               <a:ln>
@@ -18058,7 +19042,7 @@
         <p:spPr>
           <a:xfrm>
             <a:off x="3643306" y="2643182"/>
-            <a:ext cx="4113627" cy="3970318"/>
+            <a:ext cx="4070345" cy="3970318"/>
           </a:xfrm>
           <a:prstGeom prst="rect">
             <a:avLst/>
@@ -18100,7 +19084,83 @@
                 <a:latin typeface="인터파크고딕 L" pitchFamily="2" charset="-127"/>
                 <a:ea typeface="인터파크고딕 L" pitchFamily="2" charset="-127"/>
               </a:rPr>
-              <a:t>void rank()</a:t>
+              <a:t>void </a:t>
+            </a:r>
+            <a:r>
+              <a:rPr lang="en-US" altLang="ko-KR" sz="1200" dirty="0" err="1" smtClean="0">
+                <a:ln>
+                  <a:solidFill>
+                    <a:schemeClr val="bg1">
+                      <a:alpha val="90000"/>
+                    </a:schemeClr>
+                  </a:solidFill>
+                </a:ln>
+                <a:solidFill>
+                  <a:schemeClr val="bg1">
+                    <a:lumMod val="95000"/>
+                  </a:schemeClr>
+                </a:solidFill>
+                <a:latin typeface="인터파크고딕 L" pitchFamily="2" charset="-127"/>
+                <a:ea typeface="인터파크고딕 L" pitchFamily="2" charset="-127"/>
+              </a:rPr>
+              <a:t>store_sorted_rank</a:t>
+            </a:r>
+            <a:r>
+              <a:rPr lang="en-US" altLang="ko-KR" sz="1200" dirty="0" smtClean="0">
+                <a:ln>
+                  <a:solidFill>
+                    <a:schemeClr val="bg1">
+                      <a:alpha val="90000"/>
+                    </a:schemeClr>
+                  </a:solidFill>
+                </a:ln>
+                <a:solidFill>
+                  <a:schemeClr val="bg1">
+                    <a:lumMod val="95000"/>
+                  </a:schemeClr>
+                </a:solidFill>
+                <a:latin typeface="인터파크고딕 L" pitchFamily="2" charset="-127"/>
+                <a:ea typeface="인터파크고딕 L" pitchFamily="2" charset="-127"/>
+              </a:rPr>
+              <a:t>(</a:t>
+            </a:r>
+            <a:r>
+              <a:rPr lang="en-US" altLang="ko-KR" sz="1200" dirty="0" err="1" smtClean="0">
+                <a:ln>
+                  <a:solidFill>
+                    <a:schemeClr val="bg1">
+                      <a:alpha val="90000"/>
+                    </a:schemeClr>
+                  </a:solidFill>
+                </a:ln>
+                <a:solidFill>
+                  <a:schemeClr val="bg1">
+                    <a:lumMod val="95000"/>
+                  </a:schemeClr>
+                </a:solidFill>
+                <a:latin typeface="인터파크고딕 L" pitchFamily="2" charset="-127"/>
+                <a:ea typeface="인터파크고딕 L" pitchFamily="2" charset="-127"/>
+              </a:rPr>
+              <a:t>int</a:t>
+            </a:r>
+            <a:r>
+              <a:rPr lang="en-US" altLang="ko-KR" sz="1200" dirty="0" smtClean="0">
+                <a:ln>
+                  <a:solidFill>
+                    <a:schemeClr val="bg1">
+                      <a:alpha val="90000"/>
+                    </a:schemeClr>
+                  </a:solidFill>
+                </a:ln>
+                <a:solidFill>
+                  <a:schemeClr val="bg1">
+                    <a:lumMod val="95000"/>
+                  </a:schemeClr>
+                </a:solidFill>
+                <a:latin typeface="인터파크고딕 L" pitchFamily="2" charset="-127"/>
+                <a:ea typeface="인터파크고딕 L" pitchFamily="2" charset="-127"/>
+              </a:rPr>
+              <a:t> pipe[2])</a:t>
             </a:r>
           </a:p>
           <a:p>
@@ -18152,7 +19212,7 @@
                 <a:latin typeface="인터파크고딕 L" pitchFamily="2" charset="-127"/>
                 <a:ea typeface="인터파크고딕 L" pitchFamily="2" charset="-127"/>
               </a:rPr>
-              <a:t>    </a:t>
+              <a:t>    FILE	*</a:t>
             </a:r>
             <a:r>
               <a:rPr lang="en-US" altLang="ko-KR" sz="1200" dirty="0" err="1" smtClean="0">
@@ -18171,26 +19231,26 @@
                 <a:latin typeface="인터파크고딕 L" pitchFamily="2" charset="-127"/>
                 <a:ea typeface="인터파크고딕 L" pitchFamily="2" charset="-127"/>
               </a:rPr>
-              <a:t>int</a:t>
-            </a:r>
-            <a:r>
-              <a:rPr lang="en-US" altLang="ko-KR" sz="1200" dirty="0" smtClean="0">
-                <a:ln>
-                  <a:solidFill>
-                    <a:schemeClr val="bg1">
-                      <a:alpha val="90000"/>
-                    </a:schemeClr>
-                  </a:solidFill>
-                </a:ln>
-                <a:solidFill>
-                  <a:schemeClr val="bg1">
-                    <a:lumMod val="95000"/>
-                  </a:schemeClr>
-                </a:solidFill>
-                <a:latin typeface="인터파크고딕 L" pitchFamily="2" charset="-127"/>
-                <a:ea typeface="인터파크고딕 L" pitchFamily="2" charset="-127"/>
-              </a:rPr>
-              <a:t>	pout[2], </a:t>
+              <a:t>fpin</a:t>
+            </a:r>
+            <a:r>
+              <a:rPr lang="en-US" altLang="ko-KR" sz="1200" dirty="0" smtClean="0">
+                <a:ln>
+                  <a:solidFill>
+                    <a:schemeClr val="bg1">
+                      <a:alpha val="90000"/>
+                    </a:schemeClr>
+                  </a:solidFill>
+                </a:ln>
+                <a:solidFill>
+                  <a:schemeClr val="bg1">
+                    <a:lumMod val="95000"/>
+                  </a:schemeClr>
+                </a:solidFill>
+                <a:latin typeface="인터파크고딕 L" pitchFamily="2" charset="-127"/>
+                <a:ea typeface="인터파크고딕 L" pitchFamily="2" charset="-127"/>
+              </a:rPr>
+              <a:t>, *</a:t>
             </a:r>
             <a:r>
               <a:rPr lang="en-US" altLang="ko-KR" sz="1200" dirty="0" err="1" smtClean="0">
@@ -18209,108 +19269,6 @@
                 <a:latin typeface="인터파크고딕 L" pitchFamily="2" charset="-127"/>
                 <a:ea typeface="인터파크고딕 L" pitchFamily="2" charset="-127"/>
               </a:rPr>
-              <a:t>pid</a:t>
-            </a:r>
-            <a:r>
-              <a:rPr lang="en-US" altLang="ko-KR" sz="1200" dirty="0" smtClean="0">
-                <a:ln>
-                  <a:solidFill>
-                    <a:schemeClr val="bg1">
-                      <a:alpha val="90000"/>
-                    </a:schemeClr>
-                  </a:solidFill>
-                </a:ln>
-                <a:solidFill>
-                  <a:schemeClr val="bg1">
-                    <a:lumMod val="95000"/>
-                  </a:schemeClr>
-                </a:solidFill>
-                <a:latin typeface="인터파크고딕 L" pitchFamily="2" charset="-127"/>
-                <a:ea typeface="인터파크고딕 L" pitchFamily="2" charset="-127"/>
-              </a:rPr>
-              <a:t>;</a:t>
-            </a:r>
-          </a:p>
-          <a:p>
-            <a:pPr>
-              <a:lnSpc>
-                <a:spcPct val="150000"/>
-              </a:lnSpc>
-            </a:pPr>
-            <a:r>
-              <a:rPr lang="en-US" altLang="ko-KR" sz="1200" dirty="0" smtClean="0">
-                <a:ln>
-                  <a:solidFill>
-                    <a:schemeClr val="bg1">
-                      <a:alpha val="90000"/>
-                    </a:schemeClr>
-                  </a:solidFill>
-                </a:ln>
-                <a:solidFill>
-                  <a:schemeClr val="bg1">
-                    <a:lumMod val="95000"/>
-                  </a:schemeClr>
-                </a:solidFill>
-                <a:latin typeface="인터파크고딕 L" pitchFamily="2" charset="-127"/>
-                <a:ea typeface="인터파크고딕 L" pitchFamily="2" charset="-127"/>
-              </a:rPr>
-              <a:t>    FILE	*</a:t>
-            </a:r>
-            <a:r>
-              <a:rPr lang="en-US" altLang="ko-KR" sz="1200" dirty="0" err="1" smtClean="0">
-                <a:ln>
-                  <a:solidFill>
-                    <a:schemeClr val="bg1">
-                      <a:alpha val="90000"/>
-                    </a:schemeClr>
-                  </a:solidFill>
-                </a:ln>
-                <a:solidFill>
-                  <a:schemeClr val="bg1">
-                    <a:lumMod val="95000"/>
-                  </a:schemeClr>
-                </a:solidFill>
-                <a:latin typeface="인터파크고딕 L" pitchFamily="2" charset="-127"/>
-                <a:ea typeface="인터파크고딕 L" pitchFamily="2" charset="-127"/>
-              </a:rPr>
-              <a:t>fout</a:t>
-            </a:r>
-            <a:r>
-              <a:rPr lang="en-US" altLang="ko-KR" sz="1200" dirty="0" smtClean="0">
-                <a:ln>
-                  <a:solidFill>
-                    <a:schemeClr val="bg1">
-                      <a:alpha val="90000"/>
-                    </a:schemeClr>
-                  </a:solidFill>
-                </a:ln>
-                <a:solidFill>
-                  <a:schemeClr val="bg1">
-                    <a:lumMod val="95000"/>
-                  </a:schemeClr>
-                </a:solidFill>
-                <a:latin typeface="인터파크고딕 L" pitchFamily="2" charset="-127"/>
-                <a:ea typeface="인터파크고딕 L" pitchFamily="2" charset="-127"/>
-              </a:rPr>
-              <a:t>, *</a:t>
-            </a:r>
-            <a:r>
-              <a:rPr lang="en-US" altLang="ko-KR" sz="1200" dirty="0" err="1" smtClean="0">
-                <a:ln>
-                  <a:solidFill>
-                    <a:schemeClr val="bg1">
-                      <a:alpha val="90000"/>
-                    </a:schemeClr>
-                  </a:solidFill>
-                </a:ln>
-                <a:solidFill>
-                  <a:schemeClr val="bg1">
-                    <a:lumMod val="95000"/>
-                  </a:schemeClr>
-                </a:solidFill>
-                <a:latin typeface="인터파크고딕 L" pitchFamily="2" charset="-127"/>
-                <a:ea typeface="인터파크고딕 L" pitchFamily="2" charset="-127"/>
-              </a:rPr>
               <a:t>fdopen</a:t>
             </a:r>
             <a:r>
@@ -18330,152 +19288,7 @@
                 <a:latin typeface="인터파크고딕 L" pitchFamily="2" charset="-127"/>
                 <a:ea typeface="인터파크고딕 L" pitchFamily="2" charset="-127"/>
               </a:rPr>
-              <a:t>();</a:t>
-            </a:r>
-          </a:p>
-          <a:p>
-            <a:pPr>
-              <a:lnSpc>
-                <a:spcPct val="150000"/>
-              </a:lnSpc>
-            </a:pPr>
-            <a:r>
-              <a:rPr lang="en-US" altLang="ko-KR" sz="1200" dirty="0" smtClean="0">
-                <a:ln>
-                  <a:solidFill>
-                    <a:schemeClr val="bg1">
-                      <a:alpha val="90000"/>
-                    </a:schemeClr>
-                  </a:solidFill>
-                </a:ln>
-                <a:solidFill>
-                  <a:schemeClr val="bg1">
-                    <a:lumMod val="95000"/>
-                  </a:schemeClr>
-                </a:solidFill>
-                <a:latin typeface="인터파크고딕 L" pitchFamily="2" charset="-127"/>
-                <a:ea typeface="인터파크고딕 L" pitchFamily="2" charset="-127"/>
-              </a:rPr>
-              <a:t>    </a:t>
-            </a:r>
-          </a:p>
-          <a:p>
-            <a:pPr>
-              <a:lnSpc>
-                <a:spcPct val="150000"/>
-              </a:lnSpc>
-            </a:pPr>
-            <a:r>
-              <a:rPr lang="en-US" altLang="ko-KR" sz="1200" dirty="0" smtClean="0">
-                <a:ln>
-                  <a:solidFill>
-                    <a:schemeClr val="bg1">
-                      <a:alpha val="90000"/>
-                    </a:schemeClr>
-                  </a:solidFill>
-                </a:ln>
-                <a:solidFill>
-                  <a:schemeClr val="bg1">
-                    <a:lumMod val="95000"/>
-                  </a:schemeClr>
-                </a:solidFill>
-                <a:latin typeface="인터파크고딕 L" pitchFamily="2" charset="-127"/>
-                <a:ea typeface="인터파크고딕 L" pitchFamily="2" charset="-127"/>
-              </a:rPr>
-              <a:t>    if( </a:t>
-            </a:r>
-            <a:r>
-              <a:rPr lang="en-US" altLang="ko-KR" sz="1200" dirty="0" smtClean="0">
-                <a:ln>
-                  <a:solidFill>
-                    <a:srgbClr val="FF7C80">
-                      <a:alpha val="90000"/>
-                    </a:srgbClr>
-                  </a:solidFill>
-                </a:ln>
-                <a:solidFill>
-                  <a:srgbClr val="FF7C80"/>
-                </a:solidFill>
-                <a:latin typeface="인터파크고딕 L" pitchFamily="2" charset="-127"/>
-                <a:ea typeface="인터파크고딕 L" pitchFamily="2" charset="-127"/>
-              </a:rPr>
-              <a:t>pipe(pout) </a:t>
-            </a:r>
-            <a:r>
-              <a:rPr lang="en-US" altLang="ko-KR" sz="1200" dirty="0" smtClean="0">
-                <a:ln>
-                  <a:solidFill>
-                    <a:schemeClr val="bg1">
-                      <a:alpha val="90000"/>
-                    </a:schemeClr>
-                  </a:solidFill>
-                </a:ln>
-                <a:solidFill>
-                  <a:schemeClr val="bg1">
-                    <a:lumMod val="95000"/>
-                  </a:schemeClr>
-                </a:solidFill>
-                <a:latin typeface="인터파크고딕 L" pitchFamily="2" charset="-127"/>
-                <a:ea typeface="인터파크고딕 L" pitchFamily="2" charset="-127"/>
-              </a:rPr>
-              <a:t>== -1 </a:t>
-            </a:r>
-            <a:r>
-              <a:rPr lang="en-US" altLang="ko-KR" sz="1200" dirty="0" smtClean="0">
-                <a:ln>
-                  <a:solidFill>
-                    <a:schemeClr val="bg1">
-                      <a:alpha val="90000"/>
-                    </a:schemeClr>
-                  </a:solidFill>
-                </a:ln>
-                <a:solidFill>
-                  <a:schemeClr val="bg1">
-                    <a:lumMod val="95000"/>
-                  </a:schemeClr>
-                </a:solidFill>
-                <a:latin typeface="인터파크고딕 L" pitchFamily="2" charset="-127"/>
-                <a:ea typeface="인터파크고딕 L" pitchFamily="2" charset="-127"/>
-              </a:rPr>
-              <a:t>)        </a:t>
-            </a:r>
-            <a:r>
-              <a:rPr lang="en-US" altLang="ko-KR" sz="1200" dirty="0" smtClean="0">
-                <a:ln>
-                  <a:solidFill>
-                    <a:schemeClr val="bg1">
-                      <a:alpha val="90000"/>
-                    </a:schemeClr>
-                  </a:solidFill>
-                </a:ln>
-                <a:solidFill>
-                  <a:schemeClr val="bg1">
-                    <a:lumMod val="95000"/>
-                  </a:schemeClr>
-                </a:solidFill>
-                <a:latin typeface="인터파크고딕 L" pitchFamily="2" charset="-127"/>
-                <a:ea typeface="인터파크고딕 L" pitchFamily="2" charset="-127"/>
-              </a:rPr>
-              <a:t>oops("pipe failed", 1</a:t>
-            </a:r>
-            <a:r>
-              <a:rPr lang="en-US" altLang="ko-KR" sz="1200" dirty="0" smtClean="0">
-                <a:ln>
-                  <a:solidFill>
-                    <a:schemeClr val="bg1">
-                      <a:alpha val="90000"/>
-                    </a:schemeClr>
-                  </a:solidFill>
-                </a:ln>
-                <a:solidFill>
-                  <a:schemeClr val="bg1">
-                    <a:lumMod val="95000"/>
-                  </a:schemeClr>
-                </a:solidFill>
-                <a:latin typeface="인터파크고딕 L" pitchFamily="2" charset="-127"/>
-                <a:ea typeface="인터파크고딕 L" pitchFamily="2" charset="-127"/>
-              </a:rPr>
-              <a:t>);    </a:t>
+              <a:t>();    </a:t>
             </a:r>
             <a:endParaRPr lang="en-US" altLang="ko-KR" sz="1200" dirty="0" smtClean="0">
               <a:ln>
@@ -18504,44 +19317,6 @@
               <a:rPr lang="en-US" altLang="ko-KR" sz="1200" dirty="0" smtClean="0">
                 <a:ln>
                   <a:solidFill>
-                    <a:schemeClr val="bg1">
-                      <a:alpha val="90000"/>
-                    </a:schemeClr>
-                  </a:solidFill>
-                </a:ln>
-                <a:solidFill>
-                  <a:schemeClr val="bg1">
-                    <a:lumMod val="95000"/>
-                  </a:schemeClr>
-                </a:solidFill>
-                <a:latin typeface="인터파크고딕 L" pitchFamily="2" charset="-127"/>
-                <a:ea typeface="인터파크고딕 L" pitchFamily="2" charset="-127"/>
-              </a:rPr>
-              <a:t>    if</a:t>
-            </a:r>
-            <a:r>
-              <a:rPr lang="en-US" altLang="ko-KR" sz="1200" dirty="0" smtClean="0">
-                <a:ln>
-                  <a:solidFill>
-                    <a:schemeClr val="bg1">
-                      <a:alpha val="90000"/>
-                    </a:schemeClr>
-                  </a:solidFill>
-                </a:ln>
-                <a:solidFill>
-                  <a:schemeClr val="bg1">
-                    <a:lumMod val="95000"/>
-                  </a:schemeClr>
-                </a:solidFill>
-                <a:latin typeface="인터파크고딕 L" pitchFamily="2" charset="-127"/>
-                <a:ea typeface="인터파크고딕 L" pitchFamily="2" charset="-127"/>
-              </a:rPr>
-              <a:t>( </a:t>
-            </a:r>
-            <a:r>
-              <a:rPr lang="en-US" altLang="ko-KR" sz="1200" dirty="0" smtClean="0">
-                <a:ln>
-                  <a:solidFill>
                     <a:srgbClr val="FF7C80">
                       <a:alpha val="90000"/>
                     </a:srgbClr>
@@ -18553,7 +19328,7 @@
                 <a:latin typeface="인터파크고딕 L" pitchFamily="2" charset="-127"/>
                 <a:ea typeface="인터파크고딕 L" pitchFamily="2" charset="-127"/>
               </a:rPr>
-              <a:t>( </a:t>
+              <a:t>    </a:t>
             </a:r>
             <a:r>
               <a:rPr lang="en-US" altLang="ko-KR" sz="1200" dirty="0" err="1" smtClean="0">
@@ -18570,7 +19345,7 @@
                 <a:latin typeface="인터파크고딕 L" pitchFamily="2" charset="-127"/>
                 <a:ea typeface="인터파크고딕 L" pitchFamily="2" charset="-127"/>
               </a:rPr>
-              <a:t>pid</a:t>
+              <a:t>fpin</a:t>
             </a:r>
             <a:r>
               <a:rPr lang="en-US" altLang="ko-KR" sz="1200" dirty="0" smtClean="0">
@@ -18587,10 +19362,10 @@
                 <a:latin typeface="인터파크고딕 L" pitchFamily="2" charset="-127"/>
                 <a:ea typeface="인터파크고딕 L" pitchFamily="2" charset="-127"/>
               </a:rPr>
-              <a:t> = fork</a:t>
-            </a:r>
-            <a:r>
-              <a:rPr lang="en-US" altLang="ko-KR" sz="1200" dirty="0" smtClean="0">
+              <a:t>  = </a:t>
+            </a:r>
+            <a:r>
+              <a:rPr lang="en-US" altLang="ko-KR" sz="1200" dirty="0" err="1" smtClean="0">
                 <a:ln>
                   <a:solidFill>
                     <a:srgbClr val="FF7C80">
@@ -18604,122 +19379,52 @@
                 <a:latin typeface="인터파크고딕 L" pitchFamily="2" charset="-127"/>
                 <a:ea typeface="인터파크고딕 L" pitchFamily="2" charset="-127"/>
               </a:rPr>
-              <a:t>() )</a:t>
-            </a:r>
-            <a:r>
-              <a:rPr lang="en-US" altLang="ko-KR" sz="1200" dirty="0" smtClean="0">
-                <a:ln>
-                  <a:solidFill>
-                    <a:schemeClr val="bg1">
-                      <a:alpha val="90000"/>
-                    </a:schemeClr>
-                  </a:solidFill>
-                </a:ln>
-                <a:solidFill>
-                  <a:schemeClr val="bg1">
-                    <a:lumMod val="95000"/>
-                  </a:schemeClr>
-                </a:solidFill>
-                <a:latin typeface="인터파크고딕 L" pitchFamily="2" charset="-127"/>
-                <a:ea typeface="인터파크고딕 L" pitchFamily="2" charset="-127"/>
-              </a:rPr>
-              <a:t> </a:t>
-            </a:r>
-            <a:r>
-              <a:rPr lang="en-US" altLang="ko-KR" sz="1200" dirty="0" smtClean="0">
-                <a:ln>
-                  <a:solidFill>
-                    <a:schemeClr val="bg1">
-                      <a:alpha val="90000"/>
-                    </a:schemeClr>
-                  </a:solidFill>
-                </a:ln>
-                <a:solidFill>
-                  <a:schemeClr val="bg1">
-                    <a:lumMod val="95000"/>
-                  </a:schemeClr>
-                </a:solidFill>
-                <a:latin typeface="인터파크고딕 L" pitchFamily="2" charset="-127"/>
-                <a:ea typeface="인터파크고딕 L" pitchFamily="2" charset="-127"/>
-              </a:rPr>
-              <a:t>== -1 </a:t>
-            </a:r>
-            <a:r>
-              <a:rPr lang="en-US" altLang="ko-KR" sz="1200" dirty="0" smtClean="0">
-                <a:ln>
-                  <a:solidFill>
-                    <a:schemeClr val="bg1">
-                      <a:alpha val="90000"/>
-                    </a:schemeClr>
-                  </a:solidFill>
-                </a:ln>
-                <a:solidFill>
-                  <a:schemeClr val="bg1">
-                    <a:lumMod val="95000"/>
-                  </a:schemeClr>
-                </a:solidFill>
-                <a:latin typeface="인터파크고딕 L" pitchFamily="2" charset="-127"/>
-                <a:ea typeface="인터파크고딕 L" pitchFamily="2" charset="-127"/>
-              </a:rPr>
-              <a:t>)        </a:t>
-            </a:r>
-            <a:r>
-              <a:rPr lang="en-US" altLang="ko-KR" sz="1200" dirty="0" smtClean="0">
-                <a:ln>
-                  <a:solidFill>
-                    <a:schemeClr val="bg1">
-                      <a:alpha val="90000"/>
-                    </a:schemeClr>
-                  </a:solidFill>
-                </a:ln>
-                <a:solidFill>
-                  <a:schemeClr val="bg1">
-                    <a:lumMod val="95000"/>
-                  </a:schemeClr>
-                </a:solidFill>
-                <a:latin typeface="인터파크고딕 L" pitchFamily="2" charset="-127"/>
-                <a:ea typeface="인터파크고딕 L" pitchFamily="2" charset="-127"/>
-              </a:rPr>
-              <a:t>oops("cannot fork", 2</a:t>
-            </a:r>
-            <a:r>
-              <a:rPr lang="en-US" altLang="ko-KR" sz="1200" dirty="0" smtClean="0">
-                <a:ln>
-                  <a:solidFill>
-                    <a:schemeClr val="bg1">
-                      <a:alpha val="90000"/>
-                    </a:schemeClr>
-                  </a:solidFill>
-                </a:ln>
-                <a:solidFill>
-                  <a:schemeClr val="bg1">
-                    <a:lumMod val="95000"/>
-                  </a:schemeClr>
-                </a:solidFill>
-                <a:latin typeface="인터파크고딕 L" pitchFamily="2" charset="-127"/>
-                <a:ea typeface="인터파크고딕 L" pitchFamily="2" charset="-127"/>
-              </a:rPr>
-              <a:t>);</a:t>
-            </a:r>
-          </a:p>
-          <a:p>
-            <a:pPr>
-              <a:lnSpc>
-                <a:spcPct val="150000"/>
-              </a:lnSpc>
-            </a:pPr>
+              <a:t>fdopen</a:t>
+            </a:r>
+            <a:r>
+              <a:rPr lang="en-US" altLang="ko-KR" sz="1200" dirty="0" smtClean="0">
+                <a:ln>
+                  <a:solidFill>
+                    <a:srgbClr val="FF7C80">
+                      <a:alpha val="90000"/>
+                    </a:srgbClr>
+                  </a:solidFill>
+                </a:ln>
+                <a:solidFill>
+                  <a:srgbClr val="FF7C80"/>
+                </a:solidFill>
+                <a:latin typeface="인터파크고딕 L" pitchFamily="2" charset="-127"/>
+                <a:ea typeface="인터파크고딕 L" pitchFamily="2" charset="-127"/>
+              </a:rPr>
+              <a:t>( pipe[0], "r" </a:t>
+            </a:r>
+            <a:r>
+              <a:rPr lang="en-US" altLang="ko-KR" sz="1200" dirty="0" smtClean="0">
+                <a:ln>
+                  <a:solidFill>
+                    <a:srgbClr val="FF7C80">
+                      <a:alpha val="90000"/>
+                    </a:srgbClr>
+                  </a:solidFill>
+                </a:ln>
+                <a:solidFill>
+                  <a:srgbClr val="FF7C80"/>
+                </a:solidFill>
+                <a:latin typeface="인터파크고딕 L" pitchFamily="2" charset="-127"/>
+                <a:ea typeface="인터파크고딕 L" pitchFamily="2" charset="-127"/>
+              </a:rPr>
+              <a:t>);    </a:t>
+            </a:r>
             <a:endParaRPr lang="en-US" altLang="ko-KR" sz="1200" dirty="0" smtClean="0">
               <a:ln>
                 <a:solidFill>
-                  <a:schemeClr val="bg1">
+                  <a:srgbClr val="FF7C80">
                     <a:alpha val="90000"/>
-                  </a:schemeClr>
+                  </a:srgbClr>
                 </a:solidFill>
               </a:ln>
               <a:solidFill>
-                <a:schemeClr val="bg1">
-                  <a:lumMod val="95000"/>
-                </a:schemeClr>
+                <a:srgbClr val="FF7C80"/>
               </a:solidFill>
               <a:latin typeface="인터파크고딕 L" pitchFamily="2" charset="-127"/>
               <a:ea typeface="인터파크고딕 L" pitchFamily="2" charset="-127"/>
@@ -18735,20 +19440,70 @@
               <a:rPr lang="en-US" altLang="ko-KR" sz="1200" dirty="0" smtClean="0">
                 <a:ln>
                   <a:solidFill>
-                    <a:schemeClr val="bg1">
-                      <a:alpha val="90000"/>
-                    </a:schemeClr>
-                  </a:solidFill>
-                </a:ln>
-                <a:solidFill>
-                  <a:schemeClr val="bg1">
-                    <a:lumMod val="95000"/>
-                  </a:schemeClr>
-                </a:solidFill>
-                <a:latin typeface="인터파크고딕 L" pitchFamily="2" charset="-127"/>
-                <a:ea typeface="인터파크고딕 L" pitchFamily="2" charset="-127"/>
-              </a:rPr>
-              <a:t>    if( </a:t>
+                    <a:srgbClr val="FF7C80">
+                      <a:alpha val="90000"/>
+                    </a:srgbClr>
+                  </a:solidFill>
+                </a:ln>
+                <a:solidFill>
+                  <a:srgbClr val="FF7C80"/>
+                </a:solidFill>
+                <a:latin typeface="인터파크고딕 L" pitchFamily="2" charset="-127"/>
+                <a:ea typeface="인터파크고딕 L" pitchFamily="2" charset="-127"/>
+              </a:rPr>
+              <a:t>    close(pipe[1]);</a:t>
+            </a:r>
+          </a:p>
+          <a:p>
+            <a:pPr>
+              <a:lnSpc>
+                <a:spcPct val="150000"/>
+              </a:lnSpc>
+            </a:pPr>
+            <a:r>
+              <a:rPr lang="en-US" altLang="ko-KR" sz="1200" dirty="0" smtClean="0">
+                <a:ln>
+                  <a:solidFill>
+                    <a:schemeClr val="bg1">
+                      <a:alpha val="90000"/>
+                    </a:schemeClr>
+                  </a:solidFill>
+                </a:ln>
+                <a:solidFill>
+                  <a:schemeClr val="bg1">
+                    <a:lumMod val="95000"/>
+                  </a:schemeClr>
+                </a:solidFill>
+                <a:latin typeface="인터파크고딕 L" pitchFamily="2" charset="-127"/>
+                <a:ea typeface="인터파크고딕 L" pitchFamily="2" charset="-127"/>
+              </a:rPr>
+              <a:t>    </a:t>
+            </a:r>
+          </a:p>
+          <a:p>
+            <a:pPr>
+              <a:lnSpc>
+                <a:spcPct val="150000"/>
+              </a:lnSpc>
+            </a:pPr>
+            <a:r>
+              <a:rPr lang="en-US" altLang="ko-KR" sz="1200" dirty="0" smtClean="0">
+                <a:ln>
+                  <a:solidFill>
+                    <a:schemeClr val="bg1">
+                      <a:alpha val="90000"/>
+                    </a:schemeClr>
+                  </a:solidFill>
+                </a:ln>
+                <a:solidFill>
+                  <a:schemeClr val="bg1">
+                    <a:lumMod val="95000"/>
+                  </a:schemeClr>
+                </a:solidFill>
+                <a:latin typeface="인터파크고딕 L" pitchFamily="2" charset="-127"/>
+                <a:ea typeface="인터파크고딕 L" pitchFamily="2" charset="-127"/>
+              </a:rPr>
+              <a:t>    for (</a:t>
             </a:r>
             <a:r>
               <a:rPr lang="en-US" altLang="ko-KR" sz="1200" dirty="0" err="1" smtClean="0">
@@ -18767,62 +19522,141 @@
                 <a:latin typeface="인터파크고딕 L" pitchFamily="2" charset="-127"/>
                 <a:ea typeface="인터파크고딕 L" pitchFamily="2" charset="-127"/>
               </a:rPr>
-              <a:t>pid</a:t>
-            </a:r>
-            <a:r>
-              <a:rPr lang="en-US" altLang="ko-KR" sz="1200" dirty="0" smtClean="0">
-                <a:ln>
-                  <a:solidFill>
-                    <a:schemeClr val="bg1">
-                      <a:alpha val="90000"/>
-                    </a:schemeClr>
-                  </a:solidFill>
-                </a:ln>
-                <a:solidFill>
-                  <a:schemeClr val="bg1">
-                    <a:lumMod val="95000"/>
-                  </a:schemeClr>
-                </a:solidFill>
-                <a:latin typeface="인터파크고딕 L" pitchFamily="2" charset="-127"/>
-                <a:ea typeface="인터파크고딕 L" pitchFamily="2" charset="-127"/>
-              </a:rPr>
-              <a:t> == 0 </a:t>
-            </a:r>
-            <a:r>
-              <a:rPr lang="en-US" altLang="ko-KR" sz="1200" dirty="0" smtClean="0">
-                <a:ln>
-                  <a:solidFill>
-                    <a:schemeClr val="bg1">
-                      <a:alpha val="90000"/>
-                    </a:schemeClr>
-                  </a:solidFill>
-                </a:ln>
-                <a:solidFill>
-                  <a:schemeClr val="bg1">
-                    <a:lumMod val="95000"/>
-                  </a:schemeClr>
-                </a:solidFill>
-                <a:latin typeface="인터파크고딕 L" pitchFamily="2" charset="-127"/>
-                <a:ea typeface="인터파크고딕 L" pitchFamily="2" charset="-127"/>
-              </a:rPr>
-              <a:t>)</a:t>
-            </a:r>
-            <a:endParaRPr lang="en-US" altLang="ko-KR" sz="1200" dirty="0" smtClean="0">
-              <a:ln>
-                <a:solidFill>
-                  <a:schemeClr val="bg1">
-                    <a:alpha val="90000"/>
-                  </a:schemeClr>
-                </a:solidFill>
-              </a:ln>
-              <a:solidFill>
-                <a:schemeClr val="bg1">
-                  <a:lumMod val="95000"/>
-                </a:schemeClr>
-              </a:solidFill>
-              <a:latin typeface="인터파크고딕 L" pitchFamily="2" charset="-127"/>
-              <a:ea typeface="인터파크고딕 L" pitchFamily="2" charset="-127"/>
-            </a:endParaRPr>
+              <a:t>int</a:t>
+            </a:r>
+            <a:r>
+              <a:rPr lang="en-US" altLang="ko-KR" sz="1200" dirty="0" smtClean="0">
+                <a:ln>
+                  <a:solidFill>
+                    <a:schemeClr val="bg1">
+                      <a:alpha val="90000"/>
+                    </a:schemeClr>
+                  </a:solidFill>
+                </a:ln>
+                <a:solidFill>
+                  <a:schemeClr val="bg1">
+                    <a:lumMod val="95000"/>
+                  </a:schemeClr>
+                </a:solidFill>
+                <a:latin typeface="인터파크고딕 L" pitchFamily="2" charset="-127"/>
+                <a:ea typeface="인터파크고딕 L" pitchFamily="2" charset="-127"/>
+              </a:rPr>
+              <a:t> </a:t>
+            </a:r>
+            <a:r>
+              <a:rPr lang="en-US" altLang="ko-KR" sz="1200" dirty="0" err="1" smtClean="0">
+                <a:ln>
+                  <a:solidFill>
+                    <a:schemeClr val="bg1">
+                      <a:alpha val="90000"/>
+                    </a:schemeClr>
+                  </a:solidFill>
+                </a:ln>
+                <a:solidFill>
+                  <a:schemeClr val="bg1">
+                    <a:lumMod val="95000"/>
+                  </a:schemeClr>
+                </a:solidFill>
+                <a:latin typeface="인터파크고딕 L" pitchFamily="2" charset="-127"/>
+                <a:ea typeface="인터파크고딕 L" pitchFamily="2" charset="-127"/>
+              </a:rPr>
+              <a:t>i</a:t>
+            </a:r>
+            <a:r>
+              <a:rPr lang="en-US" altLang="ko-KR" sz="1200" dirty="0" smtClean="0">
+                <a:ln>
+                  <a:solidFill>
+                    <a:schemeClr val="bg1">
+                      <a:alpha val="90000"/>
+                    </a:schemeClr>
+                  </a:solidFill>
+                </a:ln>
+                <a:solidFill>
+                  <a:schemeClr val="bg1">
+                    <a:lumMod val="95000"/>
+                  </a:schemeClr>
+                </a:solidFill>
+                <a:latin typeface="인터파크고딕 L" pitchFamily="2" charset="-127"/>
+                <a:ea typeface="인터파크고딕 L" pitchFamily="2" charset="-127"/>
+              </a:rPr>
+              <a:t> = 0; </a:t>
+            </a:r>
+            <a:r>
+              <a:rPr lang="en-US" altLang="ko-KR" sz="1200" dirty="0" err="1" smtClean="0">
+                <a:ln>
+                  <a:solidFill>
+                    <a:schemeClr val="bg1">
+                      <a:alpha val="90000"/>
+                    </a:schemeClr>
+                  </a:solidFill>
+                </a:ln>
+                <a:solidFill>
+                  <a:schemeClr val="bg1">
+                    <a:lumMod val="95000"/>
+                  </a:schemeClr>
+                </a:solidFill>
+                <a:latin typeface="인터파크고딕 L" pitchFamily="2" charset="-127"/>
+                <a:ea typeface="인터파크고딕 L" pitchFamily="2" charset="-127"/>
+              </a:rPr>
+              <a:t>i</a:t>
+            </a:r>
+            <a:r>
+              <a:rPr lang="en-US" altLang="ko-KR" sz="1200" dirty="0" smtClean="0">
+                <a:ln>
+                  <a:solidFill>
+                    <a:schemeClr val="bg1">
+                      <a:alpha val="90000"/>
+                    </a:schemeClr>
+                  </a:solidFill>
+                </a:ln>
+                <a:solidFill>
+                  <a:schemeClr val="bg1">
+                    <a:lumMod val="95000"/>
+                  </a:schemeClr>
+                </a:solidFill>
+                <a:latin typeface="인터파크고딕 L" pitchFamily="2" charset="-127"/>
+                <a:ea typeface="인터파크고딕 L" pitchFamily="2" charset="-127"/>
+              </a:rPr>
+              <a:t> &lt; RANKCOUNT; </a:t>
+            </a:r>
+            <a:r>
+              <a:rPr lang="en-US" altLang="ko-KR" sz="1200" dirty="0" err="1" smtClean="0">
+                <a:ln>
+                  <a:solidFill>
+                    <a:schemeClr val="bg1">
+                      <a:alpha val="90000"/>
+                    </a:schemeClr>
+                  </a:solidFill>
+                </a:ln>
+                <a:solidFill>
+                  <a:schemeClr val="bg1">
+                    <a:lumMod val="95000"/>
+                  </a:schemeClr>
+                </a:solidFill>
+                <a:latin typeface="인터파크고딕 L" pitchFamily="2" charset="-127"/>
+                <a:ea typeface="인터파크고딕 L" pitchFamily="2" charset="-127"/>
+              </a:rPr>
+              <a:t>i</a:t>
+            </a:r>
+            <a:r>
+              <a:rPr lang="en-US" altLang="ko-KR" sz="1200" dirty="0" smtClean="0">
+                <a:ln>
+                  <a:solidFill>
+                    <a:schemeClr val="bg1">
+                      <a:alpha val="90000"/>
+                    </a:schemeClr>
+                  </a:solidFill>
+                </a:ln>
+                <a:solidFill>
+                  <a:schemeClr val="bg1">
+                    <a:lumMod val="95000"/>
+                  </a:schemeClr>
+                </a:solidFill>
+                <a:latin typeface="인터파크고딕 L" pitchFamily="2" charset="-127"/>
+                <a:ea typeface="인터파크고딕 L" pitchFamily="2" charset="-127"/>
+              </a:rPr>
+              <a:t>++)</a:t>
+            </a:r>
           </a:p>
           <a:p>
             <a:pPr>
@@ -18834,6 +19668,354 @@
               <a:rPr lang="en-US" altLang="ko-KR" sz="1200" dirty="0" smtClean="0">
                 <a:ln>
                   <a:solidFill>
+                    <a:schemeClr val="bg1">
+                      <a:alpha val="90000"/>
+                    </a:schemeClr>
+                  </a:solidFill>
+                </a:ln>
+                <a:solidFill>
+                  <a:schemeClr val="bg1">
+                    <a:lumMod val="95000"/>
+                  </a:schemeClr>
+                </a:solidFill>
+                <a:latin typeface="인터파크고딕 L" pitchFamily="2" charset="-127"/>
+                <a:ea typeface="인터파크고딕 L" pitchFamily="2" charset="-127"/>
+              </a:rPr>
+              <a:t>    {</a:t>
+            </a:r>
+          </a:p>
+          <a:p>
+            <a:pPr>
+              <a:lnSpc>
+                <a:spcPct val="150000"/>
+              </a:lnSpc>
+            </a:pPr>
+            <a:r>
+              <a:rPr lang="en-US" altLang="ko-KR" sz="1200" dirty="0" smtClean="0">
+                <a:ln>
+                  <a:solidFill>
+                    <a:schemeClr val="bg1">
+                      <a:alpha val="90000"/>
+                    </a:schemeClr>
+                  </a:solidFill>
+                </a:ln>
+                <a:solidFill>
+                  <a:schemeClr val="bg1">
+                    <a:lumMod val="95000"/>
+                  </a:schemeClr>
+                </a:solidFill>
+                <a:latin typeface="인터파크고딕 L" pitchFamily="2" charset="-127"/>
+                <a:ea typeface="인터파크고딕 L" pitchFamily="2" charset="-127"/>
+              </a:rPr>
+              <a:t>        if (</a:t>
+            </a:r>
+            <a:r>
+              <a:rPr lang="en-US" altLang="ko-KR" sz="1200" dirty="0" err="1" smtClean="0">
+                <a:ln>
+                  <a:solidFill>
+                    <a:schemeClr val="bg1">
+                      <a:alpha val="90000"/>
+                    </a:schemeClr>
+                  </a:solidFill>
+                </a:ln>
+                <a:solidFill>
+                  <a:schemeClr val="bg1">
+                    <a:lumMod val="95000"/>
+                  </a:schemeClr>
+                </a:solidFill>
+                <a:latin typeface="인터파크고딕 L" pitchFamily="2" charset="-127"/>
+                <a:ea typeface="인터파크고딕 L" pitchFamily="2" charset="-127"/>
+              </a:rPr>
+              <a:t>fgets</a:t>
+            </a:r>
+            <a:r>
+              <a:rPr lang="en-US" altLang="ko-KR" sz="1200" dirty="0" smtClean="0">
+                <a:ln>
+                  <a:solidFill>
+                    <a:schemeClr val="bg1">
+                      <a:alpha val="90000"/>
+                    </a:schemeClr>
+                  </a:solidFill>
+                </a:ln>
+                <a:solidFill>
+                  <a:schemeClr val="bg1">
+                    <a:lumMod val="95000"/>
+                  </a:schemeClr>
+                </a:solidFill>
+                <a:latin typeface="인터파크고딕 L" pitchFamily="2" charset="-127"/>
+                <a:ea typeface="인터파크고딕 L" pitchFamily="2" charset="-127"/>
+              </a:rPr>
+              <a:t>( </a:t>
+            </a:r>
+            <a:r>
+              <a:rPr lang="en-US" altLang="ko-KR" sz="1200" dirty="0" err="1" smtClean="0">
+                <a:ln>
+                  <a:solidFill>
+                    <a:schemeClr val="bg1">
+                      <a:alpha val="90000"/>
+                    </a:schemeClr>
+                  </a:solidFill>
+                </a:ln>
+                <a:solidFill>
+                  <a:schemeClr val="bg1">
+                    <a:lumMod val="95000"/>
+                  </a:schemeClr>
+                </a:solidFill>
+                <a:latin typeface="인터파크고딕 L" pitchFamily="2" charset="-127"/>
+                <a:ea typeface="인터파크고딕 L" pitchFamily="2" charset="-127"/>
+              </a:rPr>
+              <a:t>getMessage</a:t>
+            </a:r>
+            <a:r>
+              <a:rPr lang="en-US" altLang="ko-KR" sz="1200" dirty="0" smtClean="0">
+                <a:ln>
+                  <a:solidFill>
+                    <a:schemeClr val="bg1">
+                      <a:alpha val="90000"/>
+                    </a:schemeClr>
+                  </a:solidFill>
+                </a:ln>
+                <a:solidFill>
+                  <a:schemeClr val="bg1">
+                    <a:lumMod val="95000"/>
+                  </a:schemeClr>
+                </a:solidFill>
+                <a:latin typeface="인터파크고딕 L" pitchFamily="2" charset="-127"/>
+                <a:ea typeface="인터파크고딕 L" pitchFamily="2" charset="-127"/>
+              </a:rPr>
+              <a:t>[</a:t>
+            </a:r>
+            <a:r>
+              <a:rPr lang="en-US" altLang="ko-KR" sz="1200" dirty="0" err="1" smtClean="0">
+                <a:ln>
+                  <a:solidFill>
+                    <a:schemeClr val="bg1">
+                      <a:alpha val="90000"/>
+                    </a:schemeClr>
+                  </a:solidFill>
+                </a:ln>
+                <a:solidFill>
+                  <a:schemeClr val="bg1">
+                    <a:lumMod val="95000"/>
+                  </a:schemeClr>
+                </a:solidFill>
+                <a:latin typeface="인터파크고딕 L" pitchFamily="2" charset="-127"/>
+                <a:ea typeface="인터파크고딕 L" pitchFamily="2" charset="-127"/>
+              </a:rPr>
+              <a:t>i</a:t>
+            </a:r>
+            <a:r>
+              <a:rPr lang="en-US" altLang="ko-KR" sz="1200" dirty="0" smtClean="0">
+                <a:ln>
+                  <a:solidFill>
+                    <a:schemeClr val="bg1">
+                      <a:alpha val="90000"/>
+                    </a:schemeClr>
+                  </a:solidFill>
+                </a:ln>
+                <a:solidFill>
+                  <a:schemeClr val="bg1">
+                    <a:lumMod val="95000"/>
+                  </a:schemeClr>
+                </a:solidFill>
+                <a:latin typeface="인터파크고딕 L" pitchFamily="2" charset="-127"/>
+                <a:ea typeface="인터파크고딕 L" pitchFamily="2" charset="-127"/>
+              </a:rPr>
+              <a:t>], BUFSIZ, </a:t>
+            </a:r>
+            <a:r>
+              <a:rPr lang="en-US" altLang="ko-KR" sz="1200" dirty="0" err="1" smtClean="0">
+                <a:ln>
+                  <a:solidFill>
+                    <a:schemeClr val="bg1">
+                      <a:alpha val="90000"/>
+                    </a:schemeClr>
+                  </a:solidFill>
+                </a:ln>
+                <a:solidFill>
+                  <a:schemeClr val="bg1">
+                    <a:lumMod val="95000"/>
+                  </a:schemeClr>
+                </a:solidFill>
+                <a:latin typeface="인터파크고딕 L" pitchFamily="2" charset="-127"/>
+                <a:ea typeface="인터파크고딕 L" pitchFamily="2" charset="-127"/>
+              </a:rPr>
+              <a:t>fpin</a:t>
+            </a:r>
+            <a:r>
+              <a:rPr lang="en-US" altLang="ko-KR" sz="1200" dirty="0" smtClean="0">
+                <a:ln>
+                  <a:solidFill>
+                    <a:schemeClr val="bg1">
+                      <a:alpha val="90000"/>
+                    </a:schemeClr>
+                  </a:solidFill>
+                </a:ln>
+                <a:solidFill>
+                  <a:schemeClr val="bg1">
+                    <a:lumMod val="95000"/>
+                  </a:schemeClr>
+                </a:solidFill>
+                <a:latin typeface="인터파크고딕 L" pitchFamily="2" charset="-127"/>
+                <a:ea typeface="인터파크고딕 L" pitchFamily="2" charset="-127"/>
+              </a:rPr>
+              <a:t> ) == NULL)</a:t>
+            </a:r>
+          </a:p>
+          <a:p>
+            <a:pPr>
+              <a:lnSpc>
+                <a:spcPct val="150000"/>
+              </a:lnSpc>
+            </a:pPr>
+            <a:r>
+              <a:rPr lang="en-US" altLang="ko-KR" sz="1200" dirty="0" smtClean="0">
+                <a:ln>
+                  <a:solidFill>
+                    <a:schemeClr val="bg1">
+                      <a:alpha val="90000"/>
+                    </a:schemeClr>
+                  </a:solidFill>
+                </a:ln>
+                <a:solidFill>
+                  <a:schemeClr val="bg1">
+                    <a:lumMod val="95000"/>
+                  </a:schemeClr>
+                </a:solidFill>
+                <a:latin typeface="인터파크고딕 L" pitchFamily="2" charset="-127"/>
+                <a:ea typeface="인터파크고딕 L" pitchFamily="2" charset="-127"/>
+              </a:rPr>
+              <a:t>            break;</a:t>
+            </a:r>
+          </a:p>
+          <a:p>
+            <a:pPr>
+              <a:lnSpc>
+                <a:spcPct val="150000"/>
+              </a:lnSpc>
+            </a:pPr>
+            <a:r>
+              <a:rPr lang="en-US" altLang="ko-KR" sz="1200" dirty="0" smtClean="0">
+                <a:ln>
+                  <a:solidFill>
+                    <a:schemeClr val="bg1">
+                      <a:alpha val="90000"/>
+                    </a:schemeClr>
+                  </a:solidFill>
+                </a:ln>
+                <a:solidFill>
+                  <a:schemeClr val="bg1">
+                    <a:lumMod val="95000"/>
+                  </a:schemeClr>
+                </a:solidFill>
+                <a:latin typeface="인터파크고딕 L" pitchFamily="2" charset="-127"/>
+                <a:ea typeface="인터파크고딕 L" pitchFamily="2" charset="-127"/>
+              </a:rPr>
+              <a:t>    }</a:t>
+            </a:r>
+          </a:p>
+          <a:p>
+            <a:pPr>
+              <a:lnSpc>
+                <a:spcPct val="150000"/>
+              </a:lnSpc>
+            </a:pPr>
+            <a:r>
+              <a:rPr lang="en-US" altLang="ko-KR" sz="1200" dirty="0" smtClean="0">
+                <a:ln>
+                  <a:solidFill>
+                    <a:srgbClr val="FF7C80">
+                      <a:alpha val="90000"/>
+                    </a:srgbClr>
+                  </a:solidFill>
+                </a:ln>
+                <a:solidFill>
+                  <a:srgbClr val="FF7C80"/>
+                </a:solidFill>
+                <a:latin typeface="인터파크고딕 L" pitchFamily="2" charset="-127"/>
+                <a:ea typeface="인터파크고딕 L" pitchFamily="2" charset="-127"/>
+              </a:rPr>
+              <a:t>    </a:t>
+            </a:r>
+            <a:r>
+              <a:rPr lang="en-US" altLang="ko-KR" sz="1200" dirty="0" err="1" smtClean="0">
+                <a:ln>
+                  <a:solidFill>
+                    <a:srgbClr val="FF7C80">
+                      <a:alpha val="90000"/>
+                    </a:srgbClr>
+                  </a:solidFill>
+                </a:ln>
+                <a:solidFill>
+                  <a:srgbClr val="FF7C80"/>
+                </a:solidFill>
+                <a:latin typeface="인터파크고딕 L" pitchFamily="2" charset="-127"/>
+                <a:ea typeface="인터파크고딕 L" pitchFamily="2" charset="-127"/>
+              </a:rPr>
+              <a:t>fclose</a:t>
+            </a:r>
+            <a:r>
+              <a:rPr lang="en-US" altLang="ko-KR" sz="1200" dirty="0" smtClean="0">
+                <a:ln>
+                  <a:solidFill>
+                    <a:srgbClr val="FF7C80">
+                      <a:alpha val="90000"/>
+                    </a:srgbClr>
+                  </a:solidFill>
+                </a:ln>
+                <a:solidFill>
+                  <a:srgbClr val="FF7C80"/>
+                </a:solidFill>
+                <a:latin typeface="인터파크고딕 L" pitchFamily="2" charset="-127"/>
+                <a:ea typeface="인터파크고딕 L" pitchFamily="2" charset="-127"/>
+              </a:rPr>
+              <a:t>(</a:t>
+            </a:r>
+            <a:r>
+              <a:rPr lang="en-US" altLang="ko-KR" sz="1200" dirty="0" err="1" smtClean="0">
+                <a:ln>
+                  <a:solidFill>
+                    <a:srgbClr val="FF7C80">
+                      <a:alpha val="90000"/>
+                    </a:srgbClr>
+                  </a:solidFill>
+                </a:ln>
+                <a:solidFill>
+                  <a:srgbClr val="FF7C80"/>
+                </a:solidFill>
+                <a:latin typeface="인터파크고딕 L" pitchFamily="2" charset="-127"/>
+                <a:ea typeface="인터파크고딕 L" pitchFamily="2" charset="-127"/>
+              </a:rPr>
+              <a:t>fpin</a:t>
+            </a:r>
+            <a:r>
+              <a:rPr lang="en-US" altLang="ko-KR" sz="1200" dirty="0" smtClean="0">
+                <a:ln>
+                  <a:solidFill>
+                    <a:srgbClr val="FF7C80">
+                      <a:alpha val="90000"/>
+                    </a:srgbClr>
+                  </a:solidFill>
+                </a:ln>
+                <a:solidFill>
+                  <a:srgbClr val="FF7C80"/>
+                </a:solidFill>
+                <a:latin typeface="인터파크고딕 L" pitchFamily="2" charset="-127"/>
+                <a:ea typeface="인터파크고딕 L" pitchFamily="2" charset="-127"/>
+              </a:rPr>
+              <a:t>);</a:t>
+            </a:r>
+          </a:p>
+          <a:p>
+            <a:pPr>
+              <a:lnSpc>
+                <a:spcPct val="150000"/>
+              </a:lnSpc>
+            </a:pPr>
+            <a:r>
+              <a:rPr lang="en-US" altLang="ko-KR" sz="1200" dirty="0" smtClean="0">
+                <a:ln>
+                  <a:solidFill>
                     <a:srgbClr val="009999">
                       <a:alpha val="90000"/>
                     </a:srgbClr>
@@ -18845,7 +20027,7 @@
                 <a:latin typeface="인터파크고딕 L" pitchFamily="2" charset="-127"/>
                 <a:ea typeface="인터파크고딕 L" pitchFamily="2" charset="-127"/>
               </a:rPr>
-              <a:t>        </a:t>
+              <a:t>    </a:t>
             </a:r>
             <a:r>
               <a:rPr lang="en-US" altLang="ko-KR" sz="1200" dirty="0" err="1" smtClean="0">
@@ -18862,7 +20044,7 @@
                 <a:latin typeface="인터파크고딕 L" pitchFamily="2" charset="-127"/>
                 <a:ea typeface="인터파크고딕 L" pitchFamily="2" charset="-127"/>
               </a:rPr>
-              <a:t>sort_rank</a:t>
+              <a:t>print_rank</a:t>
             </a:r>
             <a:r>
               <a:rPr lang="en-US" altLang="ko-KR" sz="1200" dirty="0" smtClean="0">
@@ -18879,243 +20061,8 @@
                 <a:latin typeface="인터파크고딕 L" pitchFamily="2" charset="-127"/>
                 <a:ea typeface="인터파크고딕 L" pitchFamily="2" charset="-127"/>
               </a:rPr>
-              <a:t>(pout);</a:t>
-            </a:r>
-          </a:p>
-          <a:p>
-            <a:pPr>
-              <a:lnSpc>
-                <a:spcPct val="150000"/>
-              </a:lnSpc>
-            </a:pPr>
-            <a:r>
-              <a:rPr lang="en-US" altLang="ko-KR" sz="1200" dirty="0" smtClean="0">
-                <a:ln>
-                  <a:solidFill>
-                    <a:schemeClr val="bg1">
-                      <a:alpha val="90000"/>
-                    </a:schemeClr>
-                  </a:solidFill>
-                </a:ln>
-                <a:solidFill>
-                  <a:schemeClr val="bg1">
-                    <a:lumMod val="95000"/>
-                  </a:schemeClr>
-                </a:solidFill>
-                <a:latin typeface="인터파크고딕 L" pitchFamily="2" charset="-127"/>
-                <a:ea typeface="인터파크고딕 L" pitchFamily="2" charset="-127"/>
-              </a:rPr>
-              <a:t>    else {</a:t>
-            </a:r>
-          </a:p>
-          <a:p>
-            <a:pPr>
-              <a:lnSpc>
-                <a:spcPct val="150000"/>
-              </a:lnSpc>
-            </a:pPr>
-            <a:r>
-              <a:rPr lang="en-US" altLang="ko-KR" sz="1200" dirty="0" smtClean="0">
-                <a:ln>
-                  <a:solidFill>
-                    <a:srgbClr val="009999">
-                      <a:alpha val="90000"/>
-                    </a:srgbClr>
-                  </a:solidFill>
-                </a:ln>
-                <a:solidFill>
-                  <a:srgbClr val="009999"/>
-                </a:solidFill>
-                <a:latin typeface="인터파크고딕 L" pitchFamily="2" charset="-127"/>
-                <a:ea typeface="인터파크고딕 L" pitchFamily="2" charset="-127"/>
-              </a:rPr>
-              <a:t>        </a:t>
-            </a:r>
-            <a:r>
-              <a:rPr lang="en-US" altLang="ko-KR" sz="1200" dirty="0" err="1" smtClean="0">
-                <a:ln>
-                  <a:solidFill>
-                    <a:srgbClr val="009999">
-                      <a:alpha val="90000"/>
-                    </a:srgbClr>
-                  </a:solidFill>
-                </a:ln>
-                <a:solidFill>
-                  <a:srgbClr val="009999"/>
-                </a:solidFill>
-                <a:latin typeface="인터파크고딕 L" pitchFamily="2" charset="-127"/>
-                <a:ea typeface="인터파크고딕 L" pitchFamily="2" charset="-127"/>
-              </a:rPr>
-              <a:t>store_sorted_rank</a:t>
-            </a:r>
-            <a:r>
-              <a:rPr lang="en-US" altLang="ko-KR" sz="1200" dirty="0" smtClean="0">
-                <a:ln>
-                  <a:solidFill>
-                    <a:srgbClr val="009999">
-                      <a:alpha val="90000"/>
-                    </a:srgbClr>
-                  </a:solidFill>
-                </a:ln>
-                <a:solidFill>
-                  <a:srgbClr val="009999"/>
-                </a:solidFill>
-                <a:latin typeface="인터파크고딕 L" pitchFamily="2" charset="-127"/>
-                <a:ea typeface="인터파크고딕 L" pitchFamily="2" charset="-127"/>
-              </a:rPr>
-              <a:t>(pout</a:t>
-            </a:r>
-            <a:r>
-              <a:rPr lang="en-US" altLang="ko-KR" sz="1200" dirty="0" smtClean="0">
-                <a:ln>
-                  <a:solidFill>
-                    <a:srgbClr val="009999">
-                      <a:alpha val="90000"/>
-                    </a:srgbClr>
-                  </a:solidFill>
-                </a:ln>
-                <a:solidFill>
-                  <a:srgbClr val="009999"/>
-                </a:solidFill>
-                <a:latin typeface="인터파크고딕 L" pitchFamily="2" charset="-127"/>
-                <a:ea typeface="인터파크고딕 L" pitchFamily="2" charset="-127"/>
-              </a:rPr>
-              <a:t>); </a:t>
-            </a:r>
-            <a:r>
-              <a:rPr lang="en-US" altLang="ko-KR" sz="1200" dirty="0" smtClean="0">
-                <a:ln>
-                  <a:solidFill>
-                    <a:schemeClr val="bg1">
-                      <a:alpha val="90000"/>
-                    </a:schemeClr>
-                  </a:solidFill>
-                </a:ln>
-                <a:solidFill>
-                  <a:schemeClr val="bg1">
-                    <a:lumMod val="95000"/>
-                  </a:schemeClr>
-                </a:solidFill>
-                <a:latin typeface="인터파크고딕 L" pitchFamily="2" charset="-127"/>
-                <a:ea typeface="인터파크고딕 L" pitchFamily="2" charset="-127"/>
-              </a:rPr>
-              <a:t>       </a:t>
-            </a:r>
-            <a:r>
-              <a:rPr lang="en-US" altLang="ko-KR" sz="1200" dirty="0" smtClean="0">
-                <a:ln>
-                  <a:solidFill>
-                    <a:schemeClr val="bg1">
-                      <a:alpha val="90000"/>
-                    </a:schemeClr>
-                  </a:solidFill>
-                </a:ln>
-                <a:solidFill>
-                  <a:schemeClr val="bg1">
-                    <a:lumMod val="95000"/>
-                  </a:schemeClr>
-                </a:solidFill>
-                <a:latin typeface="인터파크고딕 L" pitchFamily="2" charset="-127"/>
-                <a:ea typeface="인터파크고딕 L" pitchFamily="2" charset="-127"/>
-              </a:rPr>
-              <a:t>wait(NULL</a:t>
-            </a:r>
-            <a:r>
-              <a:rPr lang="en-US" altLang="ko-KR" sz="1200" dirty="0" smtClean="0">
-                <a:ln>
-                  <a:solidFill>
-                    <a:schemeClr val="bg1">
-                      <a:alpha val="90000"/>
-                    </a:schemeClr>
-                  </a:solidFill>
-                </a:ln>
-                <a:solidFill>
-                  <a:schemeClr val="bg1">
-                    <a:lumMod val="95000"/>
-                  </a:schemeClr>
-                </a:solidFill>
-                <a:latin typeface="인터파크고딕 L" pitchFamily="2" charset="-127"/>
-                <a:ea typeface="인터파크고딕 L" pitchFamily="2" charset="-127"/>
-              </a:rPr>
-              <a:t>);</a:t>
-            </a:r>
-            <a:endParaRPr lang="en-US" altLang="ko-KR" sz="1200" dirty="0" smtClean="0">
-              <a:ln>
-                <a:solidFill>
-                  <a:schemeClr val="bg1">
-                    <a:alpha val="90000"/>
-                  </a:schemeClr>
-                </a:solidFill>
-              </a:ln>
-              <a:solidFill>
-                <a:schemeClr val="bg1">
-                  <a:lumMod val="95000"/>
-                </a:schemeClr>
-              </a:solidFill>
-              <a:latin typeface="인터파크고딕 L" pitchFamily="2" charset="-127"/>
-              <a:ea typeface="인터파크고딕 L" pitchFamily="2" charset="-127"/>
-            </a:endParaRPr>
-          </a:p>
-          <a:p>
-            <a:pPr>
-              <a:lnSpc>
-                <a:spcPct val="150000"/>
-              </a:lnSpc>
-            </a:pPr>
-            <a:r>
-              <a:rPr lang="en-US" altLang="ko-KR" sz="1200" dirty="0" smtClean="0">
-                <a:ln>
-                  <a:solidFill>
-                    <a:schemeClr val="bg1">
-                      <a:alpha val="90000"/>
-                    </a:schemeClr>
-                  </a:solidFill>
-                </a:ln>
-                <a:solidFill>
-                  <a:schemeClr val="bg1">
-                    <a:lumMod val="95000"/>
-                  </a:schemeClr>
-                </a:solidFill>
-                <a:latin typeface="인터파크고딕 L" pitchFamily="2" charset="-127"/>
-                <a:ea typeface="인터파크고딕 L" pitchFamily="2" charset="-127"/>
-              </a:rPr>
-              <a:t>    </a:t>
-            </a:r>
-            <a:r>
-              <a:rPr lang="en-US" altLang="ko-KR" sz="1200" dirty="0" smtClean="0">
-                <a:ln>
-                  <a:solidFill>
-                    <a:schemeClr val="bg1">
-                      <a:alpha val="90000"/>
-                    </a:schemeClr>
-                  </a:solidFill>
-                </a:ln>
-                <a:solidFill>
-                  <a:schemeClr val="bg1">
-                    <a:lumMod val="95000"/>
-                  </a:schemeClr>
-                </a:solidFill>
-                <a:latin typeface="인터파크고딕 L" pitchFamily="2" charset="-127"/>
-                <a:ea typeface="인터파크고딕 L" pitchFamily="2" charset="-127"/>
-              </a:rPr>
-              <a:t>}   </a:t>
-            </a:r>
-            <a:endParaRPr lang="en-US" altLang="ko-KR" sz="1200" dirty="0" smtClean="0">
-              <a:ln>
-                <a:solidFill>
-                  <a:schemeClr val="bg1">
-                    <a:alpha val="90000"/>
-                  </a:schemeClr>
-                </a:solidFill>
-              </a:ln>
-              <a:solidFill>
-                <a:schemeClr val="bg1">
-                  <a:lumMod val="95000"/>
-                </a:schemeClr>
-              </a:solidFill>
-              <a:latin typeface="인터파크고딕 L" pitchFamily="2" charset="-127"/>
-              <a:ea typeface="인터파크고딕 L" pitchFamily="2" charset="-127"/>
-            </a:endParaRPr>
+              <a:t>();</a:t>
+            </a:r>
           </a:p>
           <a:p>
             <a:pPr>
@@ -19348,1516 +20295,6 @@
         <p:spPr>
           <a:xfrm>
             <a:off x="3840368" y="1034341"/>
-            <a:ext cx="2768707" cy="923330"/>
-          </a:xfrm>
-          <a:prstGeom prst="rect">
-            <a:avLst/>
-          </a:prstGeom>
-          <a:noFill/>
-          <a:ln>
-            <a:solidFill>
-              <a:schemeClr val="bg1">
-                <a:alpha val="0"/>
-              </a:schemeClr>
-            </a:solidFill>
-          </a:ln>
-        </p:spPr>
-        <p:txBody>
-          <a:bodyPr wrap="none" rtlCol="0" anchor="ctr">
-            <a:spAutoFit/>
-          </a:bodyPr>
-          <a:lstStyle/>
-          <a:p>
-            <a:pPr>
-              <a:lnSpc>
-                <a:spcPct val="150000"/>
-              </a:lnSpc>
-            </a:pPr>
-            <a:r>
-              <a:rPr lang="ko-KR" altLang="en-US" dirty="0" smtClean="0">
-                <a:ln>
-                  <a:solidFill>
-                    <a:schemeClr val="bg1">
-                      <a:alpha val="90000"/>
-                    </a:schemeClr>
-                  </a:solidFill>
-                </a:ln>
-                <a:solidFill>
-                  <a:schemeClr val="bg1">
-                    <a:lumMod val="95000"/>
-                  </a:schemeClr>
-                </a:solidFill>
-                <a:latin typeface="인터파크고딕 L" pitchFamily="2" charset="-127"/>
-                <a:ea typeface="인터파크고딕 L" pitchFamily="2" charset="-127"/>
-              </a:rPr>
-              <a:t>랭킹 저장 </a:t>
-            </a:r>
-            <a:r>
-              <a:rPr lang="en-US" altLang="ko-KR" dirty="0" smtClean="0">
-                <a:ln>
-                  <a:solidFill>
-                    <a:schemeClr val="bg1">
-                      <a:alpha val="90000"/>
-                    </a:schemeClr>
-                  </a:solidFill>
-                </a:ln>
-                <a:solidFill>
-                  <a:schemeClr val="bg1">
-                    <a:lumMod val="95000"/>
-                  </a:schemeClr>
-                </a:solidFill>
-                <a:latin typeface="인터파크고딕 L" pitchFamily="2" charset="-127"/>
-                <a:ea typeface="인터파크고딕 L" pitchFamily="2" charset="-127"/>
-              </a:rPr>
-              <a:t>&amp; </a:t>
-            </a:r>
-            <a:r>
-              <a:rPr lang="ko-KR" altLang="en-US" dirty="0" smtClean="0">
-                <a:ln>
-                  <a:solidFill>
-                    <a:schemeClr val="bg1">
-                      <a:alpha val="90000"/>
-                    </a:schemeClr>
-                  </a:solidFill>
-                </a:ln>
-                <a:solidFill>
-                  <a:schemeClr val="bg1">
-                    <a:lumMod val="95000"/>
-                  </a:schemeClr>
-                </a:solidFill>
-                <a:latin typeface="인터파크고딕 L" pitchFamily="2" charset="-127"/>
-                <a:ea typeface="인터파크고딕 L" pitchFamily="2" charset="-127"/>
-              </a:rPr>
-              <a:t>출력 </a:t>
-            </a:r>
-            <a:r>
-              <a:rPr lang="en-US" altLang="ko-KR" dirty="0" smtClean="0">
-                <a:ln>
-                  <a:solidFill>
-                    <a:schemeClr val="bg1">
-                      <a:alpha val="90000"/>
-                    </a:schemeClr>
-                  </a:solidFill>
-                </a:ln>
-                <a:solidFill>
-                  <a:schemeClr val="bg1">
-                    <a:lumMod val="95000"/>
-                  </a:schemeClr>
-                </a:solidFill>
-                <a:latin typeface="인터파크고딕 L" pitchFamily="2" charset="-127"/>
-                <a:ea typeface="인터파크고딕 L" pitchFamily="2" charset="-127"/>
-              </a:rPr>
-              <a:t>(3)</a:t>
-            </a:r>
-          </a:p>
-          <a:p>
-            <a:pPr>
-              <a:lnSpc>
-                <a:spcPct val="150000"/>
-              </a:lnSpc>
-            </a:pPr>
-            <a:r>
-              <a:rPr lang="en-US" altLang="ko-KR" dirty="0" smtClean="0">
-                <a:ln>
-                  <a:solidFill>
-                    <a:schemeClr val="bg1">
-                      <a:alpha val="90000"/>
-                    </a:schemeClr>
-                  </a:solidFill>
-                </a:ln>
-                <a:solidFill>
-                  <a:schemeClr val="bg1">
-                    <a:lumMod val="95000"/>
-                  </a:schemeClr>
-                </a:solidFill>
-                <a:latin typeface="인터파크고딕 L" pitchFamily="2" charset="-127"/>
-                <a:ea typeface="인터파크고딕 L" pitchFamily="2" charset="-127"/>
-              </a:rPr>
-              <a:t>Void </a:t>
-            </a:r>
-            <a:r>
-              <a:rPr lang="en-US" altLang="ko-KR" dirty="0" err="1" smtClean="0">
-                <a:ln>
-                  <a:solidFill>
-                    <a:schemeClr val="bg1">
-                      <a:alpha val="90000"/>
-                    </a:schemeClr>
-                  </a:solidFill>
-                </a:ln>
-                <a:solidFill>
-                  <a:schemeClr val="bg1">
-                    <a:lumMod val="95000"/>
-                  </a:schemeClr>
-                </a:solidFill>
-                <a:latin typeface="인터파크고딕 L" pitchFamily="2" charset="-127"/>
-                <a:ea typeface="인터파크고딕 L" pitchFamily="2" charset="-127"/>
-              </a:rPr>
-              <a:t>store_sorted_rank</a:t>
-            </a:r>
-            <a:endParaRPr lang="en-US" altLang="ko-KR" dirty="0" smtClean="0">
-              <a:ln>
-                <a:solidFill>
-                  <a:schemeClr val="bg1">
-                    <a:alpha val="90000"/>
-                  </a:schemeClr>
-                </a:solidFill>
-              </a:ln>
-              <a:solidFill>
-                <a:schemeClr val="bg1">
-                  <a:lumMod val="95000"/>
-                </a:schemeClr>
-              </a:solidFill>
-              <a:latin typeface="인터파크고딕 L" pitchFamily="2" charset="-127"/>
-              <a:ea typeface="인터파크고딕 L" pitchFamily="2" charset="-127"/>
-            </a:endParaRPr>
-          </a:p>
-        </p:txBody>
-      </p:sp>
-      <p:sp>
-        <p:nvSpPr>
-          <p:cNvPr id="7" name="이등변 삼각형 6"/>
-          <p:cNvSpPr/>
-          <p:nvPr/>
-        </p:nvSpPr>
-        <p:spPr>
-          <a:xfrm rot="16200000" flipH="1" flipV="1">
-            <a:off x="3695261" y="1242259"/>
-            <a:ext cx="142877" cy="103910"/>
-          </a:xfrm>
-          <a:prstGeom prst="triangle">
-            <a:avLst/>
-          </a:prstGeom>
-          <a:solidFill>
-            <a:schemeClr val="bg1"/>
-          </a:solidFill>
-          <a:ln>
-            <a:solidFill>
-              <a:schemeClr val="bg1"/>
-            </a:solidFill>
-          </a:ln>
-        </p:spPr>
-        <p:style>
-          <a:lnRef idx="2">
-            <a:schemeClr val="accent1">
-              <a:shade val="50000"/>
-            </a:schemeClr>
-          </a:lnRef>
-          <a:fillRef idx="1">
-            <a:schemeClr val="accent1"/>
-          </a:fillRef>
-          <a:effectRef idx="0">
-            <a:schemeClr val="accent1"/>
-          </a:effectRef>
-          <a:fontRef idx="minor">
-            <a:schemeClr val="lt1"/>
-          </a:fontRef>
-        </p:style>
-        <p:txBody>
-          <a:bodyPr rtlCol="0" anchor="ctr"/>
-          <a:lstStyle/>
-          <a:p>
-            <a:pPr algn="ctr"/>
-            <a:endParaRPr lang="ko-KR" altLang="en-US"/>
-          </a:p>
-        </p:txBody>
-      </p:sp>
-      <p:cxnSp>
-        <p:nvCxnSpPr>
-          <p:cNvPr id="8" name="직선 연결선 7"/>
-          <p:cNvCxnSpPr/>
-          <p:nvPr/>
-        </p:nvCxnSpPr>
-        <p:spPr>
-          <a:xfrm>
-            <a:off x="3571868" y="2214554"/>
-            <a:ext cx="4286280" cy="1588"/>
-          </a:xfrm>
-          <a:prstGeom prst="line">
-            <a:avLst/>
-          </a:prstGeom>
-          <a:ln w="57150">
-            <a:solidFill>
-              <a:schemeClr val="bg1"/>
-            </a:solidFill>
-          </a:ln>
-        </p:spPr>
-        <p:style>
-          <a:lnRef idx="1">
-            <a:schemeClr val="accent1"/>
-          </a:lnRef>
-          <a:fillRef idx="0">
-            <a:schemeClr val="accent1"/>
-          </a:fillRef>
-          <a:effectRef idx="0">
-            <a:schemeClr val="accent1"/>
-          </a:effectRef>
-          <a:fontRef idx="minor">
-            <a:schemeClr val="tx1"/>
-          </a:fontRef>
-        </p:style>
-      </p:cxnSp>
-      <p:sp>
-        <p:nvSpPr>
-          <p:cNvPr id="9" name="TextBox 8"/>
-          <p:cNvSpPr txBox="1"/>
-          <p:nvPr/>
-        </p:nvSpPr>
-        <p:spPr>
-          <a:xfrm>
-            <a:off x="3643306" y="2643182"/>
-            <a:ext cx="4070345" cy="3970318"/>
-          </a:xfrm>
-          <a:prstGeom prst="rect">
-            <a:avLst/>
-          </a:prstGeom>
-          <a:noFill/>
-          <a:ln>
-            <a:solidFill>
-              <a:schemeClr val="bg1">
-                <a:alpha val="0"/>
-              </a:schemeClr>
-            </a:solidFill>
-          </a:ln>
-        </p:spPr>
-        <p:txBody>
-          <a:bodyPr wrap="none" rtlCol="0" anchor="ctr">
-            <a:spAutoFit/>
-          </a:bodyPr>
-          <a:lstStyle/>
-          <a:p>
-            <a:pPr>
-              <a:lnSpc>
-                <a:spcPct val="150000"/>
-              </a:lnSpc>
-            </a:pPr>
-            <a:r>
-              <a:rPr lang="en-US" altLang="ko-KR" sz="1200" dirty="0" smtClean="0">
-                <a:ln>
-                  <a:solidFill>
-                    <a:schemeClr val="bg1">
-                      <a:alpha val="90000"/>
-                    </a:schemeClr>
-                  </a:solidFill>
-                </a:ln>
-                <a:solidFill>
-                  <a:schemeClr val="bg1">
-                    <a:lumMod val="95000"/>
-                  </a:schemeClr>
-                </a:solidFill>
-                <a:latin typeface="인터파크고딕 L" pitchFamily="2" charset="-127"/>
-                <a:ea typeface="인터파크고딕 L" pitchFamily="2" charset="-127"/>
-              </a:rPr>
-              <a:t>void </a:t>
-            </a:r>
-            <a:r>
-              <a:rPr lang="en-US" altLang="ko-KR" sz="1200" dirty="0" err="1" smtClean="0">
-                <a:ln>
-                  <a:solidFill>
-                    <a:schemeClr val="bg1">
-                      <a:alpha val="90000"/>
-                    </a:schemeClr>
-                  </a:solidFill>
-                </a:ln>
-                <a:solidFill>
-                  <a:schemeClr val="bg1">
-                    <a:lumMod val="95000"/>
-                  </a:schemeClr>
-                </a:solidFill>
-                <a:latin typeface="인터파크고딕 L" pitchFamily="2" charset="-127"/>
-                <a:ea typeface="인터파크고딕 L" pitchFamily="2" charset="-127"/>
-              </a:rPr>
-              <a:t>store_sorted_rank</a:t>
-            </a:r>
-            <a:r>
-              <a:rPr lang="en-US" altLang="ko-KR" sz="1200" dirty="0" smtClean="0">
-                <a:ln>
-                  <a:solidFill>
-                    <a:schemeClr val="bg1">
-                      <a:alpha val="90000"/>
-                    </a:schemeClr>
-                  </a:solidFill>
-                </a:ln>
-                <a:solidFill>
-                  <a:schemeClr val="bg1">
-                    <a:lumMod val="95000"/>
-                  </a:schemeClr>
-                </a:solidFill>
-                <a:latin typeface="인터파크고딕 L" pitchFamily="2" charset="-127"/>
-                <a:ea typeface="인터파크고딕 L" pitchFamily="2" charset="-127"/>
-              </a:rPr>
-              <a:t>(</a:t>
-            </a:r>
-            <a:r>
-              <a:rPr lang="en-US" altLang="ko-KR" sz="1200" dirty="0" err="1" smtClean="0">
-                <a:ln>
-                  <a:solidFill>
-                    <a:schemeClr val="bg1">
-                      <a:alpha val="90000"/>
-                    </a:schemeClr>
-                  </a:solidFill>
-                </a:ln>
-                <a:solidFill>
-                  <a:schemeClr val="bg1">
-                    <a:lumMod val="95000"/>
-                  </a:schemeClr>
-                </a:solidFill>
-                <a:latin typeface="인터파크고딕 L" pitchFamily="2" charset="-127"/>
-                <a:ea typeface="인터파크고딕 L" pitchFamily="2" charset="-127"/>
-              </a:rPr>
-              <a:t>int</a:t>
-            </a:r>
-            <a:r>
-              <a:rPr lang="en-US" altLang="ko-KR" sz="1200" dirty="0" smtClean="0">
-                <a:ln>
-                  <a:solidFill>
-                    <a:schemeClr val="bg1">
-                      <a:alpha val="90000"/>
-                    </a:schemeClr>
-                  </a:solidFill>
-                </a:ln>
-                <a:solidFill>
-                  <a:schemeClr val="bg1">
-                    <a:lumMod val="95000"/>
-                  </a:schemeClr>
-                </a:solidFill>
-                <a:latin typeface="인터파크고딕 L" pitchFamily="2" charset="-127"/>
-                <a:ea typeface="인터파크고딕 L" pitchFamily="2" charset="-127"/>
-              </a:rPr>
-              <a:t> pipe[2])</a:t>
-            </a:r>
-          </a:p>
-          <a:p>
-            <a:pPr>
-              <a:lnSpc>
-                <a:spcPct val="150000"/>
-              </a:lnSpc>
-            </a:pPr>
-            <a:r>
-              <a:rPr lang="en-US" altLang="ko-KR" sz="1200" dirty="0" smtClean="0">
-                <a:ln>
-                  <a:solidFill>
-                    <a:schemeClr val="bg1">
-                      <a:alpha val="90000"/>
-                    </a:schemeClr>
-                  </a:solidFill>
-                </a:ln>
-                <a:solidFill>
-                  <a:schemeClr val="bg1">
-                    <a:lumMod val="95000"/>
-                  </a:schemeClr>
-                </a:solidFill>
-                <a:latin typeface="인터파크고딕 L" pitchFamily="2" charset="-127"/>
-                <a:ea typeface="인터파크고딕 L" pitchFamily="2" charset="-127"/>
-              </a:rPr>
-              <a:t>{</a:t>
-            </a:r>
-          </a:p>
-          <a:p>
-            <a:pPr>
-              <a:lnSpc>
-                <a:spcPct val="150000"/>
-              </a:lnSpc>
-            </a:pPr>
-            <a:r>
-              <a:rPr lang="en-US" altLang="ko-KR" sz="1200" dirty="0" smtClean="0">
-                <a:ln>
-                  <a:solidFill>
-                    <a:schemeClr val="bg1">
-                      <a:alpha val="90000"/>
-                    </a:schemeClr>
-                  </a:solidFill>
-                </a:ln>
-                <a:solidFill>
-                  <a:schemeClr val="bg1">
-                    <a:lumMod val="95000"/>
-                  </a:schemeClr>
-                </a:solidFill>
-                <a:latin typeface="인터파크고딕 L" pitchFamily="2" charset="-127"/>
-                <a:ea typeface="인터파크고딕 L" pitchFamily="2" charset="-127"/>
-              </a:rPr>
-              <a:t>    FILE	*</a:t>
-            </a:r>
-            <a:r>
-              <a:rPr lang="en-US" altLang="ko-KR" sz="1200" dirty="0" err="1" smtClean="0">
-                <a:ln>
-                  <a:solidFill>
-                    <a:schemeClr val="bg1">
-                      <a:alpha val="90000"/>
-                    </a:schemeClr>
-                  </a:solidFill>
-                </a:ln>
-                <a:solidFill>
-                  <a:schemeClr val="bg1">
-                    <a:lumMod val="95000"/>
-                  </a:schemeClr>
-                </a:solidFill>
-                <a:latin typeface="인터파크고딕 L" pitchFamily="2" charset="-127"/>
-                <a:ea typeface="인터파크고딕 L" pitchFamily="2" charset="-127"/>
-              </a:rPr>
-              <a:t>fpin</a:t>
-            </a:r>
-            <a:r>
-              <a:rPr lang="en-US" altLang="ko-KR" sz="1200" dirty="0" smtClean="0">
-                <a:ln>
-                  <a:solidFill>
-                    <a:schemeClr val="bg1">
-                      <a:alpha val="90000"/>
-                    </a:schemeClr>
-                  </a:solidFill>
-                </a:ln>
-                <a:solidFill>
-                  <a:schemeClr val="bg1">
-                    <a:lumMod val="95000"/>
-                  </a:schemeClr>
-                </a:solidFill>
-                <a:latin typeface="인터파크고딕 L" pitchFamily="2" charset="-127"/>
-                <a:ea typeface="인터파크고딕 L" pitchFamily="2" charset="-127"/>
-              </a:rPr>
-              <a:t>, *</a:t>
-            </a:r>
-            <a:r>
-              <a:rPr lang="en-US" altLang="ko-KR" sz="1200" dirty="0" err="1" smtClean="0">
-                <a:ln>
-                  <a:solidFill>
-                    <a:schemeClr val="bg1">
-                      <a:alpha val="90000"/>
-                    </a:schemeClr>
-                  </a:solidFill>
-                </a:ln>
-                <a:solidFill>
-                  <a:schemeClr val="bg1">
-                    <a:lumMod val="95000"/>
-                  </a:schemeClr>
-                </a:solidFill>
-                <a:latin typeface="인터파크고딕 L" pitchFamily="2" charset="-127"/>
-                <a:ea typeface="인터파크고딕 L" pitchFamily="2" charset="-127"/>
-              </a:rPr>
-              <a:t>fdopen</a:t>
-            </a:r>
-            <a:r>
-              <a:rPr lang="en-US" altLang="ko-KR" sz="1200" dirty="0" smtClean="0">
-                <a:ln>
-                  <a:solidFill>
-                    <a:schemeClr val="bg1">
-                      <a:alpha val="90000"/>
-                    </a:schemeClr>
-                  </a:solidFill>
-                </a:ln>
-                <a:solidFill>
-                  <a:schemeClr val="bg1">
-                    <a:lumMod val="95000"/>
-                  </a:schemeClr>
-                </a:solidFill>
-                <a:latin typeface="인터파크고딕 L" pitchFamily="2" charset="-127"/>
-                <a:ea typeface="인터파크고딕 L" pitchFamily="2" charset="-127"/>
-              </a:rPr>
-              <a:t>();    </a:t>
-            </a:r>
-            <a:endParaRPr lang="en-US" altLang="ko-KR" sz="1200" dirty="0" smtClean="0">
-              <a:ln>
-                <a:solidFill>
-                  <a:schemeClr val="bg1">
-                    <a:alpha val="90000"/>
-                  </a:schemeClr>
-                </a:solidFill>
-              </a:ln>
-              <a:solidFill>
-                <a:schemeClr val="bg1">
-                  <a:lumMod val="95000"/>
-                </a:schemeClr>
-              </a:solidFill>
-              <a:latin typeface="인터파크고딕 L" pitchFamily="2" charset="-127"/>
-              <a:ea typeface="인터파크고딕 L" pitchFamily="2" charset="-127"/>
-            </a:endParaRPr>
-          </a:p>
-          <a:p>
-            <a:pPr>
-              <a:lnSpc>
-                <a:spcPct val="150000"/>
-              </a:lnSpc>
-            </a:pPr>
-            <a:r>
-              <a:rPr lang="en-US" altLang="ko-KR" sz="1200" dirty="0" smtClean="0">
-                <a:ln>
-                  <a:solidFill>
-                    <a:srgbClr val="FF7C80">
-                      <a:alpha val="90000"/>
-                    </a:srgbClr>
-                  </a:solidFill>
-                </a:ln>
-                <a:solidFill>
-                  <a:srgbClr val="FF7C80"/>
-                </a:solidFill>
-                <a:latin typeface="인터파크고딕 L" pitchFamily="2" charset="-127"/>
-                <a:ea typeface="인터파크고딕 L" pitchFamily="2" charset="-127"/>
-              </a:rPr>
-              <a:t>    </a:t>
-            </a:r>
-            <a:r>
-              <a:rPr lang="en-US" altLang="ko-KR" sz="1200" dirty="0" err="1" smtClean="0">
-                <a:ln>
-                  <a:solidFill>
-                    <a:srgbClr val="FF7C80">
-                      <a:alpha val="90000"/>
-                    </a:srgbClr>
-                  </a:solidFill>
-                </a:ln>
-                <a:solidFill>
-                  <a:srgbClr val="FF7C80"/>
-                </a:solidFill>
-                <a:latin typeface="인터파크고딕 L" pitchFamily="2" charset="-127"/>
-                <a:ea typeface="인터파크고딕 L" pitchFamily="2" charset="-127"/>
-              </a:rPr>
-              <a:t>fpin</a:t>
-            </a:r>
-            <a:r>
-              <a:rPr lang="en-US" altLang="ko-KR" sz="1200" dirty="0" smtClean="0">
-                <a:ln>
-                  <a:solidFill>
-                    <a:srgbClr val="FF7C80">
-                      <a:alpha val="90000"/>
-                    </a:srgbClr>
-                  </a:solidFill>
-                </a:ln>
-                <a:solidFill>
-                  <a:srgbClr val="FF7C80"/>
-                </a:solidFill>
-                <a:latin typeface="인터파크고딕 L" pitchFamily="2" charset="-127"/>
-                <a:ea typeface="인터파크고딕 L" pitchFamily="2" charset="-127"/>
-              </a:rPr>
-              <a:t>  = </a:t>
-            </a:r>
-            <a:r>
-              <a:rPr lang="en-US" altLang="ko-KR" sz="1200" dirty="0" err="1" smtClean="0">
-                <a:ln>
-                  <a:solidFill>
-                    <a:srgbClr val="FF7C80">
-                      <a:alpha val="90000"/>
-                    </a:srgbClr>
-                  </a:solidFill>
-                </a:ln>
-                <a:solidFill>
-                  <a:srgbClr val="FF7C80"/>
-                </a:solidFill>
-                <a:latin typeface="인터파크고딕 L" pitchFamily="2" charset="-127"/>
-                <a:ea typeface="인터파크고딕 L" pitchFamily="2" charset="-127"/>
-              </a:rPr>
-              <a:t>fdopen</a:t>
-            </a:r>
-            <a:r>
-              <a:rPr lang="en-US" altLang="ko-KR" sz="1200" dirty="0" smtClean="0">
-                <a:ln>
-                  <a:solidFill>
-                    <a:srgbClr val="FF7C80">
-                      <a:alpha val="90000"/>
-                    </a:srgbClr>
-                  </a:solidFill>
-                </a:ln>
-                <a:solidFill>
-                  <a:srgbClr val="FF7C80"/>
-                </a:solidFill>
-                <a:latin typeface="인터파크고딕 L" pitchFamily="2" charset="-127"/>
-                <a:ea typeface="인터파크고딕 L" pitchFamily="2" charset="-127"/>
-              </a:rPr>
-              <a:t>( pipe[0], "r" </a:t>
-            </a:r>
-            <a:r>
-              <a:rPr lang="en-US" altLang="ko-KR" sz="1200" dirty="0" smtClean="0">
-                <a:ln>
-                  <a:solidFill>
-                    <a:srgbClr val="FF7C80">
-                      <a:alpha val="90000"/>
-                    </a:srgbClr>
-                  </a:solidFill>
-                </a:ln>
-                <a:solidFill>
-                  <a:srgbClr val="FF7C80"/>
-                </a:solidFill>
-                <a:latin typeface="인터파크고딕 L" pitchFamily="2" charset="-127"/>
-                <a:ea typeface="인터파크고딕 L" pitchFamily="2" charset="-127"/>
-              </a:rPr>
-              <a:t>);    </a:t>
-            </a:r>
-            <a:endParaRPr lang="en-US" altLang="ko-KR" sz="1200" dirty="0" smtClean="0">
-              <a:ln>
-                <a:solidFill>
-                  <a:srgbClr val="FF7C80">
-                    <a:alpha val="90000"/>
-                  </a:srgbClr>
-                </a:solidFill>
-              </a:ln>
-              <a:solidFill>
-                <a:srgbClr val="FF7C80"/>
-              </a:solidFill>
-              <a:latin typeface="인터파크고딕 L" pitchFamily="2" charset="-127"/>
-              <a:ea typeface="인터파크고딕 L" pitchFamily="2" charset="-127"/>
-            </a:endParaRPr>
-          </a:p>
-          <a:p>
-            <a:pPr>
-              <a:lnSpc>
-                <a:spcPct val="150000"/>
-              </a:lnSpc>
-            </a:pPr>
-            <a:r>
-              <a:rPr lang="en-US" altLang="ko-KR" sz="1200" dirty="0" smtClean="0">
-                <a:ln>
-                  <a:solidFill>
-                    <a:srgbClr val="FF7C80">
-                      <a:alpha val="90000"/>
-                    </a:srgbClr>
-                  </a:solidFill>
-                </a:ln>
-                <a:solidFill>
-                  <a:srgbClr val="FF7C80"/>
-                </a:solidFill>
-                <a:latin typeface="인터파크고딕 L" pitchFamily="2" charset="-127"/>
-                <a:ea typeface="인터파크고딕 L" pitchFamily="2" charset="-127"/>
-              </a:rPr>
-              <a:t>    close(pipe[1]);</a:t>
-            </a:r>
-          </a:p>
-          <a:p>
-            <a:pPr>
-              <a:lnSpc>
-                <a:spcPct val="150000"/>
-              </a:lnSpc>
-            </a:pPr>
-            <a:r>
-              <a:rPr lang="en-US" altLang="ko-KR" sz="1200" dirty="0" smtClean="0">
-                <a:ln>
-                  <a:solidFill>
-                    <a:schemeClr val="bg1">
-                      <a:alpha val="90000"/>
-                    </a:schemeClr>
-                  </a:solidFill>
-                </a:ln>
-                <a:solidFill>
-                  <a:schemeClr val="bg1">
-                    <a:lumMod val="95000"/>
-                  </a:schemeClr>
-                </a:solidFill>
-                <a:latin typeface="인터파크고딕 L" pitchFamily="2" charset="-127"/>
-                <a:ea typeface="인터파크고딕 L" pitchFamily="2" charset="-127"/>
-              </a:rPr>
-              <a:t>    </a:t>
-            </a:r>
-          </a:p>
-          <a:p>
-            <a:pPr>
-              <a:lnSpc>
-                <a:spcPct val="150000"/>
-              </a:lnSpc>
-            </a:pPr>
-            <a:r>
-              <a:rPr lang="en-US" altLang="ko-KR" sz="1200" dirty="0" smtClean="0">
-                <a:ln>
-                  <a:solidFill>
-                    <a:schemeClr val="bg1">
-                      <a:alpha val="90000"/>
-                    </a:schemeClr>
-                  </a:solidFill>
-                </a:ln>
-                <a:solidFill>
-                  <a:schemeClr val="bg1">
-                    <a:lumMod val="95000"/>
-                  </a:schemeClr>
-                </a:solidFill>
-                <a:latin typeface="인터파크고딕 L" pitchFamily="2" charset="-127"/>
-                <a:ea typeface="인터파크고딕 L" pitchFamily="2" charset="-127"/>
-              </a:rPr>
-              <a:t>    for (</a:t>
-            </a:r>
-            <a:r>
-              <a:rPr lang="en-US" altLang="ko-KR" sz="1200" dirty="0" err="1" smtClean="0">
-                <a:ln>
-                  <a:solidFill>
-                    <a:schemeClr val="bg1">
-                      <a:alpha val="90000"/>
-                    </a:schemeClr>
-                  </a:solidFill>
-                </a:ln>
-                <a:solidFill>
-                  <a:schemeClr val="bg1">
-                    <a:lumMod val="95000"/>
-                  </a:schemeClr>
-                </a:solidFill>
-                <a:latin typeface="인터파크고딕 L" pitchFamily="2" charset="-127"/>
-                <a:ea typeface="인터파크고딕 L" pitchFamily="2" charset="-127"/>
-              </a:rPr>
-              <a:t>int</a:t>
-            </a:r>
-            <a:r>
-              <a:rPr lang="en-US" altLang="ko-KR" sz="1200" dirty="0" smtClean="0">
-                <a:ln>
-                  <a:solidFill>
-                    <a:schemeClr val="bg1">
-                      <a:alpha val="90000"/>
-                    </a:schemeClr>
-                  </a:solidFill>
-                </a:ln>
-                <a:solidFill>
-                  <a:schemeClr val="bg1">
-                    <a:lumMod val="95000"/>
-                  </a:schemeClr>
-                </a:solidFill>
-                <a:latin typeface="인터파크고딕 L" pitchFamily="2" charset="-127"/>
-                <a:ea typeface="인터파크고딕 L" pitchFamily="2" charset="-127"/>
-              </a:rPr>
-              <a:t> </a:t>
-            </a:r>
-            <a:r>
-              <a:rPr lang="en-US" altLang="ko-KR" sz="1200" dirty="0" err="1" smtClean="0">
-                <a:ln>
-                  <a:solidFill>
-                    <a:schemeClr val="bg1">
-                      <a:alpha val="90000"/>
-                    </a:schemeClr>
-                  </a:solidFill>
-                </a:ln>
-                <a:solidFill>
-                  <a:schemeClr val="bg1">
-                    <a:lumMod val="95000"/>
-                  </a:schemeClr>
-                </a:solidFill>
-                <a:latin typeface="인터파크고딕 L" pitchFamily="2" charset="-127"/>
-                <a:ea typeface="인터파크고딕 L" pitchFamily="2" charset="-127"/>
-              </a:rPr>
-              <a:t>i</a:t>
-            </a:r>
-            <a:r>
-              <a:rPr lang="en-US" altLang="ko-KR" sz="1200" dirty="0" smtClean="0">
-                <a:ln>
-                  <a:solidFill>
-                    <a:schemeClr val="bg1">
-                      <a:alpha val="90000"/>
-                    </a:schemeClr>
-                  </a:solidFill>
-                </a:ln>
-                <a:solidFill>
-                  <a:schemeClr val="bg1">
-                    <a:lumMod val="95000"/>
-                  </a:schemeClr>
-                </a:solidFill>
-                <a:latin typeface="인터파크고딕 L" pitchFamily="2" charset="-127"/>
-                <a:ea typeface="인터파크고딕 L" pitchFamily="2" charset="-127"/>
-              </a:rPr>
-              <a:t> = 0; </a:t>
-            </a:r>
-            <a:r>
-              <a:rPr lang="en-US" altLang="ko-KR" sz="1200" dirty="0" err="1" smtClean="0">
-                <a:ln>
-                  <a:solidFill>
-                    <a:schemeClr val="bg1">
-                      <a:alpha val="90000"/>
-                    </a:schemeClr>
-                  </a:solidFill>
-                </a:ln>
-                <a:solidFill>
-                  <a:schemeClr val="bg1">
-                    <a:lumMod val="95000"/>
-                  </a:schemeClr>
-                </a:solidFill>
-                <a:latin typeface="인터파크고딕 L" pitchFamily="2" charset="-127"/>
-                <a:ea typeface="인터파크고딕 L" pitchFamily="2" charset="-127"/>
-              </a:rPr>
-              <a:t>i</a:t>
-            </a:r>
-            <a:r>
-              <a:rPr lang="en-US" altLang="ko-KR" sz="1200" dirty="0" smtClean="0">
-                <a:ln>
-                  <a:solidFill>
-                    <a:schemeClr val="bg1">
-                      <a:alpha val="90000"/>
-                    </a:schemeClr>
-                  </a:solidFill>
-                </a:ln>
-                <a:solidFill>
-                  <a:schemeClr val="bg1">
-                    <a:lumMod val="95000"/>
-                  </a:schemeClr>
-                </a:solidFill>
-                <a:latin typeface="인터파크고딕 L" pitchFamily="2" charset="-127"/>
-                <a:ea typeface="인터파크고딕 L" pitchFamily="2" charset="-127"/>
-              </a:rPr>
-              <a:t> &lt; RANKCOUNT; </a:t>
-            </a:r>
-            <a:r>
-              <a:rPr lang="en-US" altLang="ko-KR" sz="1200" dirty="0" err="1" smtClean="0">
-                <a:ln>
-                  <a:solidFill>
-                    <a:schemeClr val="bg1">
-                      <a:alpha val="90000"/>
-                    </a:schemeClr>
-                  </a:solidFill>
-                </a:ln>
-                <a:solidFill>
-                  <a:schemeClr val="bg1">
-                    <a:lumMod val="95000"/>
-                  </a:schemeClr>
-                </a:solidFill>
-                <a:latin typeface="인터파크고딕 L" pitchFamily="2" charset="-127"/>
-                <a:ea typeface="인터파크고딕 L" pitchFamily="2" charset="-127"/>
-              </a:rPr>
-              <a:t>i</a:t>
-            </a:r>
-            <a:r>
-              <a:rPr lang="en-US" altLang="ko-KR" sz="1200" dirty="0" smtClean="0">
-                <a:ln>
-                  <a:solidFill>
-                    <a:schemeClr val="bg1">
-                      <a:alpha val="90000"/>
-                    </a:schemeClr>
-                  </a:solidFill>
-                </a:ln>
-                <a:solidFill>
-                  <a:schemeClr val="bg1">
-                    <a:lumMod val="95000"/>
-                  </a:schemeClr>
-                </a:solidFill>
-                <a:latin typeface="인터파크고딕 L" pitchFamily="2" charset="-127"/>
-                <a:ea typeface="인터파크고딕 L" pitchFamily="2" charset="-127"/>
-              </a:rPr>
-              <a:t>++)</a:t>
-            </a:r>
-          </a:p>
-          <a:p>
-            <a:pPr>
-              <a:lnSpc>
-                <a:spcPct val="150000"/>
-              </a:lnSpc>
-            </a:pPr>
-            <a:r>
-              <a:rPr lang="en-US" altLang="ko-KR" sz="1200" dirty="0" smtClean="0">
-                <a:ln>
-                  <a:solidFill>
-                    <a:schemeClr val="bg1">
-                      <a:alpha val="90000"/>
-                    </a:schemeClr>
-                  </a:solidFill>
-                </a:ln>
-                <a:solidFill>
-                  <a:schemeClr val="bg1">
-                    <a:lumMod val="95000"/>
-                  </a:schemeClr>
-                </a:solidFill>
-                <a:latin typeface="인터파크고딕 L" pitchFamily="2" charset="-127"/>
-                <a:ea typeface="인터파크고딕 L" pitchFamily="2" charset="-127"/>
-              </a:rPr>
-              <a:t>    {</a:t>
-            </a:r>
-          </a:p>
-          <a:p>
-            <a:pPr>
-              <a:lnSpc>
-                <a:spcPct val="150000"/>
-              </a:lnSpc>
-            </a:pPr>
-            <a:r>
-              <a:rPr lang="en-US" altLang="ko-KR" sz="1200" dirty="0" smtClean="0">
-                <a:ln>
-                  <a:solidFill>
-                    <a:schemeClr val="bg1">
-                      <a:alpha val="90000"/>
-                    </a:schemeClr>
-                  </a:solidFill>
-                </a:ln>
-                <a:solidFill>
-                  <a:schemeClr val="bg1">
-                    <a:lumMod val="95000"/>
-                  </a:schemeClr>
-                </a:solidFill>
-                <a:latin typeface="인터파크고딕 L" pitchFamily="2" charset="-127"/>
-                <a:ea typeface="인터파크고딕 L" pitchFamily="2" charset="-127"/>
-              </a:rPr>
-              <a:t>        if (</a:t>
-            </a:r>
-            <a:r>
-              <a:rPr lang="en-US" altLang="ko-KR" sz="1200" dirty="0" err="1" smtClean="0">
-                <a:ln>
-                  <a:solidFill>
-                    <a:schemeClr val="bg1">
-                      <a:alpha val="90000"/>
-                    </a:schemeClr>
-                  </a:solidFill>
-                </a:ln>
-                <a:solidFill>
-                  <a:schemeClr val="bg1">
-                    <a:lumMod val="95000"/>
-                  </a:schemeClr>
-                </a:solidFill>
-                <a:latin typeface="인터파크고딕 L" pitchFamily="2" charset="-127"/>
-                <a:ea typeface="인터파크고딕 L" pitchFamily="2" charset="-127"/>
-              </a:rPr>
-              <a:t>fgets</a:t>
-            </a:r>
-            <a:r>
-              <a:rPr lang="en-US" altLang="ko-KR" sz="1200" dirty="0" smtClean="0">
-                <a:ln>
-                  <a:solidFill>
-                    <a:schemeClr val="bg1">
-                      <a:alpha val="90000"/>
-                    </a:schemeClr>
-                  </a:solidFill>
-                </a:ln>
-                <a:solidFill>
-                  <a:schemeClr val="bg1">
-                    <a:lumMod val="95000"/>
-                  </a:schemeClr>
-                </a:solidFill>
-                <a:latin typeface="인터파크고딕 L" pitchFamily="2" charset="-127"/>
-                <a:ea typeface="인터파크고딕 L" pitchFamily="2" charset="-127"/>
-              </a:rPr>
-              <a:t>( </a:t>
-            </a:r>
-            <a:r>
-              <a:rPr lang="en-US" altLang="ko-KR" sz="1200" dirty="0" err="1" smtClean="0">
-                <a:ln>
-                  <a:solidFill>
-                    <a:schemeClr val="bg1">
-                      <a:alpha val="90000"/>
-                    </a:schemeClr>
-                  </a:solidFill>
-                </a:ln>
-                <a:solidFill>
-                  <a:schemeClr val="bg1">
-                    <a:lumMod val="95000"/>
-                  </a:schemeClr>
-                </a:solidFill>
-                <a:latin typeface="인터파크고딕 L" pitchFamily="2" charset="-127"/>
-                <a:ea typeface="인터파크고딕 L" pitchFamily="2" charset="-127"/>
-              </a:rPr>
-              <a:t>getMessage</a:t>
-            </a:r>
-            <a:r>
-              <a:rPr lang="en-US" altLang="ko-KR" sz="1200" dirty="0" smtClean="0">
-                <a:ln>
-                  <a:solidFill>
-                    <a:schemeClr val="bg1">
-                      <a:alpha val="90000"/>
-                    </a:schemeClr>
-                  </a:solidFill>
-                </a:ln>
-                <a:solidFill>
-                  <a:schemeClr val="bg1">
-                    <a:lumMod val="95000"/>
-                  </a:schemeClr>
-                </a:solidFill>
-                <a:latin typeface="인터파크고딕 L" pitchFamily="2" charset="-127"/>
-                <a:ea typeface="인터파크고딕 L" pitchFamily="2" charset="-127"/>
-              </a:rPr>
-              <a:t>[</a:t>
-            </a:r>
-            <a:r>
-              <a:rPr lang="en-US" altLang="ko-KR" sz="1200" dirty="0" err="1" smtClean="0">
-                <a:ln>
-                  <a:solidFill>
-                    <a:schemeClr val="bg1">
-                      <a:alpha val="90000"/>
-                    </a:schemeClr>
-                  </a:solidFill>
-                </a:ln>
-                <a:solidFill>
-                  <a:schemeClr val="bg1">
-                    <a:lumMod val="95000"/>
-                  </a:schemeClr>
-                </a:solidFill>
-                <a:latin typeface="인터파크고딕 L" pitchFamily="2" charset="-127"/>
-                <a:ea typeface="인터파크고딕 L" pitchFamily="2" charset="-127"/>
-              </a:rPr>
-              <a:t>i</a:t>
-            </a:r>
-            <a:r>
-              <a:rPr lang="en-US" altLang="ko-KR" sz="1200" dirty="0" smtClean="0">
-                <a:ln>
-                  <a:solidFill>
-                    <a:schemeClr val="bg1">
-                      <a:alpha val="90000"/>
-                    </a:schemeClr>
-                  </a:solidFill>
-                </a:ln>
-                <a:solidFill>
-                  <a:schemeClr val="bg1">
-                    <a:lumMod val="95000"/>
-                  </a:schemeClr>
-                </a:solidFill>
-                <a:latin typeface="인터파크고딕 L" pitchFamily="2" charset="-127"/>
-                <a:ea typeface="인터파크고딕 L" pitchFamily="2" charset="-127"/>
-              </a:rPr>
-              <a:t>], BUFSIZ, </a:t>
-            </a:r>
-            <a:r>
-              <a:rPr lang="en-US" altLang="ko-KR" sz="1200" dirty="0" err="1" smtClean="0">
-                <a:ln>
-                  <a:solidFill>
-                    <a:schemeClr val="bg1">
-                      <a:alpha val="90000"/>
-                    </a:schemeClr>
-                  </a:solidFill>
-                </a:ln>
-                <a:solidFill>
-                  <a:schemeClr val="bg1">
-                    <a:lumMod val="95000"/>
-                  </a:schemeClr>
-                </a:solidFill>
-                <a:latin typeface="인터파크고딕 L" pitchFamily="2" charset="-127"/>
-                <a:ea typeface="인터파크고딕 L" pitchFamily="2" charset="-127"/>
-              </a:rPr>
-              <a:t>fpin</a:t>
-            </a:r>
-            <a:r>
-              <a:rPr lang="en-US" altLang="ko-KR" sz="1200" dirty="0" smtClean="0">
-                <a:ln>
-                  <a:solidFill>
-                    <a:schemeClr val="bg1">
-                      <a:alpha val="90000"/>
-                    </a:schemeClr>
-                  </a:solidFill>
-                </a:ln>
-                <a:solidFill>
-                  <a:schemeClr val="bg1">
-                    <a:lumMod val="95000"/>
-                  </a:schemeClr>
-                </a:solidFill>
-                <a:latin typeface="인터파크고딕 L" pitchFamily="2" charset="-127"/>
-                <a:ea typeface="인터파크고딕 L" pitchFamily="2" charset="-127"/>
-              </a:rPr>
-              <a:t> ) == NULL)</a:t>
-            </a:r>
-          </a:p>
-          <a:p>
-            <a:pPr>
-              <a:lnSpc>
-                <a:spcPct val="150000"/>
-              </a:lnSpc>
-            </a:pPr>
-            <a:r>
-              <a:rPr lang="en-US" altLang="ko-KR" sz="1200" dirty="0" smtClean="0">
-                <a:ln>
-                  <a:solidFill>
-                    <a:schemeClr val="bg1">
-                      <a:alpha val="90000"/>
-                    </a:schemeClr>
-                  </a:solidFill>
-                </a:ln>
-                <a:solidFill>
-                  <a:schemeClr val="bg1">
-                    <a:lumMod val="95000"/>
-                  </a:schemeClr>
-                </a:solidFill>
-                <a:latin typeface="인터파크고딕 L" pitchFamily="2" charset="-127"/>
-                <a:ea typeface="인터파크고딕 L" pitchFamily="2" charset="-127"/>
-              </a:rPr>
-              <a:t>            break;</a:t>
-            </a:r>
-          </a:p>
-          <a:p>
-            <a:pPr>
-              <a:lnSpc>
-                <a:spcPct val="150000"/>
-              </a:lnSpc>
-            </a:pPr>
-            <a:r>
-              <a:rPr lang="en-US" altLang="ko-KR" sz="1200" dirty="0" smtClean="0">
-                <a:ln>
-                  <a:solidFill>
-                    <a:schemeClr val="bg1">
-                      <a:alpha val="90000"/>
-                    </a:schemeClr>
-                  </a:solidFill>
-                </a:ln>
-                <a:solidFill>
-                  <a:schemeClr val="bg1">
-                    <a:lumMod val="95000"/>
-                  </a:schemeClr>
-                </a:solidFill>
-                <a:latin typeface="인터파크고딕 L" pitchFamily="2" charset="-127"/>
-                <a:ea typeface="인터파크고딕 L" pitchFamily="2" charset="-127"/>
-              </a:rPr>
-              <a:t>    }</a:t>
-            </a:r>
-          </a:p>
-          <a:p>
-            <a:pPr>
-              <a:lnSpc>
-                <a:spcPct val="150000"/>
-              </a:lnSpc>
-            </a:pPr>
-            <a:r>
-              <a:rPr lang="en-US" altLang="ko-KR" sz="1200" dirty="0" smtClean="0">
-                <a:ln>
-                  <a:solidFill>
-                    <a:srgbClr val="FF7C80">
-                      <a:alpha val="90000"/>
-                    </a:srgbClr>
-                  </a:solidFill>
-                </a:ln>
-                <a:solidFill>
-                  <a:srgbClr val="FF7C80"/>
-                </a:solidFill>
-                <a:latin typeface="인터파크고딕 L" pitchFamily="2" charset="-127"/>
-                <a:ea typeface="인터파크고딕 L" pitchFamily="2" charset="-127"/>
-              </a:rPr>
-              <a:t>    </a:t>
-            </a:r>
-            <a:r>
-              <a:rPr lang="en-US" altLang="ko-KR" sz="1200" dirty="0" err="1" smtClean="0">
-                <a:ln>
-                  <a:solidFill>
-                    <a:srgbClr val="FF7C80">
-                      <a:alpha val="90000"/>
-                    </a:srgbClr>
-                  </a:solidFill>
-                </a:ln>
-                <a:solidFill>
-                  <a:srgbClr val="FF7C80"/>
-                </a:solidFill>
-                <a:latin typeface="인터파크고딕 L" pitchFamily="2" charset="-127"/>
-                <a:ea typeface="인터파크고딕 L" pitchFamily="2" charset="-127"/>
-              </a:rPr>
-              <a:t>fclose</a:t>
-            </a:r>
-            <a:r>
-              <a:rPr lang="en-US" altLang="ko-KR" sz="1200" dirty="0" smtClean="0">
-                <a:ln>
-                  <a:solidFill>
-                    <a:srgbClr val="FF7C80">
-                      <a:alpha val="90000"/>
-                    </a:srgbClr>
-                  </a:solidFill>
-                </a:ln>
-                <a:solidFill>
-                  <a:srgbClr val="FF7C80"/>
-                </a:solidFill>
-                <a:latin typeface="인터파크고딕 L" pitchFamily="2" charset="-127"/>
-                <a:ea typeface="인터파크고딕 L" pitchFamily="2" charset="-127"/>
-              </a:rPr>
-              <a:t>(</a:t>
-            </a:r>
-            <a:r>
-              <a:rPr lang="en-US" altLang="ko-KR" sz="1200" dirty="0" err="1" smtClean="0">
-                <a:ln>
-                  <a:solidFill>
-                    <a:srgbClr val="FF7C80">
-                      <a:alpha val="90000"/>
-                    </a:srgbClr>
-                  </a:solidFill>
-                </a:ln>
-                <a:solidFill>
-                  <a:srgbClr val="FF7C80"/>
-                </a:solidFill>
-                <a:latin typeface="인터파크고딕 L" pitchFamily="2" charset="-127"/>
-                <a:ea typeface="인터파크고딕 L" pitchFamily="2" charset="-127"/>
-              </a:rPr>
-              <a:t>fpin</a:t>
-            </a:r>
-            <a:r>
-              <a:rPr lang="en-US" altLang="ko-KR" sz="1200" dirty="0" smtClean="0">
-                <a:ln>
-                  <a:solidFill>
-                    <a:srgbClr val="FF7C80">
-                      <a:alpha val="90000"/>
-                    </a:srgbClr>
-                  </a:solidFill>
-                </a:ln>
-                <a:solidFill>
-                  <a:srgbClr val="FF7C80"/>
-                </a:solidFill>
-                <a:latin typeface="인터파크고딕 L" pitchFamily="2" charset="-127"/>
-                <a:ea typeface="인터파크고딕 L" pitchFamily="2" charset="-127"/>
-              </a:rPr>
-              <a:t>);</a:t>
-            </a:r>
-          </a:p>
-          <a:p>
-            <a:pPr>
-              <a:lnSpc>
-                <a:spcPct val="150000"/>
-              </a:lnSpc>
-            </a:pPr>
-            <a:r>
-              <a:rPr lang="en-US" altLang="ko-KR" sz="1200" dirty="0" smtClean="0">
-                <a:ln>
-                  <a:solidFill>
-                    <a:srgbClr val="009999">
-                      <a:alpha val="90000"/>
-                    </a:srgbClr>
-                  </a:solidFill>
-                </a:ln>
-                <a:solidFill>
-                  <a:srgbClr val="009999"/>
-                </a:solidFill>
-                <a:latin typeface="인터파크고딕 L" pitchFamily="2" charset="-127"/>
-                <a:ea typeface="인터파크고딕 L" pitchFamily="2" charset="-127"/>
-              </a:rPr>
-              <a:t>    </a:t>
-            </a:r>
-            <a:r>
-              <a:rPr lang="en-US" altLang="ko-KR" sz="1200" dirty="0" err="1" smtClean="0">
-                <a:ln>
-                  <a:solidFill>
-                    <a:srgbClr val="009999">
-                      <a:alpha val="90000"/>
-                    </a:srgbClr>
-                  </a:solidFill>
-                </a:ln>
-                <a:solidFill>
-                  <a:srgbClr val="009999"/>
-                </a:solidFill>
-                <a:latin typeface="인터파크고딕 L" pitchFamily="2" charset="-127"/>
-                <a:ea typeface="인터파크고딕 L" pitchFamily="2" charset="-127"/>
-              </a:rPr>
-              <a:t>print_rank</a:t>
-            </a:r>
-            <a:r>
-              <a:rPr lang="en-US" altLang="ko-KR" sz="1200" dirty="0" smtClean="0">
-                <a:ln>
-                  <a:solidFill>
-                    <a:srgbClr val="009999">
-                      <a:alpha val="90000"/>
-                    </a:srgbClr>
-                  </a:solidFill>
-                </a:ln>
-                <a:solidFill>
-                  <a:srgbClr val="009999"/>
-                </a:solidFill>
-                <a:latin typeface="인터파크고딕 L" pitchFamily="2" charset="-127"/>
-                <a:ea typeface="인터파크고딕 L" pitchFamily="2" charset="-127"/>
-              </a:rPr>
-              <a:t>();</a:t>
-            </a:r>
-          </a:p>
-          <a:p>
-            <a:pPr>
-              <a:lnSpc>
-                <a:spcPct val="150000"/>
-              </a:lnSpc>
-            </a:pPr>
-            <a:r>
-              <a:rPr lang="en-US" altLang="ko-KR" sz="1200" dirty="0" smtClean="0">
-                <a:ln>
-                  <a:solidFill>
-                    <a:schemeClr val="bg1">
-                      <a:alpha val="90000"/>
-                    </a:schemeClr>
-                  </a:solidFill>
-                </a:ln>
-                <a:solidFill>
-                  <a:schemeClr val="bg1">
-                    <a:lumMod val="95000"/>
-                  </a:schemeClr>
-                </a:solidFill>
-                <a:latin typeface="인터파크고딕 L" pitchFamily="2" charset="-127"/>
-                <a:ea typeface="인터파크고딕 L" pitchFamily="2" charset="-127"/>
-              </a:rPr>
-              <a:t>}</a:t>
-            </a:r>
-            <a:endParaRPr lang="en-US" altLang="ko-KR" sz="1200" dirty="0" smtClean="0">
-              <a:ln>
-                <a:solidFill>
-                  <a:schemeClr val="bg1">
-                    <a:alpha val="90000"/>
-                  </a:schemeClr>
-                </a:solidFill>
-              </a:ln>
-              <a:solidFill>
-                <a:schemeClr val="bg1">
-                  <a:lumMod val="95000"/>
-                </a:schemeClr>
-              </a:solidFill>
-              <a:latin typeface="인터파크고딕 L" pitchFamily="2" charset="-127"/>
-              <a:ea typeface="인터파크고딕 L" pitchFamily="2" charset="-127"/>
-            </a:endParaRPr>
-          </a:p>
-        </p:txBody>
-      </p:sp>
-    </p:spTree>
-  </p:cSld>
-  <p:clrMapOvr>
-    <a:masterClrMapping/>
-  </p:clrMapOvr>
-</p:sld>
-</file>
-
-<file path=ppt/slides/slide25.xml><?xml version="1.0" encoding="utf-8"?>
-<p:sld xmlns:a="http://schemas.openxmlformats.org/drawingml/2006/main" xmlns:r="http://schemas.openxmlformats.org/officeDocument/2006/relationships" xmlns:p="http://schemas.openxmlformats.org/presentationml/2006/main">
-  <p:cSld>
-    <p:bg>
-      <p:bgPr>
-        <a:blipFill dpi="0" rotWithShape="1">
-          <a:blip r:embed="rId2">
-            <a:lum/>
-          </a:blip>
-          <a:srcRect/>
-          <a:stretch>
-            <a:fillRect/>
-          </a:stretch>
-        </a:blipFill>
-        <a:effectLst/>
-      </p:bgPr>
-    </p:bg>
-    <p:spTree>
-      <p:nvGrpSpPr>
-        <p:cNvPr id="1" name=""/>
-        <p:cNvGrpSpPr/>
-        <p:nvPr/>
-      </p:nvGrpSpPr>
-      <p:grpSpPr>
-        <a:xfrm>
-          <a:off x="0" y="0"/>
-          <a:ext cx="0" cy="0"/>
-          <a:chOff x="0" y="0"/>
-          <a:chExt cx="0" cy="0"/>
-        </a:xfrm>
-      </p:grpSpPr>
-      <p:sp>
-        <p:nvSpPr>
-          <p:cNvPr id="2" name="TextBox 1"/>
-          <p:cNvSpPr txBox="1"/>
-          <p:nvPr/>
-        </p:nvSpPr>
-        <p:spPr>
-          <a:xfrm>
-            <a:off x="1488339" y="714356"/>
-            <a:ext cx="848309" cy="673326"/>
-          </a:xfrm>
-          <a:prstGeom prst="rect">
-            <a:avLst/>
-          </a:prstGeom>
-          <a:noFill/>
-          <a:ln>
-            <a:solidFill>
-              <a:schemeClr val="bg1">
-                <a:alpha val="0"/>
-              </a:schemeClr>
-            </a:solidFill>
-          </a:ln>
-        </p:spPr>
-        <p:txBody>
-          <a:bodyPr wrap="none" rtlCol="0">
-            <a:spAutoFit/>
-          </a:bodyPr>
-          <a:lstStyle/>
-          <a:p>
-            <a:pPr algn="r">
-              <a:lnSpc>
-                <a:spcPct val="150000"/>
-              </a:lnSpc>
-            </a:pPr>
-            <a:r>
-              <a:rPr lang="ko-KR" altLang="en-US" sz="2800" dirty="0" smtClean="0">
-                <a:ln>
-                  <a:solidFill>
-                    <a:schemeClr val="bg1">
-                      <a:alpha val="90000"/>
-                    </a:schemeClr>
-                  </a:solidFill>
-                </a:ln>
-                <a:solidFill>
-                  <a:schemeClr val="bg1"/>
-                </a:solidFill>
-                <a:latin typeface="인터파크고딕 L" pitchFamily="2" charset="-127"/>
-                <a:ea typeface="인터파크고딕 L" pitchFamily="2" charset="-127"/>
-              </a:rPr>
-              <a:t>개발</a:t>
-            </a:r>
-            <a:endParaRPr lang="en-US" altLang="ko-KR" sz="2800" dirty="0" smtClean="0">
-              <a:ln>
-                <a:solidFill>
-                  <a:schemeClr val="bg1">
-                    <a:alpha val="90000"/>
-                  </a:schemeClr>
-                </a:solidFill>
-              </a:ln>
-              <a:solidFill>
-                <a:schemeClr val="bg1"/>
-              </a:solidFill>
-              <a:latin typeface="인터파크고딕 L" pitchFamily="2" charset="-127"/>
-              <a:ea typeface="인터파크고딕 L" pitchFamily="2" charset="-127"/>
-            </a:endParaRPr>
-          </a:p>
-        </p:txBody>
-      </p:sp>
-      <p:sp>
-        <p:nvSpPr>
-          <p:cNvPr id="3" name="TextBox 2"/>
-          <p:cNvSpPr txBox="1"/>
-          <p:nvPr/>
-        </p:nvSpPr>
-        <p:spPr>
-          <a:xfrm>
-            <a:off x="3500430" y="220680"/>
-            <a:ext cx="4527201" cy="922304"/>
-          </a:xfrm>
-          <a:prstGeom prst="rect">
-            <a:avLst/>
-          </a:prstGeom>
-          <a:noFill/>
-          <a:ln>
-            <a:solidFill>
-              <a:schemeClr val="bg1">
-                <a:alpha val="0"/>
-              </a:schemeClr>
-            </a:solidFill>
-          </a:ln>
-        </p:spPr>
-        <p:txBody>
-          <a:bodyPr wrap="none" rtlCol="0" anchor="ctr">
-            <a:spAutoFit/>
-          </a:bodyPr>
-          <a:lstStyle/>
-          <a:p>
-            <a:pPr>
-              <a:lnSpc>
-                <a:spcPct val="150000"/>
-              </a:lnSpc>
-            </a:pPr>
-            <a:r>
-              <a:rPr lang="en-US" altLang="ko-KR" sz="4000" dirty="0" smtClean="0">
-                <a:ln>
-                  <a:solidFill>
-                    <a:schemeClr val="bg1">
-                      <a:alpha val="90000"/>
-                    </a:schemeClr>
-                  </a:solidFill>
-                </a:ln>
-                <a:solidFill>
-                  <a:schemeClr val="bg1"/>
-                </a:solidFill>
-                <a:latin typeface="인터파크고딕 L" pitchFamily="2" charset="-127"/>
-                <a:ea typeface="인터파크고딕 L" pitchFamily="2" charset="-127"/>
-              </a:rPr>
-              <a:t>How to Play </a:t>
-            </a:r>
-            <a:r>
-              <a:rPr lang="en-US" altLang="ko-KR" sz="4000" dirty="0" smtClean="0">
-                <a:ln>
-                  <a:solidFill>
-                    <a:srgbClr val="FF7C80">
-                      <a:alpha val="90000"/>
-                    </a:srgbClr>
-                  </a:solidFill>
-                </a:ln>
-                <a:solidFill>
-                  <a:srgbClr val="FF7C80"/>
-                </a:solidFill>
-                <a:latin typeface="인터파크고딕 L" pitchFamily="2" charset="-127"/>
-                <a:ea typeface="인터파크고딕 L" pitchFamily="2" charset="-127"/>
-              </a:rPr>
-              <a:t>2048</a:t>
-            </a:r>
-          </a:p>
-        </p:txBody>
-      </p:sp>
-      <p:sp>
-        <p:nvSpPr>
-          <p:cNvPr id="6" name="TextBox 5"/>
-          <p:cNvSpPr txBox="1"/>
-          <p:nvPr/>
-        </p:nvSpPr>
-        <p:spPr>
-          <a:xfrm>
-            <a:off x="3840368" y="1034341"/>
             <a:ext cx="2172390" cy="923330"/>
           </a:xfrm>
           <a:prstGeom prst="rect">
@@ -22117,7 +21554,7 @@
 </p:sld>
 </file>
 
-<file path=ppt/slides/slide26.xml><?xml version="1.0" encoding="utf-8"?>
+<file path=ppt/slides/slide25.xml><?xml version="1.0" encoding="utf-8"?>
 <p:sld xmlns:a="http://schemas.openxmlformats.org/drawingml/2006/main" xmlns:r="http://schemas.openxmlformats.org/officeDocument/2006/relationships" xmlns:p="http://schemas.openxmlformats.org/presentationml/2006/main">
   <p:cSld>
     <p:bg>
@@ -22320,7 +21757,7 @@
 </p:sld>
 </file>
 
-<file path=ppt/slides/slide27.xml><?xml version="1.0" encoding="utf-8"?>
+<file path=ppt/slides/slide26.xml><?xml version="1.0" encoding="utf-8"?>
 <p:sld xmlns:a="http://schemas.openxmlformats.org/drawingml/2006/main" xmlns:r="http://schemas.openxmlformats.org/officeDocument/2006/relationships" xmlns:p="http://schemas.openxmlformats.org/presentationml/2006/main">
   <p:cSld>
     <p:bg>
@@ -22940,7 +22377,7 @@
 </p:sld>
 </file>
 
-<file path=ppt/slides/slide28.xml><?xml version="1.0" encoding="utf-8"?>
+<file path=ppt/slides/slide27.xml><?xml version="1.0" encoding="utf-8"?>
 <p:sld xmlns:a="http://schemas.openxmlformats.org/drawingml/2006/main" xmlns:r="http://schemas.openxmlformats.org/officeDocument/2006/relationships" xmlns:p="http://schemas.openxmlformats.org/presentationml/2006/main">
   <p:cSld>
     <p:bg>
